--- a/keras_study.pptx
+++ b/keras_study.pptx
@@ -7,6 +7,7 @@
   <p:sldIdLst>
     <p:sldId id="257" r:id="rId2"/>
     <p:sldId id="256" r:id="rId3"/>
+    <p:sldId id="258" r:id="rId4"/>
   </p:sldIdLst>
   <p:sldSz cx="12192000" cy="6858000"/>
   <p:notesSz cx="6858000" cy="9144000"/>
@@ -244,7 +245,7 @@
           <a:p>
             <a:fld id="{00705162-2DCD-4805-8293-F7E7298B4880}" type="datetimeFigureOut">
               <a:rPr lang="ko-KR" altLang="en-US" smtClean="0"/>
-              <a:t>2019-12-03</a:t>
+              <a:t>2019-12-05</a:t>
             </a:fld>
             <a:endParaRPr lang="ko-KR" altLang="en-US"/>
           </a:p>
@@ -414,7 +415,7 @@
           <a:p>
             <a:fld id="{00705162-2DCD-4805-8293-F7E7298B4880}" type="datetimeFigureOut">
               <a:rPr lang="ko-KR" altLang="en-US" smtClean="0"/>
-              <a:t>2019-12-03</a:t>
+              <a:t>2019-12-05</a:t>
             </a:fld>
             <a:endParaRPr lang="ko-KR" altLang="en-US"/>
           </a:p>
@@ -594,7 +595,7 @@
           <a:p>
             <a:fld id="{00705162-2DCD-4805-8293-F7E7298B4880}" type="datetimeFigureOut">
               <a:rPr lang="ko-KR" altLang="en-US" smtClean="0"/>
-              <a:t>2019-12-03</a:t>
+              <a:t>2019-12-05</a:t>
             </a:fld>
             <a:endParaRPr lang="ko-KR" altLang="en-US"/>
           </a:p>
@@ -764,7 +765,7 @@
           <a:p>
             <a:fld id="{00705162-2DCD-4805-8293-F7E7298B4880}" type="datetimeFigureOut">
               <a:rPr lang="ko-KR" altLang="en-US" smtClean="0"/>
-              <a:t>2019-12-03</a:t>
+              <a:t>2019-12-05</a:t>
             </a:fld>
             <a:endParaRPr lang="ko-KR" altLang="en-US"/>
           </a:p>
@@ -1010,7 +1011,7 @@
           <a:p>
             <a:fld id="{00705162-2DCD-4805-8293-F7E7298B4880}" type="datetimeFigureOut">
               <a:rPr lang="ko-KR" altLang="en-US" smtClean="0"/>
-              <a:t>2019-12-03</a:t>
+              <a:t>2019-12-05</a:t>
             </a:fld>
             <a:endParaRPr lang="ko-KR" altLang="en-US"/>
           </a:p>
@@ -1242,7 +1243,7 @@
           <a:p>
             <a:fld id="{00705162-2DCD-4805-8293-F7E7298B4880}" type="datetimeFigureOut">
               <a:rPr lang="ko-KR" altLang="en-US" smtClean="0"/>
-              <a:t>2019-12-03</a:t>
+              <a:t>2019-12-05</a:t>
             </a:fld>
             <a:endParaRPr lang="ko-KR" altLang="en-US"/>
           </a:p>
@@ -1609,7 +1610,7 @@
           <a:p>
             <a:fld id="{00705162-2DCD-4805-8293-F7E7298B4880}" type="datetimeFigureOut">
               <a:rPr lang="ko-KR" altLang="en-US" smtClean="0"/>
-              <a:t>2019-12-03</a:t>
+              <a:t>2019-12-05</a:t>
             </a:fld>
             <a:endParaRPr lang="ko-KR" altLang="en-US"/>
           </a:p>
@@ -1727,7 +1728,7 @@
           <a:p>
             <a:fld id="{00705162-2DCD-4805-8293-F7E7298B4880}" type="datetimeFigureOut">
               <a:rPr lang="ko-KR" altLang="en-US" smtClean="0"/>
-              <a:t>2019-12-03</a:t>
+              <a:t>2019-12-05</a:t>
             </a:fld>
             <a:endParaRPr lang="ko-KR" altLang="en-US"/>
           </a:p>
@@ -1822,7 +1823,7 @@
           <a:p>
             <a:fld id="{00705162-2DCD-4805-8293-F7E7298B4880}" type="datetimeFigureOut">
               <a:rPr lang="ko-KR" altLang="en-US" smtClean="0"/>
-              <a:t>2019-12-03</a:t>
+              <a:t>2019-12-05</a:t>
             </a:fld>
             <a:endParaRPr lang="ko-KR" altLang="en-US"/>
           </a:p>
@@ -2099,7 +2100,7 @@
           <a:p>
             <a:fld id="{00705162-2DCD-4805-8293-F7E7298B4880}" type="datetimeFigureOut">
               <a:rPr lang="ko-KR" altLang="en-US" smtClean="0"/>
-              <a:t>2019-12-03</a:t>
+              <a:t>2019-12-05</a:t>
             </a:fld>
             <a:endParaRPr lang="ko-KR" altLang="en-US"/>
           </a:p>
@@ -2352,7 +2353,7 @@
           <a:p>
             <a:fld id="{00705162-2DCD-4805-8293-F7E7298B4880}" type="datetimeFigureOut">
               <a:rPr lang="ko-KR" altLang="en-US" smtClean="0"/>
-              <a:t>2019-12-03</a:t>
+              <a:t>2019-12-05</a:t>
             </a:fld>
             <a:endParaRPr lang="ko-KR" altLang="en-US"/>
           </a:p>
@@ -2565,7 +2566,7 @@
           <a:p>
             <a:fld id="{00705162-2DCD-4805-8293-F7E7298B4880}" type="datetimeFigureOut">
               <a:rPr lang="ko-KR" altLang="en-US" smtClean="0"/>
-              <a:t>2019-12-03</a:t>
+              <a:t>2019-12-05</a:t>
             </a:fld>
             <a:endParaRPr lang="ko-KR" altLang="en-US"/>
           </a:p>
@@ -2972,42 +2973,1716 @@
       </p:grpSpPr>
       <p:sp>
         <p:nvSpPr>
-          <p:cNvPr id="2" name="제목 1"/>
-          <p:cNvSpPr>
-            <a:spLocks noGrp="1"/>
-          </p:cNvSpPr>
-          <p:nvPr>
-            <p:ph type="ctrTitle"/>
-          </p:nvPr>
-        </p:nvSpPr>
-        <p:spPr/>
-        <p:txBody>
-          <a:bodyPr/>
+          <p:cNvPr id="4" name="TextBox 3"/>
+          <p:cNvSpPr txBox="1"/>
+          <p:nvPr/>
+        </p:nvSpPr>
+        <p:spPr>
+          <a:xfrm>
+            <a:off x="317989" y="237393"/>
+            <a:ext cx="1856641" cy="523220"/>
+          </a:xfrm>
+          <a:prstGeom prst="rect">
+            <a:avLst/>
+          </a:prstGeom>
+          <a:noFill/>
+        </p:spPr>
+        <p:txBody>
+          <a:bodyPr wrap="square" rtlCol="0">
+            <a:spAutoFit/>
+          </a:bodyPr>
           <a:lstStyle/>
           <a:p>
-            <a:endParaRPr lang="ko-KR" altLang="en-US"/>
-          </a:p>
-        </p:txBody>
-      </p:sp>
-      <p:sp>
-        <p:nvSpPr>
-          <p:cNvPr id="3" name="부제목 2"/>
-          <p:cNvSpPr>
-            <a:spLocks noGrp="1"/>
-          </p:cNvSpPr>
-          <p:nvPr>
-            <p:ph type="subTitle" idx="1"/>
-          </p:nvPr>
-        </p:nvSpPr>
-        <p:spPr/>
-        <p:txBody>
-          <a:bodyPr/>
-          <a:lstStyle/>
-          <a:p>
-            <a:endParaRPr lang="ko-KR" altLang="en-US"/>
-          </a:p>
-        </p:txBody>
-      </p:sp>
+            <a:r>
+              <a:rPr lang="en-US" altLang="ko-KR" sz="2800" dirty="0"/>
+              <a:t>1</a:t>
+            </a:r>
+            <a:r>
+              <a:rPr lang="en-US" altLang="ko-KR" sz="2800" dirty="0" smtClean="0"/>
+              <a:t> </a:t>
+            </a:r>
+            <a:r>
+              <a:rPr lang="ko-KR" altLang="en-US" sz="2800" dirty="0" smtClean="0"/>
+              <a:t>일차</a:t>
+            </a:r>
+            <a:endParaRPr lang="ko-KR" altLang="en-US" sz="2800" dirty="0"/>
+          </a:p>
+        </p:txBody>
+      </p:sp>
+      <p:grpSp>
+        <p:nvGrpSpPr>
+          <p:cNvPr id="50" name="그룹 49"/>
+          <p:cNvGrpSpPr/>
+          <p:nvPr/>
+        </p:nvGrpSpPr>
+        <p:grpSpPr>
+          <a:xfrm>
+            <a:off x="2962272" y="1683722"/>
+            <a:ext cx="6779605" cy="4300996"/>
+            <a:chOff x="1115889" y="1683722"/>
+            <a:chExt cx="6779605" cy="4300996"/>
+          </a:xfrm>
+        </p:grpSpPr>
+        <p:sp>
+          <p:nvSpPr>
+            <p:cNvPr id="39" name="TextBox 38"/>
+            <p:cNvSpPr txBox="1"/>
+            <p:nvPr/>
+          </p:nvSpPr>
+          <p:spPr>
+            <a:xfrm>
+              <a:off x="3641481" y="1715907"/>
+              <a:ext cx="2690446" cy="369332"/>
+            </a:xfrm>
+            <a:prstGeom prst="rect">
+              <a:avLst/>
+            </a:prstGeom>
+            <a:noFill/>
+          </p:spPr>
+          <p:txBody>
+            <a:bodyPr wrap="square" rtlCol="0">
+              <a:spAutoFit/>
+            </a:bodyPr>
+            <a:lstStyle/>
+            <a:p>
+              <a:r>
+                <a:rPr lang="en-US" altLang="ko-KR" dirty="0" smtClean="0">
+                  <a:sym typeface="Wingdings" panose="05000000000000000000" pitchFamily="2" charset="2"/>
+                </a:rPr>
+                <a:t> </a:t>
+              </a:r>
+              <a:r>
+                <a:rPr lang="en-US" altLang="ko-KR" dirty="0" err="1" smtClean="0">
+                  <a:sym typeface="Wingdings" panose="05000000000000000000" pitchFamily="2" charset="2"/>
+                </a:rPr>
+                <a:t>input_dim</a:t>
+              </a:r>
+              <a:r>
+                <a:rPr lang="en-US" altLang="ko-KR" dirty="0" smtClean="0">
+                  <a:sym typeface="Wingdings" panose="05000000000000000000" pitchFamily="2" charset="2"/>
+                </a:rPr>
+                <a:t> = 1</a:t>
+              </a:r>
+              <a:endParaRPr lang="ko-KR" altLang="en-US" dirty="0"/>
+            </a:p>
+          </p:txBody>
+        </p:sp>
+        <p:sp>
+          <p:nvSpPr>
+            <p:cNvPr id="42" name="TextBox 41"/>
+            <p:cNvSpPr txBox="1"/>
+            <p:nvPr/>
+          </p:nvSpPr>
+          <p:spPr>
+            <a:xfrm>
+              <a:off x="4656992" y="4161659"/>
+              <a:ext cx="2690446" cy="369332"/>
+            </a:xfrm>
+            <a:prstGeom prst="rect">
+              <a:avLst/>
+            </a:prstGeom>
+            <a:noFill/>
+          </p:spPr>
+          <p:txBody>
+            <a:bodyPr wrap="square" rtlCol="0">
+              <a:spAutoFit/>
+            </a:bodyPr>
+            <a:lstStyle/>
+            <a:p>
+              <a:r>
+                <a:rPr lang="en-US" altLang="ko-KR" dirty="0" smtClean="0">
+                  <a:sym typeface="Wingdings" panose="05000000000000000000" pitchFamily="2" charset="2"/>
+                </a:rPr>
+                <a:t> </a:t>
+              </a:r>
+              <a:r>
+                <a:rPr lang="en-US" altLang="ko-KR" dirty="0" err="1" smtClean="0">
+                  <a:sym typeface="Wingdings" panose="05000000000000000000" pitchFamily="2" charset="2"/>
+                </a:rPr>
+                <a:t>model.add</a:t>
+              </a:r>
+              <a:r>
+                <a:rPr lang="en-US" altLang="ko-KR" dirty="0" smtClean="0">
+                  <a:sym typeface="Wingdings" panose="05000000000000000000" pitchFamily="2" charset="2"/>
+                </a:rPr>
+                <a:t>(Dense(3))</a:t>
+              </a:r>
+              <a:endParaRPr lang="ko-KR" altLang="en-US" dirty="0"/>
+            </a:p>
+          </p:txBody>
+        </p:sp>
+        <p:sp>
+          <p:nvSpPr>
+            <p:cNvPr id="43" name="TextBox 42"/>
+            <p:cNvSpPr txBox="1"/>
+            <p:nvPr/>
+          </p:nvSpPr>
+          <p:spPr>
+            <a:xfrm>
+              <a:off x="3588727" y="5338387"/>
+              <a:ext cx="2690446" cy="646331"/>
+            </a:xfrm>
+            <a:prstGeom prst="rect">
+              <a:avLst/>
+            </a:prstGeom>
+            <a:noFill/>
+          </p:spPr>
+          <p:txBody>
+            <a:bodyPr wrap="square" rtlCol="0">
+              <a:spAutoFit/>
+            </a:bodyPr>
+            <a:lstStyle/>
+            <a:p>
+              <a:r>
+                <a:rPr lang="en-US" altLang="ko-KR" dirty="0" smtClean="0">
+                  <a:sym typeface="Wingdings" panose="05000000000000000000" pitchFamily="2" charset="2"/>
+                </a:rPr>
+                <a:t> </a:t>
+              </a:r>
+              <a:r>
+                <a:rPr lang="en-US" altLang="ko-KR" dirty="0" err="1" smtClean="0">
+                  <a:sym typeface="Wingdings" panose="05000000000000000000" pitchFamily="2" charset="2"/>
+                </a:rPr>
+                <a:t>model.add</a:t>
+              </a:r>
+              <a:r>
+                <a:rPr lang="en-US" altLang="ko-KR" dirty="0" smtClean="0">
+                  <a:sym typeface="Wingdings" panose="05000000000000000000" pitchFamily="2" charset="2"/>
+                </a:rPr>
+                <a:t>(Dense(1))</a:t>
+              </a:r>
+            </a:p>
+            <a:p>
+              <a:r>
+                <a:rPr lang="en-US" altLang="ko-KR" dirty="0" smtClean="0">
+                  <a:sym typeface="Wingdings" panose="05000000000000000000" pitchFamily="2" charset="2"/>
+                </a:rPr>
+                <a:t> output</a:t>
+              </a:r>
+              <a:endParaRPr lang="ko-KR" altLang="en-US" dirty="0"/>
+            </a:p>
+          </p:txBody>
+        </p:sp>
+        <p:sp>
+          <p:nvSpPr>
+            <p:cNvPr id="44" name="TextBox 43"/>
+            <p:cNvSpPr txBox="1"/>
+            <p:nvPr/>
+          </p:nvSpPr>
+          <p:spPr>
+            <a:xfrm>
+              <a:off x="5205048" y="2869656"/>
+              <a:ext cx="2690446" cy="369332"/>
+            </a:xfrm>
+            <a:prstGeom prst="rect">
+              <a:avLst/>
+            </a:prstGeom>
+            <a:noFill/>
+          </p:spPr>
+          <p:txBody>
+            <a:bodyPr wrap="square" rtlCol="0">
+              <a:spAutoFit/>
+            </a:bodyPr>
+            <a:lstStyle/>
+            <a:p>
+              <a:r>
+                <a:rPr lang="en-US" altLang="ko-KR" dirty="0" smtClean="0">
+                  <a:sym typeface="Wingdings" panose="05000000000000000000" pitchFamily="2" charset="2"/>
+                </a:rPr>
+                <a:t> </a:t>
+              </a:r>
+              <a:r>
+                <a:rPr lang="en-US" altLang="ko-KR" dirty="0" err="1" smtClean="0">
+                  <a:sym typeface="Wingdings" panose="05000000000000000000" pitchFamily="2" charset="2"/>
+                </a:rPr>
+                <a:t>model.add</a:t>
+              </a:r>
+              <a:r>
+                <a:rPr lang="en-US" altLang="ko-KR" dirty="0" smtClean="0">
+                  <a:sym typeface="Wingdings" panose="05000000000000000000" pitchFamily="2" charset="2"/>
+                </a:rPr>
+                <a:t>(Dense(5))</a:t>
+              </a:r>
+              <a:endParaRPr lang="ko-KR" altLang="en-US" dirty="0"/>
+            </a:p>
+          </p:txBody>
+        </p:sp>
+        <p:grpSp>
+          <p:nvGrpSpPr>
+            <p:cNvPr id="2" name="그룹 1"/>
+            <p:cNvGrpSpPr/>
+            <p:nvPr/>
+          </p:nvGrpSpPr>
+          <p:grpSpPr>
+            <a:xfrm>
+              <a:off x="1115889" y="1683722"/>
+              <a:ext cx="3787288" cy="4126654"/>
+              <a:chOff x="1115889" y="1683722"/>
+              <a:chExt cx="3787288" cy="4126654"/>
+            </a:xfrm>
+          </p:grpSpPr>
+          <p:grpSp>
+            <p:nvGrpSpPr>
+              <p:cNvPr id="5" name="그룹 4"/>
+              <p:cNvGrpSpPr/>
+              <p:nvPr/>
+            </p:nvGrpSpPr>
+            <p:grpSpPr>
+              <a:xfrm>
+                <a:off x="1122484" y="1683722"/>
+                <a:ext cx="3780693" cy="4041532"/>
+                <a:chOff x="1034561" y="1459518"/>
+                <a:chExt cx="3780693" cy="4041532"/>
+              </a:xfrm>
+            </p:grpSpPr>
+            <p:sp>
+              <p:nvSpPr>
+                <p:cNvPr id="6" name="타원 5"/>
+                <p:cNvSpPr/>
+                <p:nvPr/>
+              </p:nvSpPr>
+              <p:spPr>
+                <a:xfrm>
+                  <a:off x="2668465" y="1459518"/>
+                  <a:ext cx="492369" cy="448408"/>
+                </a:xfrm>
+                <a:prstGeom prst="ellipse">
+                  <a:avLst/>
+                </a:prstGeom>
+              </p:spPr>
+              <p:style>
+                <a:lnRef idx="2">
+                  <a:schemeClr val="accent1">
+                    <a:shade val="50000"/>
+                  </a:schemeClr>
+                </a:lnRef>
+                <a:fillRef idx="1">
+                  <a:schemeClr val="accent1"/>
+                </a:fillRef>
+                <a:effectRef idx="0">
+                  <a:schemeClr val="accent1"/>
+                </a:effectRef>
+                <a:fontRef idx="minor">
+                  <a:schemeClr val="lt1"/>
+                </a:fontRef>
+              </p:style>
+              <p:txBody>
+                <a:bodyPr rtlCol="0" anchor="ctr"/>
+                <a:lstStyle/>
+                <a:p>
+                  <a:pPr algn="ctr"/>
+                  <a:endParaRPr lang="ko-KR" altLang="en-US"/>
+                </a:p>
+              </p:txBody>
+            </p:sp>
+            <p:sp>
+              <p:nvSpPr>
+                <p:cNvPr id="7" name="타원 6"/>
+                <p:cNvSpPr/>
+                <p:nvPr/>
+              </p:nvSpPr>
+              <p:spPr>
+                <a:xfrm>
+                  <a:off x="1034561" y="2611309"/>
+                  <a:ext cx="492369" cy="448408"/>
+                </a:xfrm>
+                <a:prstGeom prst="ellipse">
+                  <a:avLst/>
+                </a:prstGeom>
+              </p:spPr>
+              <p:style>
+                <a:lnRef idx="2">
+                  <a:schemeClr val="accent1">
+                    <a:shade val="50000"/>
+                  </a:schemeClr>
+                </a:lnRef>
+                <a:fillRef idx="1">
+                  <a:schemeClr val="accent1"/>
+                </a:fillRef>
+                <a:effectRef idx="0">
+                  <a:schemeClr val="accent1"/>
+                </a:effectRef>
+                <a:fontRef idx="minor">
+                  <a:schemeClr val="lt1"/>
+                </a:fontRef>
+              </p:style>
+              <p:txBody>
+                <a:bodyPr rtlCol="0" anchor="ctr"/>
+                <a:lstStyle/>
+                <a:p>
+                  <a:pPr algn="ctr"/>
+                  <a:endParaRPr lang="ko-KR" altLang="en-US"/>
+                </a:p>
+              </p:txBody>
+            </p:sp>
+            <p:sp>
+              <p:nvSpPr>
+                <p:cNvPr id="8" name="타원 7"/>
+                <p:cNvSpPr/>
+                <p:nvPr/>
+              </p:nvSpPr>
+              <p:spPr>
+                <a:xfrm>
+                  <a:off x="1856642" y="2614239"/>
+                  <a:ext cx="492369" cy="448408"/>
+                </a:xfrm>
+                <a:prstGeom prst="ellipse">
+                  <a:avLst/>
+                </a:prstGeom>
+              </p:spPr>
+              <p:style>
+                <a:lnRef idx="2">
+                  <a:schemeClr val="accent1">
+                    <a:shade val="50000"/>
+                  </a:schemeClr>
+                </a:lnRef>
+                <a:fillRef idx="1">
+                  <a:schemeClr val="accent1"/>
+                </a:fillRef>
+                <a:effectRef idx="0">
+                  <a:schemeClr val="accent1"/>
+                </a:effectRef>
+                <a:fontRef idx="minor">
+                  <a:schemeClr val="lt1"/>
+                </a:fontRef>
+              </p:style>
+              <p:txBody>
+                <a:bodyPr rtlCol="0" anchor="ctr"/>
+                <a:lstStyle/>
+                <a:p>
+                  <a:pPr algn="ctr"/>
+                  <a:endParaRPr lang="ko-KR" altLang="en-US"/>
+                </a:p>
+              </p:txBody>
+            </p:sp>
+            <p:sp>
+              <p:nvSpPr>
+                <p:cNvPr id="9" name="타원 8"/>
+                <p:cNvSpPr/>
+                <p:nvPr/>
+              </p:nvSpPr>
+              <p:spPr>
+                <a:xfrm>
+                  <a:off x="2678723" y="2614243"/>
+                  <a:ext cx="492369" cy="448408"/>
+                </a:xfrm>
+                <a:prstGeom prst="ellipse">
+                  <a:avLst/>
+                </a:prstGeom>
+              </p:spPr>
+              <p:style>
+                <a:lnRef idx="2">
+                  <a:schemeClr val="accent1">
+                    <a:shade val="50000"/>
+                  </a:schemeClr>
+                </a:lnRef>
+                <a:fillRef idx="1">
+                  <a:schemeClr val="accent1"/>
+                </a:fillRef>
+                <a:effectRef idx="0">
+                  <a:schemeClr val="accent1"/>
+                </a:effectRef>
+                <a:fontRef idx="minor">
+                  <a:schemeClr val="lt1"/>
+                </a:fontRef>
+              </p:style>
+              <p:txBody>
+                <a:bodyPr rtlCol="0" anchor="ctr"/>
+                <a:lstStyle/>
+                <a:p>
+                  <a:pPr algn="ctr"/>
+                  <a:endParaRPr lang="ko-KR" altLang="en-US"/>
+                </a:p>
+              </p:txBody>
+            </p:sp>
+            <p:sp>
+              <p:nvSpPr>
+                <p:cNvPr id="10" name="타원 9"/>
+                <p:cNvSpPr/>
+                <p:nvPr/>
+              </p:nvSpPr>
+              <p:spPr>
+                <a:xfrm>
+                  <a:off x="3500804" y="2614243"/>
+                  <a:ext cx="492369" cy="448408"/>
+                </a:xfrm>
+                <a:prstGeom prst="ellipse">
+                  <a:avLst/>
+                </a:prstGeom>
+              </p:spPr>
+              <p:style>
+                <a:lnRef idx="2">
+                  <a:schemeClr val="accent1">
+                    <a:shade val="50000"/>
+                  </a:schemeClr>
+                </a:lnRef>
+                <a:fillRef idx="1">
+                  <a:schemeClr val="accent1"/>
+                </a:fillRef>
+                <a:effectRef idx="0">
+                  <a:schemeClr val="accent1"/>
+                </a:effectRef>
+                <a:fontRef idx="minor">
+                  <a:schemeClr val="lt1"/>
+                </a:fontRef>
+              </p:style>
+              <p:txBody>
+                <a:bodyPr rtlCol="0" anchor="ctr"/>
+                <a:lstStyle/>
+                <a:p>
+                  <a:pPr algn="ctr"/>
+                  <a:endParaRPr lang="ko-KR" altLang="en-US"/>
+                </a:p>
+              </p:txBody>
+            </p:sp>
+            <p:sp>
+              <p:nvSpPr>
+                <p:cNvPr id="11" name="타원 10"/>
+                <p:cNvSpPr/>
+                <p:nvPr/>
+              </p:nvSpPr>
+              <p:spPr>
+                <a:xfrm>
+                  <a:off x="4322885" y="2614241"/>
+                  <a:ext cx="492369" cy="448408"/>
+                </a:xfrm>
+                <a:prstGeom prst="ellipse">
+                  <a:avLst/>
+                </a:prstGeom>
+              </p:spPr>
+              <p:style>
+                <a:lnRef idx="2">
+                  <a:schemeClr val="accent1">
+                    <a:shade val="50000"/>
+                  </a:schemeClr>
+                </a:lnRef>
+                <a:fillRef idx="1">
+                  <a:schemeClr val="accent1"/>
+                </a:fillRef>
+                <a:effectRef idx="0">
+                  <a:schemeClr val="accent1"/>
+                </a:effectRef>
+                <a:fontRef idx="minor">
+                  <a:schemeClr val="lt1"/>
+                </a:fontRef>
+              </p:style>
+              <p:txBody>
+                <a:bodyPr rtlCol="0" anchor="ctr"/>
+                <a:lstStyle/>
+                <a:p>
+                  <a:pPr algn="ctr"/>
+                  <a:endParaRPr lang="ko-KR" altLang="en-US"/>
+                </a:p>
+              </p:txBody>
+            </p:sp>
+            <p:sp>
+              <p:nvSpPr>
+                <p:cNvPr id="12" name="타원 11"/>
+                <p:cNvSpPr/>
+                <p:nvPr/>
+              </p:nvSpPr>
+              <p:spPr>
+                <a:xfrm>
+                  <a:off x="1682261" y="3897917"/>
+                  <a:ext cx="492369" cy="448408"/>
+                </a:xfrm>
+                <a:prstGeom prst="ellipse">
+                  <a:avLst/>
+                </a:prstGeom>
+              </p:spPr>
+              <p:style>
+                <a:lnRef idx="2">
+                  <a:schemeClr val="accent1">
+                    <a:shade val="50000"/>
+                  </a:schemeClr>
+                </a:lnRef>
+                <a:fillRef idx="1">
+                  <a:schemeClr val="accent1"/>
+                </a:fillRef>
+                <a:effectRef idx="0">
+                  <a:schemeClr val="accent1"/>
+                </a:effectRef>
+                <a:fontRef idx="minor">
+                  <a:schemeClr val="lt1"/>
+                </a:fontRef>
+              </p:style>
+              <p:txBody>
+                <a:bodyPr rtlCol="0" anchor="ctr"/>
+                <a:lstStyle/>
+                <a:p>
+                  <a:pPr algn="ctr"/>
+                  <a:endParaRPr lang="ko-KR" altLang="en-US"/>
+                </a:p>
+              </p:txBody>
+            </p:sp>
+            <p:sp>
+              <p:nvSpPr>
+                <p:cNvPr id="13" name="타원 12"/>
+                <p:cNvSpPr/>
+                <p:nvPr/>
+              </p:nvSpPr>
+              <p:spPr>
+                <a:xfrm>
+                  <a:off x="2706565" y="3897917"/>
+                  <a:ext cx="492369" cy="448408"/>
+                </a:xfrm>
+                <a:prstGeom prst="ellipse">
+                  <a:avLst/>
+                </a:prstGeom>
+              </p:spPr>
+              <p:style>
+                <a:lnRef idx="2">
+                  <a:schemeClr val="accent1">
+                    <a:shade val="50000"/>
+                  </a:schemeClr>
+                </a:lnRef>
+                <a:fillRef idx="1">
+                  <a:schemeClr val="accent1"/>
+                </a:fillRef>
+                <a:effectRef idx="0">
+                  <a:schemeClr val="accent1"/>
+                </a:effectRef>
+                <a:fontRef idx="minor">
+                  <a:schemeClr val="lt1"/>
+                </a:fontRef>
+              </p:style>
+              <p:txBody>
+                <a:bodyPr rtlCol="0" anchor="ctr"/>
+                <a:lstStyle/>
+                <a:p>
+                  <a:pPr algn="ctr"/>
+                  <a:endParaRPr lang="ko-KR" altLang="en-US"/>
+                </a:p>
+              </p:txBody>
+            </p:sp>
+            <p:sp>
+              <p:nvSpPr>
+                <p:cNvPr id="14" name="타원 13"/>
+                <p:cNvSpPr/>
+                <p:nvPr/>
+              </p:nvSpPr>
+              <p:spPr>
+                <a:xfrm>
+                  <a:off x="3730869" y="3897917"/>
+                  <a:ext cx="492369" cy="448408"/>
+                </a:xfrm>
+                <a:prstGeom prst="ellipse">
+                  <a:avLst/>
+                </a:prstGeom>
+              </p:spPr>
+              <p:style>
+                <a:lnRef idx="2">
+                  <a:schemeClr val="accent1">
+                    <a:shade val="50000"/>
+                  </a:schemeClr>
+                </a:lnRef>
+                <a:fillRef idx="1">
+                  <a:schemeClr val="accent1"/>
+                </a:fillRef>
+                <a:effectRef idx="0">
+                  <a:schemeClr val="accent1"/>
+                </a:effectRef>
+                <a:fontRef idx="minor">
+                  <a:schemeClr val="lt1"/>
+                </a:fontRef>
+              </p:style>
+              <p:txBody>
+                <a:bodyPr rtlCol="0" anchor="ctr"/>
+                <a:lstStyle/>
+                <a:p>
+                  <a:pPr algn="ctr"/>
+                  <a:endParaRPr lang="ko-KR" altLang="en-US"/>
+                </a:p>
+              </p:txBody>
+            </p:sp>
+            <p:sp>
+              <p:nvSpPr>
+                <p:cNvPr id="15" name="타원 14"/>
+                <p:cNvSpPr/>
+                <p:nvPr/>
+              </p:nvSpPr>
+              <p:spPr>
+                <a:xfrm>
+                  <a:off x="2722683" y="5052642"/>
+                  <a:ext cx="492369" cy="448408"/>
+                </a:xfrm>
+                <a:prstGeom prst="ellipse">
+                  <a:avLst/>
+                </a:prstGeom>
+              </p:spPr>
+              <p:style>
+                <a:lnRef idx="2">
+                  <a:schemeClr val="accent1">
+                    <a:shade val="50000"/>
+                  </a:schemeClr>
+                </a:lnRef>
+                <a:fillRef idx="1">
+                  <a:schemeClr val="accent1"/>
+                </a:fillRef>
+                <a:effectRef idx="0">
+                  <a:schemeClr val="accent1"/>
+                </a:effectRef>
+                <a:fontRef idx="minor">
+                  <a:schemeClr val="lt1"/>
+                </a:fontRef>
+              </p:style>
+              <p:txBody>
+                <a:bodyPr rtlCol="0" anchor="ctr"/>
+                <a:lstStyle/>
+                <a:p>
+                  <a:pPr algn="ctr"/>
+                  <a:endParaRPr lang="ko-KR" altLang="en-US"/>
+                </a:p>
+              </p:txBody>
+            </p:sp>
+            <p:cxnSp>
+              <p:nvCxnSpPr>
+                <p:cNvPr id="16" name="직선 연결선 15"/>
+                <p:cNvCxnSpPr>
+                  <a:stCxn id="6" idx="4"/>
+                  <a:endCxn id="7" idx="0"/>
+                </p:cNvCxnSpPr>
+                <p:nvPr/>
+              </p:nvCxnSpPr>
+              <p:spPr>
+                <a:xfrm flipH="1">
+                  <a:off x="1280746" y="1907926"/>
+                  <a:ext cx="1633904" cy="703383"/>
+                </a:xfrm>
+                <a:prstGeom prst="line">
+                  <a:avLst/>
+                </a:prstGeom>
+                <a:ln w="38100"/>
+              </p:spPr>
+              <p:style>
+                <a:lnRef idx="1">
+                  <a:schemeClr val="accent1"/>
+                </a:lnRef>
+                <a:fillRef idx="0">
+                  <a:schemeClr val="accent1"/>
+                </a:fillRef>
+                <a:effectRef idx="0">
+                  <a:schemeClr val="accent1"/>
+                </a:effectRef>
+                <a:fontRef idx="minor">
+                  <a:schemeClr val="tx1"/>
+                </a:fontRef>
+              </p:style>
+            </p:cxnSp>
+            <p:cxnSp>
+              <p:nvCxnSpPr>
+                <p:cNvPr id="17" name="직선 연결선 16"/>
+                <p:cNvCxnSpPr>
+                  <a:stCxn id="6" idx="4"/>
+                  <a:endCxn id="8" idx="0"/>
+                </p:cNvCxnSpPr>
+                <p:nvPr/>
+              </p:nvCxnSpPr>
+              <p:spPr>
+                <a:xfrm flipH="1">
+                  <a:off x="2102827" y="1907926"/>
+                  <a:ext cx="811823" cy="706313"/>
+                </a:xfrm>
+                <a:prstGeom prst="line">
+                  <a:avLst/>
+                </a:prstGeom>
+                <a:ln w="38100"/>
+              </p:spPr>
+              <p:style>
+                <a:lnRef idx="1">
+                  <a:schemeClr val="accent1"/>
+                </a:lnRef>
+                <a:fillRef idx="0">
+                  <a:schemeClr val="accent1"/>
+                </a:fillRef>
+                <a:effectRef idx="0">
+                  <a:schemeClr val="accent1"/>
+                </a:effectRef>
+                <a:fontRef idx="minor">
+                  <a:schemeClr val="tx1"/>
+                </a:fontRef>
+              </p:style>
+            </p:cxnSp>
+            <p:cxnSp>
+              <p:nvCxnSpPr>
+                <p:cNvPr id="18" name="직선 연결선 17"/>
+                <p:cNvCxnSpPr>
+                  <a:stCxn id="6" idx="4"/>
+                  <a:endCxn id="9" idx="0"/>
+                </p:cNvCxnSpPr>
+                <p:nvPr/>
+              </p:nvCxnSpPr>
+              <p:spPr>
+                <a:xfrm>
+                  <a:off x="2914650" y="1907926"/>
+                  <a:ext cx="10258" cy="706317"/>
+                </a:xfrm>
+                <a:prstGeom prst="line">
+                  <a:avLst/>
+                </a:prstGeom>
+                <a:ln w="38100"/>
+              </p:spPr>
+              <p:style>
+                <a:lnRef idx="1">
+                  <a:schemeClr val="accent1"/>
+                </a:lnRef>
+                <a:fillRef idx="0">
+                  <a:schemeClr val="accent1"/>
+                </a:fillRef>
+                <a:effectRef idx="0">
+                  <a:schemeClr val="accent1"/>
+                </a:effectRef>
+                <a:fontRef idx="minor">
+                  <a:schemeClr val="tx1"/>
+                </a:fontRef>
+              </p:style>
+            </p:cxnSp>
+            <p:cxnSp>
+              <p:nvCxnSpPr>
+                <p:cNvPr id="19" name="직선 연결선 18"/>
+                <p:cNvCxnSpPr>
+                  <a:stCxn id="6" idx="4"/>
+                  <a:endCxn id="10" idx="0"/>
+                </p:cNvCxnSpPr>
+                <p:nvPr/>
+              </p:nvCxnSpPr>
+              <p:spPr>
+                <a:xfrm>
+                  <a:off x="2914650" y="1907926"/>
+                  <a:ext cx="832339" cy="706317"/>
+                </a:xfrm>
+                <a:prstGeom prst="line">
+                  <a:avLst/>
+                </a:prstGeom>
+                <a:ln w="38100"/>
+              </p:spPr>
+              <p:style>
+                <a:lnRef idx="1">
+                  <a:schemeClr val="accent1"/>
+                </a:lnRef>
+                <a:fillRef idx="0">
+                  <a:schemeClr val="accent1"/>
+                </a:fillRef>
+                <a:effectRef idx="0">
+                  <a:schemeClr val="accent1"/>
+                </a:effectRef>
+                <a:fontRef idx="minor">
+                  <a:schemeClr val="tx1"/>
+                </a:fontRef>
+              </p:style>
+            </p:cxnSp>
+            <p:cxnSp>
+              <p:nvCxnSpPr>
+                <p:cNvPr id="20" name="직선 연결선 19"/>
+                <p:cNvCxnSpPr>
+                  <a:stCxn id="6" idx="4"/>
+                  <a:endCxn id="11" idx="0"/>
+                </p:cNvCxnSpPr>
+                <p:nvPr/>
+              </p:nvCxnSpPr>
+              <p:spPr>
+                <a:xfrm>
+                  <a:off x="2914650" y="1907926"/>
+                  <a:ext cx="1654420" cy="706315"/>
+                </a:xfrm>
+                <a:prstGeom prst="line">
+                  <a:avLst/>
+                </a:prstGeom>
+                <a:ln w="38100"/>
+              </p:spPr>
+              <p:style>
+                <a:lnRef idx="1">
+                  <a:schemeClr val="accent1"/>
+                </a:lnRef>
+                <a:fillRef idx="0">
+                  <a:schemeClr val="accent1"/>
+                </a:fillRef>
+                <a:effectRef idx="0">
+                  <a:schemeClr val="accent1"/>
+                </a:effectRef>
+                <a:fontRef idx="minor">
+                  <a:schemeClr val="tx1"/>
+                </a:fontRef>
+              </p:style>
+            </p:cxnSp>
+            <p:cxnSp>
+              <p:nvCxnSpPr>
+                <p:cNvPr id="21" name="직선 연결선 20"/>
+                <p:cNvCxnSpPr>
+                  <a:stCxn id="12" idx="0"/>
+                  <a:endCxn id="11" idx="4"/>
+                </p:cNvCxnSpPr>
+                <p:nvPr/>
+              </p:nvCxnSpPr>
+              <p:spPr>
+                <a:xfrm flipV="1">
+                  <a:off x="1928446" y="3062649"/>
+                  <a:ext cx="2640624" cy="835268"/>
+                </a:xfrm>
+                <a:prstGeom prst="line">
+                  <a:avLst/>
+                </a:prstGeom>
+                <a:ln w="38100"/>
+              </p:spPr>
+              <p:style>
+                <a:lnRef idx="1">
+                  <a:schemeClr val="accent1"/>
+                </a:lnRef>
+                <a:fillRef idx="0">
+                  <a:schemeClr val="accent1"/>
+                </a:fillRef>
+                <a:effectRef idx="0">
+                  <a:schemeClr val="accent1"/>
+                </a:effectRef>
+                <a:fontRef idx="minor">
+                  <a:schemeClr val="tx1"/>
+                </a:fontRef>
+              </p:style>
+            </p:cxnSp>
+            <p:cxnSp>
+              <p:nvCxnSpPr>
+                <p:cNvPr id="22" name="직선 연결선 21"/>
+                <p:cNvCxnSpPr>
+                  <a:stCxn id="13" idx="0"/>
+                  <a:endCxn id="11" idx="4"/>
+                </p:cNvCxnSpPr>
+                <p:nvPr/>
+              </p:nvCxnSpPr>
+              <p:spPr>
+                <a:xfrm flipV="1">
+                  <a:off x="2952750" y="3062649"/>
+                  <a:ext cx="1616320" cy="835268"/>
+                </a:xfrm>
+                <a:prstGeom prst="line">
+                  <a:avLst/>
+                </a:prstGeom>
+                <a:ln w="38100"/>
+              </p:spPr>
+              <p:style>
+                <a:lnRef idx="1">
+                  <a:schemeClr val="accent1"/>
+                </a:lnRef>
+                <a:fillRef idx="0">
+                  <a:schemeClr val="accent1"/>
+                </a:fillRef>
+                <a:effectRef idx="0">
+                  <a:schemeClr val="accent1"/>
+                </a:effectRef>
+                <a:fontRef idx="minor">
+                  <a:schemeClr val="tx1"/>
+                </a:fontRef>
+              </p:style>
+            </p:cxnSp>
+            <p:cxnSp>
+              <p:nvCxnSpPr>
+                <p:cNvPr id="23" name="직선 연결선 22"/>
+                <p:cNvCxnSpPr>
+                  <a:stCxn id="11" idx="4"/>
+                  <a:endCxn id="14" idx="0"/>
+                </p:cNvCxnSpPr>
+                <p:nvPr/>
+              </p:nvCxnSpPr>
+              <p:spPr>
+                <a:xfrm flipH="1">
+                  <a:off x="3977054" y="3062649"/>
+                  <a:ext cx="592016" cy="835268"/>
+                </a:xfrm>
+                <a:prstGeom prst="line">
+                  <a:avLst/>
+                </a:prstGeom>
+                <a:ln w="38100"/>
+              </p:spPr>
+              <p:style>
+                <a:lnRef idx="1">
+                  <a:schemeClr val="accent1"/>
+                </a:lnRef>
+                <a:fillRef idx="0">
+                  <a:schemeClr val="accent1"/>
+                </a:fillRef>
+                <a:effectRef idx="0">
+                  <a:schemeClr val="accent1"/>
+                </a:effectRef>
+                <a:fontRef idx="minor">
+                  <a:schemeClr val="tx1"/>
+                </a:fontRef>
+              </p:style>
+            </p:cxnSp>
+            <p:cxnSp>
+              <p:nvCxnSpPr>
+                <p:cNvPr id="24" name="직선 연결선 23"/>
+                <p:cNvCxnSpPr>
+                  <a:stCxn id="10" idx="4"/>
+                  <a:endCxn id="14" idx="0"/>
+                </p:cNvCxnSpPr>
+                <p:nvPr/>
+              </p:nvCxnSpPr>
+              <p:spPr>
+                <a:xfrm>
+                  <a:off x="3746989" y="3062651"/>
+                  <a:ext cx="230065" cy="835266"/>
+                </a:xfrm>
+                <a:prstGeom prst="line">
+                  <a:avLst/>
+                </a:prstGeom>
+                <a:ln w="38100"/>
+              </p:spPr>
+              <p:style>
+                <a:lnRef idx="1">
+                  <a:schemeClr val="accent1"/>
+                </a:lnRef>
+                <a:fillRef idx="0">
+                  <a:schemeClr val="accent1"/>
+                </a:fillRef>
+                <a:effectRef idx="0">
+                  <a:schemeClr val="accent1"/>
+                </a:effectRef>
+                <a:fontRef idx="minor">
+                  <a:schemeClr val="tx1"/>
+                </a:fontRef>
+              </p:style>
+            </p:cxnSp>
+            <p:cxnSp>
+              <p:nvCxnSpPr>
+                <p:cNvPr id="25" name="직선 연결선 24"/>
+                <p:cNvCxnSpPr>
+                  <a:stCxn id="10" idx="4"/>
+                  <a:endCxn id="13" idx="0"/>
+                </p:cNvCxnSpPr>
+                <p:nvPr/>
+              </p:nvCxnSpPr>
+              <p:spPr>
+                <a:xfrm flipH="1">
+                  <a:off x="2952750" y="3062651"/>
+                  <a:ext cx="794239" cy="835266"/>
+                </a:xfrm>
+                <a:prstGeom prst="line">
+                  <a:avLst/>
+                </a:prstGeom>
+                <a:ln w="38100"/>
+              </p:spPr>
+              <p:style>
+                <a:lnRef idx="1">
+                  <a:schemeClr val="accent1"/>
+                </a:lnRef>
+                <a:fillRef idx="0">
+                  <a:schemeClr val="accent1"/>
+                </a:fillRef>
+                <a:effectRef idx="0">
+                  <a:schemeClr val="accent1"/>
+                </a:effectRef>
+                <a:fontRef idx="minor">
+                  <a:schemeClr val="tx1"/>
+                </a:fontRef>
+              </p:style>
+            </p:cxnSp>
+            <p:cxnSp>
+              <p:nvCxnSpPr>
+                <p:cNvPr id="26" name="직선 연결선 25"/>
+                <p:cNvCxnSpPr>
+                  <a:stCxn id="10" idx="4"/>
+                  <a:endCxn id="12" idx="0"/>
+                </p:cNvCxnSpPr>
+                <p:nvPr/>
+              </p:nvCxnSpPr>
+              <p:spPr>
+                <a:xfrm flipH="1">
+                  <a:off x="1928446" y="3062651"/>
+                  <a:ext cx="1818543" cy="835266"/>
+                </a:xfrm>
+                <a:prstGeom prst="line">
+                  <a:avLst/>
+                </a:prstGeom>
+                <a:ln w="38100"/>
+              </p:spPr>
+              <p:style>
+                <a:lnRef idx="1">
+                  <a:schemeClr val="accent1"/>
+                </a:lnRef>
+                <a:fillRef idx="0">
+                  <a:schemeClr val="accent1"/>
+                </a:fillRef>
+                <a:effectRef idx="0">
+                  <a:schemeClr val="accent1"/>
+                </a:effectRef>
+                <a:fontRef idx="minor">
+                  <a:schemeClr val="tx1"/>
+                </a:fontRef>
+              </p:style>
+            </p:cxnSp>
+            <p:cxnSp>
+              <p:nvCxnSpPr>
+                <p:cNvPr id="27" name="직선 연결선 26"/>
+                <p:cNvCxnSpPr>
+                  <a:stCxn id="13" idx="4"/>
+                  <a:endCxn id="15" idx="0"/>
+                </p:cNvCxnSpPr>
+                <p:nvPr/>
+              </p:nvCxnSpPr>
+              <p:spPr>
+                <a:xfrm>
+                  <a:off x="2952750" y="4346325"/>
+                  <a:ext cx="16118" cy="706317"/>
+                </a:xfrm>
+                <a:prstGeom prst="line">
+                  <a:avLst/>
+                </a:prstGeom>
+                <a:ln w="38100"/>
+              </p:spPr>
+              <p:style>
+                <a:lnRef idx="1">
+                  <a:schemeClr val="accent1"/>
+                </a:lnRef>
+                <a:fillRef idx="0">
+                  <a:schemeClr val="accent1"/>
+                </a:fillRef>
+                <a:effectRef idx="0">
+                  <a:schemeClr val="accent1"/>
+                </a:effectRef>
+                <a:fontRef idx="minor">
+                  <a:schemeClr val="tx1"/>
+                </a:fontRef>
+              </p:style>
+            </p:cxnSp>
+            <p:cxnSp>
+              <p:nvCxnSpPr>
+                <p:cNvPr id="28" name="직선 연결선 27"/>
+                <p:cNvCxnSpPr>
+                  <a:stCxn id="14" idx="4"/>
+                  <a:endCxn id="15" idx="0"/>
+                </p:cNvCxnSpPr>
+                <p:nvPr/>
+              </p:nvCxnSpPr>
+              <p:spPr>
+                <a:xfrm flipH="1">
+                  <a:off x="2968868" y="4346325"/>
+                  <a:ext cx="1008186" cy="706317"/>
+                </a:xfrm>
+                <a:prstGeom prst="line">
+                  <a:avLst/>
+                </a:prstGeom>
+                <a:ln w="38100"/>
+              </p:spPr>
+              <p:style>
+                <a:lnRef idx="1">
+                  <a:schemeClr val="accent1"/>
+                </a:lnRef>
+                <a:fillRef idx="0">
+                  <a:schemeClr val="accent1"/>
+                </a:fillRef>
+                <a:effectRef idx="0">
+                  <a:schemeClr val="accent1"/>
+                </a:effectRef>
+                <a:fontRef idx="minor">
+                  <a:schemeClr val="tx1"/>
+                </a:fontRef>
+              </p:style>
+            </p:cxnSp>
+            <p:cxnSp>
+              <p:nvCxnSpPr>
+                <p:cNvPr id="29" name="직선 연결선 28"/>
+                <p:cNvCxnSpPr>
+                  <a:stCxn id="12" idx="4"/>
+                  <a:endCxn id="15" idx="0"/>
+                </p:cNvCxnSpPr>
+                <p:nvPr/>
+              </p:nvCxnSpPr>
+              <p:spPr>
+                <a:xfrm>
+                  <a:off x="1928446" y="4346325"/>
+                  <a:ext cx="1040422" cy="706317"/>
+                </a:xfrm>
+                <a:prstGeom prst="line">
+                  <a:avLst/>
+                </a:prstGeom>
+                <a:ln w="38100"/>
+              </p:spPr>
+              <p:style>
+                <a:lnRef idx="1">
+                  <a:schemeClr val="accent1"/>
+                </a:lnRef>
+                <a:fillRef idx="0">
+                  <a:schemeClr val="accent1"/>
+                </a:fillRef>
+                <a:effectRef idx="0">
+                  <a:schemeClr val="accent1"/>
+                </a:effectRef>
+                <a:fontRef idx="minor">
+                  <a:schemeClr val="tx1"/>
+                </a:fontRef>
+              </p:style>
+            </p:cxnSp>
+            <p:cxnSp>
+              <p:nvCxnSpPr>
+                <p:cNvPr id="30" name="직선 연결선 29"/>
+                <p:cNvCxnSpPr>
+                  <a:stCxn id="9" idx="4"/>
+                  <a:endCxn id="14" idx="0"/>
+                </p:cNvCxnSpPr>
+                <p:nvPr/>
+              </p:nvCxnSpPr>
+              <p:spPr>
+                <a:xfrm>
+                  <a:off x="2924908" y="3062651"/>
+                  <a:ext cx="1052146" cy="835266"/>
+                </a:xfrm>
+                <a:prstGeom prst="line">
+                  <a:avLst/>
+                </a:prstGeom>
+                <a:ln w="38100"/>
+              </p:spPr>
+              <p:style>
+                <a:lnRef idx="1">
+                  <a:schemeClr val="accent1"/>
+                </a:lnRef>
+                <a:fillRef idx="0">
+                  <a:schemeClr val="accent1"/>
+                </a:fillRef>
+                <a:effectRef idx="0">
+                  <a:schemeClr val="accent1"/>
+                </a:effectRef>
+                <a:fontRef idx="minor">
+                  <a:schemeClr val="tx1"/>
+                </a:fontRef>
+              </p:style>
+            </p:cxnSp>
+            <p:cxnSp>
+              <p:nvCxnSpPr>
+                <p:cNvPr id="31" name="직선 연결선 30"/>
+                <p:cNvCxnSpPr>
+                  <a:stCxn id="9" idx="4"/>
+                  <a:endCxn id="13" idx="0"/>
+                </p:cNvCxnSpPr>
+                <p:nvPr/>
+              </p:nvCxnSpPr>
+              <p:spPr>
+                <a:xfrm>
+                  <a:off x="2924908" y="3062651"/>
+                  <a:ext cx="27842" cy="835266"/>
+                </a:xfrm>
+                <a:prstGeom prst="line">
+                  <a:avLst/>
+                </a:prstGeom>
+                <a:ln w="38100"/>
+              </p:spPr>
+              <p:style>
+                <a:lnRef idx="1">
+                  <a:schemeClr val="accent1"/>
+                </a:lnRef>
+                <a:fillRef idx="0">
+                  <a:schemeClr val="accent1"/>
+                </a:fillRef>
+                <a:effectRef idx="0">
+                  <a:schemeClr val="accent1"/>
+                </a:effectRef>
+                <a:fontRef idx="minor">
+                  <a:schemeClr val="tx1"/>
+                </a:fontRef>
+              </p:style>
+            </p:cxnSp>
+            <p:cxnSp>
+              <p:nvCxnSpPr>
+                <p:cNvPr id="32" name="직선 연결선 31"/>
+                <p:cNvCxnSpPr>
+                  <a:stCxn id="9" idx="4"/>
+                  <a:endCxn id="12" idx="0"/>
+                </p:cNvCxnSpPr>
+                <p:nvPr/>
+              </p:nvCxnSpPr>
+              <p:spPr>
+                <a:xfrm flipH="1">
+                  <a:off x="1928446" y="3062651"/>
+                  <a:ext cx="996462" cy="835266"/>
+                </a:xfrm>
+                <a:prstGeom prst="line">
+                  <a:avLst/>
+                </a:prstGeom>
+                <a:ln w="38100"/>
+              </p:spPr>
+              <p:style>
+                <a:lnRef idx="1">
+                  <a:schemeClr val="accent1"/>
+                </a:lnRef>
+                <a:fillRef idx="0">
+                  <a:schemeClr val="accent1"/>
+                </a:fillRef>
+                <a:effectRef idx="0">
+                  <a:schemeClr val="accent1"/>
+                </a:effectRef>
+                <a:fontRef idx="minor">
+                  <a:schemeClr val="tx1"/>
+                </a:fontRef>
+              </p:style>
+            </p:cxnSp>
+            <p:cxnSp>
+              <p:nvCxnSpPr>
+                <p:cNvPr id="33" name="직선 연결선 32"/>
+                <p:cNvCxnSpPr>
+                  <a:stCxn id="8" idx="4"/>
+                  <a:endCxn id="12" idx="0"/>
+                </p:cNvCxnSpPr>
+                <p:nvPr/>
+              </p:nvCxnSpPr>
+              <p:spPr>
+                <a:xfrm flipH="1">
+                  <a:off x="1928446" y="3062647"/>
+                  <a:ext cx="174381" cy="835270"/>
+                </a:xfrm>
+                <a:prstGeom prst="line">
+                  <a:avLst/>
+                </a:prstGeom>
+                <a:ln w="38100"/>
+              </p:spPr>
+              <p:style>
+                <a:lnRef idx="1">
+                  <a:schemeClr val="accent1"/>
+                </a:lnRef>
+                <a:fillRef idx="0">
+                  <a:schemeClr val="accent1"/>
+                </a:fillRef>
+                <a:effectRef idx="0">
+                  <a:schemeClr val="accent1"/>
+                </a:effectRef>
+                <a:fontRef idx="minor">
+                  <a:schemeClr val="tx1"/>
+                </a:fontRef>
+              </p:style>
+            </p:cxnSp>
+            <p:cxnSp>
+              <p:nvCxnSpPr>
+                <p:cNvPr id="34" name="직선 연결선 33"/>
+                <p:cNvCxnSpPr>
+                  <a:stCxn id="8" idx="4"/>
+                  <a:endCxn id="13" idx="0"/>
+                </p:cNvCxnSpPr>
+                <p:nvPr/>
+              </p:nvCxnSpPr>
+              <p:spPr>
+                <a:xfrm>
+                  <a:off x="2102827" y="3062647"/>
+                  <a:ext cx="849923" cy="835270"/>
+                </a:xfrm>
+                <a:prstGeom prst="line">
+                  <a:avLst/>
+                </a:prstGeom>
+                <a:ln w="38100"/>
+              </p:spPr>
+              <p:style>
+                <a:lnRef idx="1">
+                  <a:schemeClr val="accent1"/>
+                </a:lnRef>
+                <a:fillRef idx="0">
+                  <a:schemeClr val="accent1"/>
+                </a:fillRef>
+                <a:effectRef idx="0">
+                  <a:schemeClr val="accent1"/>
+                </a:effectRef>
+                <a:fontRef idx="minor">
+                  <a:schemeClr val="tx1"/>
+                </a:fontRef>
+              </p:style>
+            </p:cxnSp>
+            <p:cxnSp>
+              <p:nvCxnSpPr>
+                <p:cNvPr id="35" name="직선 연결선 34"/>
+                <p:cNvCxnSpPr>
+                  <a:stCxn id="8" idx="4"/>
+                  <a:endCxn id="14" idx="0"/>
+                </p:cNvCxnSpPr>
+                <p:nvPr/>
+              </p:nvCxnSpPr>
+              <p:spPr>
+                <a:xfrm>
+                  <a:off x="2102827" y="3062647"/>
+                  <a:ext cx="1874227" cy="835270"/>
+                </a:xfrm>
+                <a:prstGeom prst="line">
+                  <a:avLst/>
+                </a:prstGeom>
+                <a:ln w="38100"/>
+              </p:spPr>
+              <p:style>
+                <a:lnRef idx="1">
+                  <a:schemeClr val="accent1"/>
+                </a:lnRef>
+                <a:fillRef idx="0">
+                  <a:schemeClr val="accent1"/>
+                </a:fillRef>
+                <a:effectRef idx="0">
+                  <a:schemeClr val="accent1"/>
+                </a:effectRef>
+                <a:fontRef idx="minor">
+                  <a:schemeClr val="tx1"/>
+                </a:fontRef>
+              </p:style>
+            </p:cxnSp>
+            <p:cxnSp>
+              <p:nvCxnSpPr>
+                <p:cNvPr id="36" name="직선 연결선 35"/>
+                <p:cNvCxnSpPr>
+                  <a:stCxn id="7" idx="4"/>
+                  <a:endCxn id="12" idx="0"/>
+                </p:cNvCxnSpPr>
+                <p:nvPr/>
+              </p:nvCxnSpPr>
+              <p:spPr>
+                <a:xfrm>
+                  <a:off x="1280746" y="3059717"/>
+                  <a:ext cx="647700" cy="838200"/>
+                </a:xfrm>
+                <a:prstGeom prst="line">
+                  <a:avLst/>
+                </a:prstGeom>
+                <a:ln w="38100"/>
+              </p:spPr>
+              <p:style>
+                <a:lnRef idx="1">
+                  <a:schemeClr val="accent1"/>
+                </a:lnRef>
+                <a:fillRef idx="0">
+                  <a:schemeClr val="accent1"/>
+                </a:fillRef>
+                <a:effectRef idx="0">
+                  <a:schemeClr val="accent1"/>
+                </a:effectRef>
+                <a:fontRef idx="minor">
+                  <a:schemeClr val="tx1"/>
+                </a:fontRef>
+              </p:style>
+            </p:cxnSp>
+            <p:cxnSp>
+              <p:nvCxnSpPr>
+                <p:cNvPr id="37" name="직선 연결선 36"/>
+                <p:cNvCxnSpPr>
+                  <a:stCxn id="7" idx="4"/>
+                  <a:endCxn id="13" idx="0"/>
+                </p:cNvCxnSpPr>
+                <p:nvPr/>
+              </p:nvCxnSpPr>
+              <p:spPr>
+                <a:xfrm>
+                  <a:off x="1280746" y="3059717"/>
+                  <a:ext cx="1672004" cy="838200"/>
+                </a:xfrm>
+                <a:prstGeom prst="line">
+                  <a:avLst/>
+                </a:prstGeom>
+                <a:ln w="38100"/>
+              </p:spPr>
+              <p:style>
+                <a:lnRef idx="1">
+                  <a:schemeClr val="accent1"/>
+                </a:lnRef>
+                <a:fillRef idx="0">
+                  <a:schemeClr val="accent1"/>
+                </a:fillRef>
+                <a:effectRef idx="0">
+                  <a:schemeClr val="accent1"/>
+                </a:effectRef>
+                <a:fontRef idx="minor">
+                  <a:schemeClr val="tx1"/>
+                </a:fontRef>
+              </p:style>
+            </p:cxnSp>
+            <p:cxnSp>
+              <p:nvCxnSpPr>
+                <p:cNvPr id="38" name="직선 연결선 37"/>
+                <p:cNvCxnSpPr>
+                  <a:stCxn id="7" idx="4"/>
+                  <a:endCxn id="14" idx="0"/>
+                </p:cNvCxnSpPr>
+                <p:nvPr/>
+              </p:nvCxnSpPr>
+              <p:spPr>
+                <a:xfrm>
+                  <a:off x="1280746" y="3059717"/>
+                  <a:ext cx="2696308" cy="838200"/>
+                </a:xfrm>
+                <a:prstGeom prst="line">
+                  <a:avLst/>
+                </a:prstGeom>
+                <a:ln w="38100"/>
+              </p:spPr>
+              <p:style>
+                <a:lnRef idx="1">
+                  <a:schemeClr val="accent1"/>
+                </a:lnRef>
+                <a:fillRef idx="0">
+                  <a:schemeClr val="accent1"/>
+                </a:fillRef>
+                <a:effectRef idx="0">
+                  <a:schemeClr val="accent1"/>
+                </a:effectRef>
+                <a:fontRef idx="minor">
+                  <a:schemeClr val="tx1"/>
+                </a:fontRef>
+              </p:style>
+            </p:cxnSp>
+          </p:grpSp>
+          <p:sp>
+            <p:nvSpPr>
+              <p:cNvPr id="40" name="TextBox 39"/>
+              <p:cNvSpPr txBox="1"/>
+              <p:nvPr/>
+            </p:nvSpPr>
+            <p:spPr>
+              <a:xfrm>
+                <a:off x="2732940" y="1736475"/>
+                <a:ext cx="542193" cy="461665"/>
+              </a:xfrm>
+              <a:prstGeom prst="rect">
+                <a:avLst/>
+              </a:prstGeom>
+              <a:noFill/>
+            </p:spPr>
+            <p:txBody>
+              <a:bodyPr wrap="square" rtlCol="0">
+                <a:spAutoFit/>
+              </a:bodyPr>
+              <a:lstStyle/>
+              <a:p>
+                <a:r>
+                  <a:rPr lang="en-US" altLang="ko-KR" sz="1200" dirty="0" smtClean="0"/>
+                  <a:t>node</a:t>
+                </a:r>
+              </a:p>
+              <a:p>
+                <a:endParaRPr lang="ko-KR" altLang="en-US" sz="1200" dirty="0"/>
+              </a:p>
+            </p:txBody>
+          </p:sp>
+          <p:sp>
+            <p:nvSpPr>
+              <p:cNvPr id="41" name="TextBox 40"/>
+              <p:cNvSpPr txBox="1"/>
+              <p:nvPr/>
+            </p:nvSpPr>
+            <p:spPr>
+              <a:xfrm>
+                <a:off x="1115889" y="2901519"/>
+                <a:ext cx="542193" cy="461665"/>
+              </a:xfrm>
+              <a:prstGeom prst="rect">
+                <a:avLst/>
+              </a:prstGeom>
+              <a:noFill/>
+            </p:spPr>
+            <p:txBody>
+              <a:bodyPr wrap="square" rtlCol="0">
+                <a:spAutoFit/>
+              </a:bodyPr>
+              <a:lstStyle/>
+              <a:p>
+                <a:r>
+                  <a:rPr lang="en-US" altLang="ko-KR" sz="1200" dirty="0" smtClean="0"/>
+                  <a:t>node</a:t>
+                </a:r>
+              </a:p>
+              <a:p>
+                <a:endParaRPr lang="ko-KR" altLang="en-US" sz="1200" dirty="0"/>
+              </a:p>
+            </p:txBody>
+          </p:sp>
+          <p:sp>
+            <p:nvSpPr>
+              <p:cNvPr id="45" name="TextBox 44"/>
+              <p:cNvSpPr txBox="1"/>
+              <p:nvPr/>
+            </p:nvSpPr>
+            <p:spPr>
+              <a:xfrm>
+                <a:off x="1751865" y="4188125"/>
+                <a:ext cx="542193" cy="461665"/>
+              </a:xfrm>
+              <a:prstGeom prst="rect">
+                <a:avLst/>
+              </a:prstGeom>
+              <a:noFill/>
+            </p:spPr>
+            <p:txBody>
+              <a:bodyPr wrap="square" rtlCol="0">
+                <a:spAutoFit/>
+              </a:bodyPr>
+              <a:lstStyle/>
+              <a:p>
+                <a:r>
+                  <a:rPr lang="en-US" altLang="ko-KR" sz="1200" dirty="0" smtClean="0"/>
+                  <a:t>node</a:t>
+                </a:r>
+              </a:p>
+              <a:p>
+                <a:endParaRPr lang="ko-KR" altLang="en-US" sz="1200" dirty="0"/>
+              </a:p>
+            </p:txBody>
+          </p:sp>
+          <p:sp>
+            <p:nvSpPr>
+              <p:cNvPr id="46" name="TextBox 45"/>
+              <p:cNvSpPr txBox="1"/>
+              <p:nvPr/>
+            </p:nvSpPr>
+            <p:spPr>
+              <a:xfrm>
+                <a:off x="2806944" y="5348711"/>
+                <a:ext cx="542193" cy="461665"/>
+              </a:xfrm>
+              <a:prstGeom prst="rect">
+                <a:avLst/>
+              </a:prstGeom>
+              <a:noFill/>
+            </p:spPr>
+            <p:txBody>
+              <a:bodyPr wrap="square" rtlCol="0">
+                <a:spAutoFit/>
+              </a:bodyPr>
+              <a:lstStyle/>
+              <a:p>
+                <a:r>
+                  <a:rPr lang="en-US" altLang="ko-KR" sz="1200" dirty="0" smtClean="0"/>
+                  <a:t>node</a:t>
+                </a:r>
+              </a:p>
+              <a:p>
+                <a:endParaRPr lang="ko-KR" altLang="en-US" sz="1200" dirty="0"/>
+              </a:p>
+            </p:txBody>
+          </p:sp>
+        </p:grpSp>
+      </p:grpSp>
+      <p:grpSp>
+        <p:nvGrpSpPr>
+          <p:cNvPr id="51" name="그룹 50"/>
+          <p:cNvGrpSpPr/>
+          <p:nvPr/>
+        </p:nvGrpSpPr>
+        <p:grpSpPr>
+          <a:xfrm>
+            <a:off x="1485895" y="1749637"/>
+            <a:ext cx="2069125" cy="3971191"/>
+            <a:chOff x="254976" y="1749637"/>
+            <a:chExt cx="2069125" cy="3971191"/>
+          </a:xfrm>
+        </p:grpSpPr>
+        <p:sp>
+          <p:nvSpPr>
+            <p:cNvPr id="3" name="TextBox 2"/>
+            <p:cNvSpPr txBox="1"/>
+            <p:nvPr/>
+          </p:nvSpPr>
+          <p:spPr>
+            <a:xfrm>
+              <a:off x="254976" y="1749637"/>
+              <a:ext cx="2039816" cy="369332"/>
+            </a:xfrm>
+            <a:prstGeom prst="rect">
+              <a:avLst/>
+            </a:prstGeom>
+            <a:noFill/>
+          </p:spPr>
+          <p:txBody>
+            <a:bodyPr wrap="square" rtlCol="0">
+              <a:spAutoFit/>
+            </a:bodyPr>
+            <a:lstStyle/>
+            <a:p>
+              <a:r>
+                <a:rPr lang="en-US" altLang="ko-KR" dirty="0" smtClean="0"/>
+                <a:t>Layer1</a:t>
+              </a:r>
+              <a:endParaRPr lang="ko-KR" altLang="en-US" dirty="0"/>
+            </a:p>
+          </p:txBody>
+        </p:sp>
+        <p:sp>
+          <p:nvSpPr>
+            <p:cNvPr id="47" name="TextBox 46"/>
+            <p:cNvSpPr txBox="1"/>
+            <p:nvPr/>
+          </p:nvSpPr>
+          <p:spPr>
+            <a:xfrm>
+              <a:off x="264746" y="2870657"/>
+              <a:ext cx="2039816" cy="369332"/>
+            </a:xfrm>
+            <a:prstGeom prst="rect">
+              <a:avLst/>
+            </a:prstGeom>
+            <a:noFill/>
+          </p:spPr>
+          <p:txBody>
+            <a:bodyPr wrap="square" rtlCol="0">
+              <a:spAutoFit/>
+            </a:bodyPr>
+            <a:lstStyle/>
+            <a:p>
+              <a:r>
+                <a:rPr lang="en-US" altLang="ko-KR" dirty="0" smtClean="0"/>
+                <a:t>Layer2</a:t>
+              </a:r>
+              <a:endParaRPr lang="ko-KR" altLang="en-US" dirty="0"/>
+            </a:p>
+          </p:txBody>
+        </p:sp>
+        <p:sp>
+          <p:nvSpPr>
+            <p:cNvPr id="48" name="TextBox 47"/>
+            <p:cNvSpPr txBox="1"/>
+            <p:nvPr/>
+          </p:nvSpPr>
+          <p:spPr>
+            <a:xfrm>
+              <a:off x="284285" y="4183643"/>
+              <a:ext cx="2039816" cy="369332"/>
+            </a:xfrm>
+            <a:prstGeom prst="rect">
+              <a:avLst/>
+            </a:prstGeom>
+            <a:noFill/>
+          </p:spPr>
+          <p:txBody>
+            <a:bodyPr wrap="square" rtlCol="0">
+              <a:spAutoFit/>
+            </a:bodyPr>
+            <a:lstStyle/>
+            <a:p>
+              <a:r>
+                <a:rPr lang="en-US" altLang="ko-KR" dirty="0" smtClean="0"/>
+                <a:t>Layer3</a:t>
+              </a:r>
+              <a:endParaRPr lang="ko-KR" altLang="en-US" dirty="0"/>
+            </a:p>
+          </p:txBody>
+        </p:sp>
+        <p:sp>
+          <p:nvSpPr>
+            <p:cNvPr id="49" name="TextBox 48"/>
+            <p:cNvSpPr txBox="1"/>
+            <p:nvPr/>
+          </p:nvSpPr>
+          <p:spPr>
+            <a:xfrm>
+              <a:off x="274516" y="5351496"/>
+              <a:ext cx="2039816" cy="369332"/>
+            </a:xfrm>
+            <a:prstGeom prst="rect">
+              <a:avLst/>
+            </a:prstGeom>
+            <a:noFill/>
+          </p:spPr>
+          <p:txBody>
+            <a:bodyPr wrap="square" rtlCol="0">
+              <a:spAutoFit/>
+            </a:bodyPr>
+            <a:lstStyle/>
+            <a:p>
+              <a:r>
+                <a:rPr lang="en-US" altLang="ko-KR" dirty="0" smtClean="0"/>
+                <a:t>Layer4</a:t>
+              </a:r>
+              <a:endParaRPr lang="ko-KR" altLang="en-US" dirty="0"/>
+            </a:p>
+          </p:txBody>
+        </p:sp>
+      </p:grpSp>
     </p:spTree>
     <p:extLst>
       <p:ext uri="{BB962C8B-B14F-4D97-AF65-F5344CB8AC3E}">
@@ -3038,562 +4713,1535 @@
           <a:chExt cx="0" cy="0"/>
         </a:xfrm>
       </p:grpSpPr>
+      <p:sp>
+        <p:nvSpPr>
+          <p:cNvPr id="14" name="직사각형 13"/>
+          <p:cNvSpPr/>
+          <p:nvPr/>
+        </p:nvSpPr>
+        <p:spPr>
+          <a:xfrm>
+            <a:off x="3893527" y="1450725"/>
+            <a:ext cx="914400" cy="518747"/>
+          </a:xfrm>
+          <a:prstGeom prst="rect">
+            <a:avLst/>
+          </a:prstGeom>
+        </p:spPr>
+        <p:style>
+          <a:lnRef idx="2">
+            <a:schemeClr val="accent1">
+              <a:shade val="50000"/>
+            </a:schemeClr>
+          </a:lnRef>
+          <a:fillRef idx="1">
+            <a:schemeClr val="accent1"/>
+          </a:fillRef>
+          <a:effectRef idx="0">
+            <a:schemeClr val="accent1"/>
+          </a:effectRef>
+          <a:fontRef idx="minor">
+            <a:schemeClr val="lt1"/>
+          </a:fontRef>
+        </p:style>
+        <p:txBody>
+          <a:bodyPr rtlCol="0" anchor="ctr"/>
+          <a:lstStyle/>
+          <a:p>
+            <a:pPr algn="ctr"/>
+            <a:r>
+              <a:rPr lang="en-US" altLang="ko-KR" dirty="0" smtClean="0"/>
+              <a:t>b</a:t>
+            </a:r>
+            <a:endParaRPr lang="ko-KR" altLang="en-US" dirty="0"/>
+          </a:p>
+        </p:txBody>
+      </p:sp>
+      <p:sp>
+        <p:nvSpPr>
+          <p:cNvPr id="15" name="직사각형 14"/>
+          <p:cNvSpPr/>
+          <p:nvPr/>
+        </p:nvSpPr>
+        <p:spPr>
+          <a:xfrm>
+            <a:off x="5482002" y="2576139"/>
+            <a:ext cx="914400" cy="518747"/>
+          </a:xfrm>
+          <a:prstGeom prst="rect">
+            <a:avLst/>
+          </a:prstGeom>
+        </p:spPr>
+        <p:style>
+          <a:lnRef idx="2">
+            <a:schemeClr val="accent1">
+              <a:shade val="50000"/>
+            </a:schemeClr>
+          </a:lnRef>
+          <a:fillRef idx="1">
+            <a:schemeClr val="accent1"/>
+          </a:fillRef>
+          <a:effectRef idx="0">
+            <a:schemeClr val="accent1"/>
+          </a:effectRef>
+          <a:fontRef idx="minor">
+            <a:schemeClr val="lt1"/>
+          </a:fontRef>
+        </p:style>
+        <p:txBody>
+          <a:bodyPr rtlCol="0" anchor="ctr"/>
+          <a:lstStyle/>
+          <a:p>
+            <a:pPr algn="ctr"/>
+            <a:r>
+              <a:rPr lang="en-US" altLang="ko-KR" dirty="0" smtClean="0"/>
+              <a:t>b</a:t>
+            </a:r>
+            <a:endParaRPr lang="ko-KR" altLang="en-US" dirty="0"/>
+          </a:p>
+        </p:txBody>
+      </p:sp>
+      <p:sp>
+        <p:nvSpPr>
+          <p:cNvPr id="16" name="직사각형 15"/>
+          <p:cNvSpPr/>
+          <p:nvPr/>
+        </p:nvSpPr>
+        <p:spPr>
+          <a:xfrm>
+            <a:off x="4950067" y="3818785"/>
+            <a:ext cx="914400" cy="518747"/>
+          </a:xfrm>
+          <a:prstGeom prst="rect">
+            <a:avLst/>
+          </a:prstGeom>
+        </p:spPr>
+        <p:style>
+          <a:lnRef idx="2">
+            <a:schemeClr val="accent1">
+              <a:shade val="50000"/>
+            </a:schemeClr>
+          </a:lnRef>
+          <a:fillRef idx="1">
+            <a:schemeClr val="accent1"/>
+          </a:fillRef>
+          <a:effectRef idx="0">
+            <a:schemeClr val="accent1"/>
+          </a:effectRef>
+          <a:fontRef idx="minor">
+            <a:schemeClr val="lt1"/>
+          </a:fontRef>
+        </p:style>
+        <p:txBody>
+          <a:bodyPr rtlCol="0" anchor="ctr"/>
+          <a:lstStyle/>
+          <a:p>
+            <a:pPr algn="ctr"/>
+            <a:r>
+              <a:rPr lang="en-US" altLang="ko-KR" dirty="0" smtClean="0"/>
+              <a:t>b</a:t>
+            </a:r>
+            <a:endParaRPr lang="ko-KR" altLang="en-US" dirty="0"/>
+          </a:p>
+        </p:txBody>
+      </p:sp>
+      <p:sp>
+        <p:nvSpPr>
+          <p:cNvPr id="17" name="TextBox 16"/>
+          <p:cNvSpPr txBox="1"/>
+          <p:nvPr/>
+        </p:nvSpPr>
+        <p:spPr>
+          <a:xfrm>
+            <a:off x="7306406" y="2611309"/>
+            <a:ext cx="4035464" cy="369332"/>
+          </a:xfrm>
+          <a:prstGeom prst="rect">
+            <a:avLst/>
+          </a:prstGeom>
+          <a:noFill/>
+        </p:spPr>
+        <p:txBody>
+          <a:bodyPr wrap="none" rtlCol="0">
+            <a:spAutoFit/>
+          </a:bodyPr>
+          <a:lstStyle/>
+          <a:p>
+            <a:r>
+              <a:rPr lang="en-US" altLang="ko-KR" dirty="0" err="1" smtClean="0"/>
+              <a:t>param</a:t>
+            </a:r>
+            <a:r>
+              <a:rPr lang="en-US" altLang="ko-KR" dirty="0" smtClean="0"/>
+              <a:t> = (5(w)+1(b))*output(3) </a:t>
+            </a:r>
+            <a:r>
+              <a:rPr lang="en-US" altLang="ko-KR" dirty="0" smtClean="0">
+                <a:sym typeface="Wingdings" panose="05000000000000000000" pitchFamily="2" charset="2"/>
+              </a:rPr>
+              <a:t> 18</a:t>
+            </a:r>
+            <a:endParaRPr lang="ko-KR" altLang="en-US" dirty="0"/>
+          </a:p>
+        </p:txBody>
+      </p:sp>
+      <p:sp>
+        <p:nvSpPr>
+          <p:cNvPr id="2" name="직사각형 1"/>
+          <p:cNvSpPr/>
+          <p:nvPr/>
+        </p:nvSpPr>
+        <p:spPr>
+          <a:xfrm>
+            <a:off x="6784012" y="3893492"/>
+            <a:ext cx="3908827" cy="369332"/>
+          </a:xfrm>
+          <a:prstGeom prst="rect">
+            <a:avLst/>
+          </a:prstGeom>
+        </p:spPr>
+        <p:txBody>
+          <a:bodyPr wrap="none">
+            <a:spAutoFit/>
+          </a:bodyPr>
+          <a:lstStyle/>
+          <a:p>
+            <a:r>
+              <a:rPr lang="en-US" altLang="ko-KR" dirty="0" err="1"/>
+              <a:t>param</a:t>
+            </a:r>
+            <a:r>
+              <a:rPr lang="en-US" altLang="ko-KR" dirty="0"/>
+              <a:t> = </a:t>
+            </a:r>
+            <a:r>
+              <a:rPr lang="en-US" altLang="ko-KR" dirty="0" smtClean="0"/>
+              <a:t>(3(w</a:t>
+            </a:r>
+            <a:r>
+              <a:rPr lang="en-US" altLang="ko-KR" dirty="0"/>
+              <a:t>)+1(b))*</a:t>
+            </a:r>
+            <a:r>
+              <a:rPr lang="en-US" altLang="ko-KR" dirty="0" smtClean="0"/>
+              <a:t>output(1) </a:t>
+            </a:r>
+            <a:r>
+              <a:rPr lang="en-US" altLang="ko-KR" dirty="0" smtClean="0">
+                <a:sym typeface="Wingdings" panose="05000000000000000000" pitchFamily="2" charset="2"/>
+              </a:rPr>
+              <a:t> 4</a:t>
+            </a:r>
+            <a:endParaRPr lang="ko-KR" altLang="en-US" dirty="0"/>
+          </a:p>
+        </p:txBody>
+      </p:sp>
+      <p:sp>
+        <p:nvSpPr>
+          <p:cNvPr id="3" name="직사각형 2"/>
+          <p:cNvSpPr/>
+          <p:nvPr/>
+        </p:nvSpPr>
+        <p:spPr>
+          <a:xfrm>
+            <a:off x="5620496" y="1500496"/>
+            <a:ext cx="4035464" cy="369332"/>
+          </a:xfrm>
+          <a:prstGeom prst="rect">
+            <a:avLst/>
+          </a:prstGeom>
+        </p:spPr>
+        <p:txBody>
+          <a:bodyPr wrap="none">
+            <a:spAutoFit/>
+          </a:bodyPr>
+          <a:lstStyle/>
+          <a:p>
+            <a:r>
+              <a:rPr lang="en-US" altLang="ko-KR" dirty="0" err="1"/>
+              <a:t>param</a:t>
+            </a:r>
+            <a:r>
+              <a:rPr lang="en-US" altLang="ko-KR" dirty="0"/>
+              <a:t> = </a:t>
+            </a:r>
+            <a:r>
+              <a:rPr lang="en-US" altLang="ko-KR" dirty="0" smtClean="0"/>
+              <a:t>(1(w</a:t>
+            </a:r>
+            <a:r>
+              <a:rPr lang="en-US" altLang="ko-KR" dirty="0"/>
+              <a:t>)+1(b))*</a:t>
+            </a:r>
+            <a:r>
+              <a:rPr lang="en-US" altLang="ko-KR" dirty="0" smtClean="0"/>
+              <a:t>output(5) </a:t>
+            </a:r>
+            <a:r>
+              <a:rPr lang="en-US" altLang="ko-KR" dirty="0" smtClean="0">
+                <a:sym typeface="Wingdings" panose="05000000000000000000" pitchFamily="2" charset="2"/>
+              </a:rPr>
+              <a:t> 10</a:t>
+            </a:r>
+            <a:endParaRPr lang="ko-KR" altLang="en-US" dirty="0"/>
+          </a:p>
+        </p:txBody>
+      </p:sp>
+      <p:sp>
+        <p:nvSpPr>
+          <p:cNvPr id="21" name="TextBox 20"/>
+          <p:cNvSpPr txBox="1"/>
+          <p:nvPr/>
+        </p:nvSpPr>
+        <p:spPr>
+          <a:xfrm>
+            <a:off x="317989" y="237393"/>
+            <a:ext cx="1856641" cy="523220"/>
+          </a:xfrm>
+          <a:prstGeom prst="rect">
+            <a:avLst/>
+          </a:prstGeom>
+          <a:noFill/>
+        </p:spPr>
+        <p:txBody>
+          <a:bodyPr wrap="square" rtlCol="0">
+            <a:spAutoFit/>
+          </a:bodyPr>
+          <a:lstStyle/>
+          <a:p>
+            <a:r>
+              <a:rPr lang="en-US" altLang="ko-KR" sz="2800" dirty="0" smtClean="0"/>
+              <a:t>2 </a:t>
+            </a:r>
+            <a:r>
+              <a:rPr lang="ko-KR" altLang="en-US" sz="2800" dirty="0" smtClean="0"/>
+              <a:t>일차</a:t>
+            </a:r>
+            <a:endParaRPr lang="ko-KR" altLang="en-US" sz="2800" dirty="0"/>
+          </a:p>
+        </p:txBody>
+      </p:sp>
       <p:grpSp>
         <p:nvGrpSpPr>
-          <p:cNvPr id="18" name="그룹 17"/>
+          <p:cNvPr id="44" name="그룹 43"/>
           <p:cNvGrpSpPr/>
           <p:nvPr/>
         </p:nvGrpSpPr>
         <p:grpSpPr>
           <a:xfrm>
-            <a:off x="1069729" y="1424348"/>
-            <a:ext cx="10272141" cy="3733803"/>
-            <a:chOff x="832339" y="1248507"/>
-            <a:chExt cx="10272141" cy="3733803"/>
+            <a:off x="948835" y="1500496"/>
+            <a:ext cx="3787288" cy="4126654"/>
+            <a:chOff x="1115889" y="1683722"/>
+            <a:chExt cx="3787288" cy="4126654"/>
           </a:xfrm>
         </p:grpSpPr>
+        <p:grpSp>
+          <p:nvGrpSpPr>
+            <p:cNvPr id="45" name="그룹 44"/>
+            <p:cNvGrpSpPr/>
+            <p:nvPr/>
+          </p:nvGrpSpPr>
+          <p:grpSpPr>
+            <a:xfrm>
+              <a:off x="1122484" y="1683722"/>
+              <a:ext cx="3780693" cy="4041532"/>
+              <a:chOff x="1034561" y="1459518"/>
+              <a:chExt cx="3780693" cy="4041532"/>
+            </a:xfrm>
+          </p:grpSpPr>
+          <p:sp>
+            <p:nvSpPr>
+              <p:cNvPr id="53" name="타원 52"/>
+              <p:cNvSpPr/>
+              <p:nvPr/>
+            </p:nvSpPr>
+            <p:spPr>
+              <a:xfrm>
+                <a:off x="2668465" y="1459518"/>
+                <a:ext cx="492369" cy="448408"/>
+              </a:xfrm>
+              <a:prstGeom prst="ellipse">
+                <a:avLst/>
+              </a:prstGeom>
+            </p:spPr>
+            <p:style>
+              <a:lnRef idx="2">
+                <a:schemeClr val="accent1">
+                  <a:shade val="50000"/>
+                </a:schemeClr>
+              </a:lnRef>
+              <a:fillRef idx="1">
+                <a:schemeClr val="accent1"/>
+              </a:fillRef>
+              <a:effectRef idx="0">
+                <a:schemeClr val="accent1"/>
+              </a:effectRef>
+              <a:fontRef idx="minor">
+                <a:schemeClr val="lt1"/>
+              </a:fontRef>
+            </p:style>
+            <p:txBody>
+              <a:bodyPr rtlCol="0" anchor="ctr"/>
+              <a:lstStyle/>
+              <a:p>
+                <a:pPr algn="ctr"/>
+                <a:endParaRPr lang="ko-KR" altLang="en-US"/>
+              </a:p>
+            </p:txBody>
+          </p:sp>
+          <p:sp>
+            <p:nvSpPr>
+              <p:cNvPr id="54" name="타원 53"/>
+              <p:cNvSpPr/>
+              <p:nvPr/>
+            </p:nvSpPr>
+            <p:spPr>
+              <a:xfrm>
+                <a:off x="1034561" y="2611309"/>
+                <a:ext cx="492369" cy="448408"/>
+              </a:xfrm>
+              <a:prstGeom prst="ellipse">
+                <a:avLst/>
+              </a:prstGeom>
+            </p:spPr>
+            <p:style>
+              <a:lnRef idx="2">
+                <a:schemeClr val="accent1">
+                  <a:shade val="50000"/>
+                </a:schemeClr>
+              </a:lnRef>
+              <a:fillRef idx="1">
+                <a:schemeClr val="accent1"/>
+              </a:fillRef>
+              <a:effectRef idx="0">
+                <a:schemeClr val="accent1"/>
+              </a:effectRef>
+              <a:fontRef idx="minor">
+                <a:schemeClr val="lt1"/>
+              </a:fontRef>
+            </p:style>
+            <p:txBody>
+              <a:bodyPr rtlCol="0" anchor="ctr"/>
+              <a:lstStyle/>
+              <a:p>
+                <a:pPr algn="ctr"/>
+                <a:endParaRPr lang="ko-KR" altLang="en-US"/>
+              </a:p>
+            </p:txBody>
+          </p:sp>
+          <p:sp>
+            <p:nvSpPr>
+              <p:cNvPr id="56" name="타원 55"/>
+              <p:cNvSpPr/>
+              <p:nvPr/>
+            </p:nvSpPr>
+            <p:spPr>
+              <a:xfrm>
+                <a:off x="1856642" y="2614239"/>
+                <a:ext cx="492369" cy="448408"/>
+              </a:xfrm>
+              <a:prstGeom prst="ellipse">
+                <a:avLst/>
+              </a:prstGeom>
+            </p:spPr>
+            <p:style>
+              <a:lnRef idx="2">
+                <a:schemeClr val="accent1">
+                  <a:shade val="50000"/>
+                </a:schemeClr>
+              </a:lnRef>
+              <a:fillRef idx="1">
+                <a:schemeClr val="accent1"/>
+              </a:fillRef>
+              <a:effectRef idx="0">
+                <a:schemeClr val="accent1"/>
+              </a:effectRef>
+              <a:fontRef idx="minor">
+                <a:schemeClr val="lt1"/>
+              </a:fontRef>
+            </p:style>
+            <p:txBody>
+              <a:bodyPr rtlCol="0" anchor="ctr"/>
+              <a:lstStyle/>
+              <a:p>
+                <a:pPr algn="ctr"/>
+                <a:endParaRPr lang="ko-KR" altLang="en-US"/>
+              </a:p>
+            </p:txBody>
+          </p:sp>
+          <p:sp>
+            <p:nvSpPr>
+              <p:cNvPr id="57" name="타원 56"/>
+              <p:cNvSpPr/>
+              <p:nvPr/>
+            </p:nvSpPr>
+            <p:spPr>
+              <a:xfrm>
+                <a:off x="2678723" y="2614243"/>
+                <a:ext cx="492369" cy="448408"/>
+              </a:xfrm>
+              <a:prstGeom prst="ellipse">
+                <a:avLst/>
+              </a:prstGeom>
+            </p:spPr>
+            <p:style>
+              <a:lnRef idx="2">
+                <a:schemeClr val="accent1">
+                  <a:shade val="50000"/>
+                </a:schemeClr>
+              </a:lnRef>
+              <a:fillRef idx="1">
+                <a:schemeClr val="accent1"/>
+              </a:fillRef>
+              <a:effectRef idx="0">
+                <a:schemeClr val="accent1"/>
+              </a:effectRef>
+              <a:fontRef idx="minor">
+                <a:schemeClr val="lt1"/>
+              </a:fontRef>
+            </p:style>
+            <p:txBody>
+              <a:bodyPr rtlCol="0" anchor="ctr"/>
+              <a:lstStyle/>
+              <a:p>
+                <a:pPr algn="ctr"/>
+                <a:endParaRPr lang="ko-KR" altLang="en-US"/>
+              </a:p>
+            </p:txBody>
+          </p:sp>
+          <p:sp>
+            <p:nvSpPr>
+              <p:cNvPr id="59" name="타원 58"/>
+              <p:cNvSpPr/>
+              <p:nvPr/>
+            </p:nvSpPr>
+            <p:spPr>
+              <a:xfrm>
+                <a:off x="3500804" y="2614243"/>
+                <a:ext cx="492369" cy="448408"/>
+              </a:xfrm>
+              <a:prstGeom prst="ellipse">
+                <a:avLst/>
+              </a:prstGeom>
+            </p:spPr>
+            <p:style>
+              <a:lnRef idx="2">
+                <a:schemeClr val="accent1">
+                  <a:shade val="50000"/>
+                </a:schemeClr>
+              </a:lnRef>
+              <a:fillRef idx="1">
+                <a:schemeClr val="accent1"/>
+              </a:fillRef>
+              <a:effectRef idx="0">
+                <a:schemeClr val="accent1"/>
+              </a:effectRef>
+              <a:fontRef idx="minor">
+                <a:schemeClr val="lt1"/>
+              </a:fontRef>
+            </p:style>
+            <p:txBody>
+              <a:bodyPr rtlCol="0" anchor="ctr"/>
+              <a:lstStyle/>
+              <a:p>
+                <a:pPr algn="ctr"/>
+                <a:endParaRPr lang="ko-KR" altLang="en-US"/>
+              </a:p>
+            </p:txBody>
+          </p:sp>
+          <p:sp>
+            <p:nvSpPr>
+              <p:cNvPr id="60" name="타원 59"/>
+              <p:cNvSpPr/>
+              <p:nvPr/>
+            </p:nvSpPr>
+            <p:spPr>
+              <a:xfrm>
+                <a:off x="4322885" y="2614241"/>
+                <a:ext cx="492369" cy="448408"/>
+              </a:xfrm>
+              <a:prstGeom prst="ellipse">
+                <a:avLst/>
+              </a:prstGeom>
+            </p:spPr>
+            <p:style>
+              <a:lnRef idx="2">
+                <a:schemeClr val="accent1">
+                  <a:shade val="50000"/>
+                </a:schemeClr>
+              </a:lnRef>
+              <a:fillRef idx="1">
+                <a:schemeClr val="accent1"/>
+              </a:fillRef>
+              <a:effectRef idx="0">
+                <a:schemeClr val="accent1"/>
+              </a:effectRef>
+              <a:fontRef idx="minor">
+                <a:schemeClr val="lt1"/>
+              </a:fontRef>
+            </p:style>
+            <p:txBody>
+              <a:bodyPr rtlCol="0" anchor="ctr"/>
+              <a:lstStyle/>
+              <a:p>
+                <a:pPr algn="ctr"/>
+                <a:endParaRPr lang="ko-KR" altLang="en-US"/>
+              </a:p>
+            </p:txBody>
+          </p:sp>
+          <p:sp>
+            <p:nvSpPr>
+              <p:cNvPr id="62" name="타원 61"/>
+              <p:cNvSpPr/>
+              <p:nvPr/>
+            </p:nvSpPr>
+            <p:spPr>
+              <a:xfrm>
+                <a:off x="1682261" y="3897917"/>
+                <a:ext cx="492369" cy="448408"/>
+              </a:xfrm>
+              <a:prstGeom prst="ellipse">
+                <a:avLst/>
+              </a:prstGeom>
+            </p:spPr>
+            <p:style>
+              <a:lnRef idx="2">
+                <a:schemeClr val="accent1">
+                  <a:shade val="50000"/>
+                </a:schemeClr>
+              </a:lnRef>
+              <a:fillRef idx="1">
+                <a:schemeClr val="accent1"/>
+              </a:fillRef>
+              <a:effectRef idx="0">
+                <a:schemeClr val="accent1"/>
+              </a:effectRef>
+              <a:fontRef idx="minor">
+                <a:schemeClr val="lt1"/>
+              </a:fontRef>
+            </p:style>
+            <p:txBody>
+              <a:bodyPr rtlCol="0" anchor="ctr"/>
+              <a:lstStyle/>
+              <a:p>
+                <a:pPr algn="ctr"/>
+                <a:endParaRPr lang="ko-KR" altLang="en-US"/>
+              </a:p>
+            </p:txBody>
+          </p:sp>
+          <p:sp>
+            <p:nvSpPr>
+              <p:cNvPr id="63" name="타원 62"/>
+              <p:cNvSpPr/>
+              <p:nvPr/>
+            </p:nvSpPr>
+            <p:spPr>
+              <a:xfrm>
+                <a:off x="2706565" y="3897917"/>
+                <a:ext cx="492369" cy="448408"/>
+              </a:xfrm>
+              <a:prstGeom prst="ellipse">
+                <a:avLst/>
+              </a:prstGeom>
+            </p:spPr>
+            <p:style>
+              <a:lnRef idx="2">
+                <a:schemeClr val="accent1">
+                  <a:shade val="50000"/>
+                </a:schemeClr>
+              </a:lnRef>
+              <a:fillRef idx="1">
+                <a:schemeClr val="accent1"/>
+              </a:fillRef>
+              <a:effectRef idx="0">
+                <a:schemeClr val="accent1"/>
+              </a:effectRef>
+              <a:fontRef idx="minor">
+                <a:schemeClr val="lt1"/>
+              </a:fontRef>
+            </p:style>
+            <p:txBody>
+              <a:bodyPr rtlCol="0" anchor="ctr"/>
+              <a:lstStyle/>
+              <a:p>
+                <a:pPr algn="ctr"/>
+                <a:endParaRPr lang="ko-KR" altLang="en-US"/>
+              </a:p>
+            </p:txBody>
+          </p:sp>
+          <p:sp>
+            <p:nvSpPr>
+              <p:cNvPr id="65" name="타원 64"/>
+              <p:cNvSpPr/>
+              <p:nvPr/>
+            </p:nvSpPr>
+            <p:spPr>
+              <a:xfrm>
+                <a:off x="3730869" y="3897917"/>
+                <a:ext cx="492369" cy="448408"/>
+              </a:xfrm>
+              <a:prstGeom prst="ellipse">
+                <a:avLst/>
+              </a:prstGeom>
+            </p:spPr>
+            <p:style>
+              <a:lnRef idx="2">
+                <a:schemeClr val="accent1">
+                  <a:shade val="50000"/>
+                </a:schemeClr>
+              </a:lnRef>
+              <a:fillRef idx="1">
+                <a:schemeClr val="accent1"/>
+              </a:fillRef>
+              <a:effectRef idx="0">
+                <a:schemeClr val="accent1"/>
+              </a:effectRef>
+              <a:fontRef idx="minor">
+                <a:schemeClr val="lt1"/>
+              </a:fontRef>
+            </p:style>
+            <p:txBody>
+              <a:bodyPr rtlCol="0" anchor="ctr"/>
+              <a:lstStyle/>
+              <a:p>
+                <a:pPr algn="ctr"/>
+                <a:endParaRPr lang="ko-KR" altLang="en-US"/>
+              </a:p>
+            </p:txBody>
+          </p:sp>
+          <p:sp>
+            <p:nvSpPr>
+              <p:cNvPr id="66" name="타원 65"/>
+              <p:cNvSpPr/>
+              <p:nvPr/>
+            </p:nvSpPr>
+            <p:spPr>
+              <a:xfrm>
+                <a:off x="2722683" y="5052642"/>
+                <a:ext cx="492369" cy="448408"/>
+              </a:xfrm>
+              <a:prstGeom prst="ellipse">
+                <a:avLst/>
+              </a:prstGeom>
+            </p:spPr>
+            <p:style>
+              <a:lnRef idx="2">
+                <a:schemeClr val="accent1">
+                  <a:shade val="50000"/>
+                </a:schemeClr>
+              </a:lnRef>
+              <a:fillRef idx="1">
+                <a:schemeClr val="accent1"/>
+              </a:fillRef>
+              <a:effectRef idx="0">
+                <a:schemeClr val="accent1"/>
+              </a:effectRef>
+              <a:fontRef idx="minor">
+                <a:schemeClr val="lt1"/>
+              </a:fontRef>
+            </p:style>
+            <p:txBody>
+              <a:bodyPr rtlCol="0" anchor="ctr"/>
+              <a:lstStyle/>
+              <a:p>
+                <a:pPr algn="ctr"/>
+                <a:endParaRPr lang="ko-KR" altLang="en-US"/>
+              </a:p>
+            </p:txBody>
+          </p:sp>
+          <p:cxnSp>
+            <p:nvCxnSpPr>
+              <p:cNvPr id="68" name="직선 연결선 67"/>
+              <p:cNvCxnSpPr>
+                <a:stCxn id="53" idx="4"/>
+                <a:endCxn id="54" idx="0"/>
+              </p:cNvCxnSpPr>
+              <p:nvPr/>
+            </p:nvCxnSpPr>
+            <p:spPr>
+              <a:xfrm flipH="1">
+                <a:off x="1280746" y="1907926"/>
+                <a:ext cx="1633904" cy="703383"/>
+              </a:xfrm>
+              <a:prstGeom prst="line">
+                <a:avLst/>
+              </a:prstGeom>
+              <a:ln w="38100"/>
+            </p:spPr>
+            <p:style>
+              <a:lnRef idx="1">
+                <a:schemeClr val="accent1"/>
+              </a:lnRef>
+              <a:fillRef idx="0">
+                <a:schemeClr val="accent1"/>
+              </a:fillRef>
+              <a:effectRef idx="0">
+                <a:schemeClr val="accent1"/>
+              </a:effectRef>
+              <a:fontRef idx="minor">
+                <a:schemeClr val="tx1"/>
+              </a:fontRef>
+            </p:style>
+          </p:cxnSp>
+          <p:cxnSp>
+            <p:nvCxnSpPr>
+              <p:cNvPr id="69" name="직선 연결선 68"/>
+              <p:cNvCxnSpPr>
+                <a:stCxn id="53" idx="4"/>
+                <a:endCxn id="56" idx="0"/>
+              </p:cNvCxnSpPr>
+              <p:nvPr/>
+            </p:nvCxnSpPr>
+            <p:spPr>
+              <a:xfrm flipH="1">
+                <a:off x="2102827" y="1907926"/>
+                <a:ext cx="811823" cy="706313"/>
+              </a:xfrm>
+              <a:prstGeom prst="line">
+                <a:avLst/>
+              </a:prstGeom>
+              <a:ln w="38100"/>
+            </p:spPr>
+            <p:style>
+              <a:lnRef idx="1">
+                <a:schemeClr val="accent1"/>
+              </a:lnRef>
+              <a:fillRef idx="0">
+                <a:schemeClr val="accent1"/>
+              </a:fillRef>
+              <a:effectRef idx="0">
+                <a:schemeClr val="accent1"/>
+              </a:effectRef>
+              <a:fontRef idx="minor">
+                <a:schemeClr val="tx1"/>
+              </a:fontRef>
+            </p:style>
+          </p:cxnSp>
+          <p:cxnSp>
+            <p:nvCxnSpPr>
+              <p:cNvPr id="70" name="직선 연결선 69"/>
+              <p:cNvCxnSpPr>
+                <a:stCxn id="53" idx="4"/>
+                <a:endCxn id="57" idx="0"/>
+              </p:cNvCxnSpPr>
+              <p:nvPr/>
+            </p:nvCxnSpPr>
+            <p:spPr>
+              <a:xfrm>
+                <a:off x="2914650" y="1907926"/>
+                <a:ext cx="10258" cy="706317"/>
+              </a:xfrm>
+              <a:prstGeom prst="line">
+                <a:avLst/>
+              </a:prstGeom>
+              <a:ln w="38100"/>
+            </p:spPr>
+            <p:style>
+              <a:lnRef idx="1">
+                <a:schemeClr val="accent1"/>
+              </a:lnRef>
+              <a:fillRef idx="0">
+                <a:schemeClr val="accent1"/>
+              </a:fillRef>
+              <a:effectRef idx="0">
+                <a:schemeClr val="accent1"/>
+              </a:effectRef>
+              <a:fontRef idx="minor">
+                <a:schemeClr val="tx1"/>
+              </a:fontRef>
+            </p:style>
+          </p:cxnSp>
+          <p:cxnSp>
+            <p:nvCxnSpPr>
+              <p:cNvPr id="72" name="직선 연결선 71"/>
+              <p:cNvCxnSpPr>
+                <a:stCxn id="53" idx="4"/>
+                <a:endCxn id="59" idx="0"/>
+              </p:cNvCxnSpPr>
+              <p:nvPr/>
+            </p:nvCxnSpPr>
+            <p:spPr>
+              <a:xfrm>
+                <a:off x="2914650" y="1907926"/>
+                <a:ext cx="832339" cy="706317"/>
+              </a:xfrm>
+              <a:prstGeom prst="line">
+                <a:avLst/>
+              </a:prstGeom>
+              <a:ln w="38100"/>
+            </p:spPr>
+            <p:style>
+              <a:lnRef idx="1">
+                <a:schemeClr val="accent1"/>
+              </a:lnRef>
+              <a:fillRef idx="0">
+                <a:schemeClr val="accent1"/>
+              </a:fillRef>
+              <a:effectRef idx="0">
+                <a:schemeClr val="accent1"/>
+              </a:effectRef>
+              <a:fontRef idx="minor">
+                <a:schemeClr val="tx1"/>
+              </a:fontRef>
+            </p:style>
+          </p:cxnSp>
+          <p:cxnSp>
+            <p:nvCxnSpPr>
+              <p:cNvPr id="73" name="직선 연결선 72"/>
+              <p:cNvCxnSpPr>
+                <a:stCxn id="53" idx="4"/>
+                <a:endCxn id="60" idx="0"/>
+              </p:cNvCxnSpPr>
+              <p:nvPr/>
+            </p:nvCxnSpPr>
+            <p:spPr>
+              <a:xfrm>
+                <a:off x="2914650" y="1907926"/>
+                <a:ext cx="1654420" cy="706315"/>
+              </a:xfrm>
+              <a:prstGeom prst="line">
+                <a:avLst/>
+              </a:prstGeom>
+              <a:ln w="38100"/>
+            </p:spPr>
+            <p:style>
+              <a:lnRef idx="1">
+                <a:schemeClr val="accent1"/>
+              </a:lnRef>
+              <a:fillRef idx="0">
+                <a:schemeClr val="accent1"/>
+              </a:fillRef>
+              <a:effectRef idx="0">
+                <a:schemeClr val="accent1"/>
+              </a:effectRef>
+              <a:fontRef idx="minor">
+                <a:schemeClr val="tx1"/>
+              </a:fontRef>
+            </p:style>
+          </p:cxnSp>
+          <p:cxnSp>
+            <p:nvCxnSpPr>
+              <p:cNvPr id="75" name="직선 연결선 74"/>
+              <p:cNvCxnSpPr>
+                <a:stCxn id="62" idx="0"/>
+                <a:endCxn id="60" idx="4"/>
+              </p:cNvCxnSpPr>
+              <p:nvPr/>
+            </p:nvCxnSpPr>
+            <p:spPr>
+              <a:xfrm flipV="1">
+                <a:off x="1928446" y="3062649"/>
+                <a:ext cx="2640624" cy="835268"/>
+              </a:xfrm>
+              <a:prstGeom prst="line">
+                <a:avLst/>
+              </a:prstGeom>
+              <a:ln w="38100"/>
+            </p:spPr>
+            <p:style>
+              <a:lnRef idx="1">
+                <a:schemeClr val="accent1"/>
+              </a:lnRef>
+              <a:fillRef idx="0">
+                <a:schemeClr val="accent1"/>
+              </a:fillRef>
+              <a:effectRef idx="0">
+                <a:schemeClr val="accent1"/>
+              </a:effectRef>
+              <a:fontRef idx="minor">
+                <a:schemeClr val="tx1"/>
+              </a:fontRef>
+            </p:style>
+          </p:cxnSp>
+          <p:cxnSp>
+            <p:nvCxnSpPr>
+              <p:cNvPr id="76" name="직선 연결선 75"/>
+              <p:cNvCxnSpPr>
+                <a:stCxn id="63" idx="0"/>
+                <a:endCxn id="60" idx="4"/>
+              </p:cNvCxnSpPr>
+              <p:nvPr/>
+            </p:nvCxnSpPr>
+            <p:spPr>
+              <a:xfrm flipV="1">
+                <a:off x="2952750" y="3062649"/>
+                <a:ext cx="1616320" cy="835268"/>
+              </a:xfrm>
+              <a:prstGeom prst="line">
+                <a:avLst/>
+              </a:prstGeom>
+              <a:ln w="38100"/>
+            </p:spPr>
+            <p:style>
+              <a:lnRef idx="1">
+                <a:schemeClr val="accent1"/>
+              </a:lnRef>
+              <a:fillRef idx="0">
+                <a:schemeClr val="accent1"/>
+              </a:fillRef>
+              <a:effectRef idx="0">
+                <a:schemeClr val="accent1"/>
+              </a:effectRef>
+              <a:fontRef idx="minor">
+                <a:schemeClr val="tx1"/>
+              </a:fontRef>
+            </p:style>
+          </p:cxnSp>
+          <p:cxnSp>
+            <p:nvCxnSpPr>
+              <p:cNvPr id="78" name="직선 연결선 77"/>
+              <p:cNvCxnSpPr>
+                <a:stCxn id="60" idx="4"/>
+                <a:endCxn id="65" idx="0"/>
+              </p:cNvCxnSpPr>
+              <p:nvPr/>
+            </p:nvCxnSpPr>
+            <p:spPr>
+              <a:xfrm flipH="1">
+                <a:off x="3977054" y="3062649"/>
+                <a:ext cx="592016" cy="835268"/>
+              </a:xfrm>
+              <a:prstGeom prst="line">
+                <a:avLst/>
+              </a:prstGeom>
+              <a:ln w="38100"/>
+            </p:spPr>
+            <p:style>
+              <a:lnRef idx="1">
+                <a:schemeClr val="accent1"/>
+              </a:lnRef>
+              <a:fillRef idx="0">
+                <a:schemeClr val="accent1"/>
+              </a:fillRef>
+              <a:effectRef idx="0">
+                <a:schemeClr val="accent1"/>
+              </a:effectRef>
+              <a:fontRef idx="minor">
+                <a:schemeClr val="tx1"/>
+              </a:fontRef>
+            </p:style>
+          </p:cxnSp>
+          <p:cxnSp>
+            <p:nvCxnSpPr>
+              <p:cNvPr id="79" name="직선 연결선 78"/>
+              <p:cNvCxnSpPr>
+                <a:stCxn id="59" idx="4"/>
+                <a:endCxn id="65" idx="0"/>
+              </p:cNvCxnSpPr>
+              <p:nvPr/>
+            </p:nvCxnSpPr>
+            <p:spPr>
+              <a:xfrm>
+                <a:off x="3746989" y="3062651"/>
+                <a:ext cx="230065" cy="835266"/>
+              </a:xfrm>
+              <a:prstGeom prst="line">
+                <a:avLst/>
+              </a:prstGeom>
+              <a:ln w="38100"/>
+            </p:spPr>
+            <p:style>
+              <a:lnRef idx="1">
+                <a:schemeClr val="accent1"/>
+              </a:lnRef>
+              <a:fillRef idx="0">
+                <a:schemeClr val="accent1"/>
+              </a:fillRef>
+              <a:effectRef idx="0">
+                <a:schemeClr val="accent1"/>
+              </a:effectRef>
+              <a:fontRef idx="minor">
+                <a:schemeClr val="tx1"/>
+              </a:fontRef>
+            </p:style>
+          </p:cxnSp>
+          <p:cxnSp>
+            <p:nvCxnSpPr>
+              <p:cNvPr id="81" name="직선 연결선 80"/>
+              <p:cNvCxnSpPr>
+                <a:stCxn id="59" idx="4"/>
+                <a:endCxn id="63" idx="0"/>
+              </p:cNvCxnSpPr>
+              <p:nvPr/>
+            </p:nvCxnSpPr>
+            <p:spPr>
+              <a:xfrm flipH="1">
+                <a:off x="2952750" y="3062651"/>
+                <a:ext cx="794239" cy="835266"/>
+              </a:xfrm>
+              <a:prstGeom prst="line">
+                <a:avLst/>
+              </a:prstGeom>
+              <a:ln w="38100"/>
+            </p:spPr>
+            <p:style>
+              <a:lnRef idx="1">
+                <a:schemeClr val="accent1"/>
+              </a:lnRef>
+              <a:fillRef idx="0">
+                <a:schemeClr val="accent1"/>
+              </a:fillRef>
+              <a:effectRef idx="0">
+                <a:schemeClr val="accent1"/>
+              </a:effectRef>
+              <a:fontRef idx="minor">
+                <a:schemeClr val="tx1"/>
+              </a:fontRef>
+            </p:style>
+          </p:cxnSp>
+          <p:cxnSp>
+            <p:nvCxnSpPr>
+              <p:cNvPr id="82" name="직선 연결선 81"/>
+              <p:cNvCxnSpPr>
+                <a:stCxn id="59" idx="4"/>
+                <a:endCxn id="62" idx="0"/>
+              </p:cNvCxnSpPr>
+              <p:nvPr/>
+            </p:nvCxnSpPr>
+            <p:spPr>
+              <a:xfrm flipH="1">
+                <a:off x="1928446" y="3062651"/>
+                <a:ext cx="1818543" cy="835266"/>
+              </a:xfrm>
+              <a:prstGeom prst="line">
+                <a:avLst/>
+              </a:prstGeom>
+              <a:ln w="38100"/>
+            </p:spPr>
+            <p:style>
+              <a:lnRef idx="1">
+                <a:schemeClr val="accent1"/>
+              </a:lnRef>
+              <a:fillRef idx="0">
+                <a:schemeClr val="accent1"/>
+              </a:fillRef>
+              <a:effectRef idx="0">
+                <a:schemeClr val="accent1"/>
+              </a:effectRef>
+              <a:fontRef idx="minor">
+                <a:schemeClr val="tx1"/>
+              </a:fontRef>
+            </p:style>
+          </p:cxnSp>
+          <p:cxnSp>
+            <p:nvCxnSpPr>
+              <p:cNvPr id="84" name="직선 연결선 83"/>
+              <p:cNvCxnSpPr>
+                <a:stCxn id="63" idx="4"/>
+                <a:endCxn id="66" idx="0"/>
+              </p:cNvCxnSpPr>
+              <p:nvPr/>
+            </p:nvCxnSpPr>
+            <p:spPr>
+              <a:xfrm>
+                <a:off x="2952750" y="4346325"/>
+                <a:ext cx="16118" cy="706317"/>
+              </a:xfrm>
+              <a:prstGeom prst="line">
+                <a:avLst/>
+              </a:prstGeom>
+              <a:ln w="38100"/>
+            </p:spPr>
+            <p:style>
+              <a:lnRef idx="1">
+                <a:schemeClr val="accent1"/>
+              </a:lnRef>
+              <a:fillRef idx="0">
+                <a:schemeClr val="accent1"/>
+              </a:fillRef>
+              <a:effectRef idx="0">
+                <a:schemeClr val="accent1"/>
+              </a:effectRef>
+              <a:fontRef idx="minor">
+                <a:schemeClr val="tx1"/>
+              </a:fontRef>
+            </p:style>
+          </p:cxnSp>
+          <p:cxnSp>
+            <p:nvCxnSpPr>
+              <p:cNvPr id="85" name="직선 연결선 84"/>
+              <p:cNvCxnSpPr>
+                <a:stCxn id="65" idx="4"/>
+                <a:endCxn id="66" idx="0"/>
+              </p:cNvCxnSpPr>
+              <p:nvPr/>
+            </p:nvCxnSpPr>
+            <p:spPr>
+              <a:xfrm flipH="1">
+                <a:off x="2968868" y="4346325"/>
+                <a:ext cx="1008186" cy="706317"/>
+              </a:xfrm>
+              <a:prstGeom prst="line">
+                <a:avLst/>
+              </a:prstGeom>
+              <a:ln w="38100"/>
+            </p:spPr>
+            <p:style>
+              <a:lnRef idx="1">
+                <a:schemeClr val="accent1"/>
+              </a:lnRef>
+              <a:fillRef idx="0">
+                <a:schemeClr val="accent1"/>
+              </a:fillRef>
+              <a:effectRef idx="0">
+                <a:schemeClr val="accent1"/>
+              </a:effectRef>
+              <a:fontRef idx="minor">
+                <a:schemeClr val="tx1"/>
+              </a:fontRef>
+            </p:style>
+          </p:cxnSp>
+          <p:cxnSp>
+            <p:nvCxnSpPr>
+              <p:cNvPr id="86" name="직선 연결선 85"/>
+              <p:cNvCxnSpPr>
+                <a:stCxn id="62" idx="4"/>
+                <a:endCxn id="66" idx="0"/>
+              </p:cNvCxnSpPr>
+              <p:nvPr/>
+            </p:nvCxnSpPr>
+            <p:spPr>
+              <a:xfrm>
+                <a:off x="1928446" y="4346325"/>
+                <a:ext cx="1040422" cy="706317"/>
+              </a:xfrm>
+              <a:prstGeom prst="line">
+                <a:avLst/>
+              </a:prstGeom>
+              <a:ln w="38100"/>
+            </p:spPr>
+            <p:style>
+              <a:lnRef idx="1">
+                <a:schemeClr val="accent1"/>
+              </a:lnRef>
+              <a:fillRef idx="0">
+                <a:schemeClr val="accent1"/>
+              </a:fillRef>
+              <a:effectRef idx="0">
+                <a:schemeClr val="accent1"/>
+              </a:effectRef>
+              <a:fontRef idx="minor">
+                <a:schemeClr val="tx1"/>
+              </a:fontRef>
+            </p:style>
+          </p:cxnSp>
+          <p:cxnSp>
+            <p:nvCxnSpPr>
+              <p:cNvPr id="88" name="직선 연결선 87"/>
+              <p:cNvCxnSpPr>
+                <a:stCxn id="57" idx="4"/>
+                <a:endCxn id="65" idx="0"/>
+              </p:cNvCxnSpPr>
+              <p:nvPr/>
+            </p:nvCxnSpPr>
+            <p:spPr>
+              <a:xfrm>
+                <a:off x="2924908" y="3062651"/>
+                <a:ext cx="1052146" cy="835266"/>
+              </a:xfrm>
+              <a:prstGeom prst="line">
+                <a:avLst/>
+              </a:prstGeom>
+              <a:ln w="38100"/>
+            </p:spPr>
+            <p:style>
+              <a:lnRef idx="1">
+                <a:schemeClr val="accent1"/>
+              </a:lnRef>
+              <a:fillRef idx="0">
+                <a:schemeClr val="accent1"/>
+              </a:fillRef>
+              <a:effectRef idx="0">
+                <a:schemeClr val="accent1"/>
+              </a:effectRef>
+              <a:fontRef idx="minor">
+                <a:schemeClr val="tx1"/>
+              </a:fontRef>
+            </p:style>
+          </p:cxnSp>
+          <p:cxnSp>
+            <p:nvCxnSpPr>
+              <p:cNvPr id="89" name="직선 연결선 88"/>
+              <p:cNvCxnSpPr>
+                <a:stCxn id="57" idx="4"/>
+                <a:endCxn id="63" idx="0"/>
+              </p:cNvCxnSpPr>
+              <p:nvPr/>
+            </p:nvCxnSpPr>
+            <p:spPr>
+              <a:xfrm>
+                <a:off x="2924908" y="3062651"/>
+                <a:ext cx="27842" cy="835266"/>
+              </a:xfrm>
+              <a:prstGeom prst="line">
+                <a:avLst/>
+              </a:prstGeom>
+              <a:ln w="38100"/>
+            </p:spPr>
+            <p:style>
+              <a:lnRef idx="1">
+                <a:schemeClr val="accent1"/>
+              </a:lnRef>
+              <a:fillRef idx="0">
+                <a:schemeClr val="accent1"/>
+              </a:fillRef>
+              <a:effectRef idx="0">
+                <a:schemeClr val="accent1"/>
+              </a:effectRef>
+              <a:fontRef idx="minor">
+                <a:schemeClr val="tx1"/>
+              </a:fontRef>
+            </p:style>
+          </p:cxnSp>
+          <p:cxnSp>
+            <p:nvCxnSpPr>
+              <p:cNvPr id="91" name="직선 연결선 90"/>
+              <p:cNvCxnSpPr>
+                <a:stCxn id="57" idx="4"/>
+                <a:endCxn id="62" idx="0"/>
+              </p:cNvCxnSpPr>
+              <p:nvPr/>
+            </p:nvCxnSpPr>
+            <p:spPr>
+              <a:xfrm flipH="1">
+                <a:off x="1928446" y="3062651"/>
+                <a:ext cx="996462" cy="835266"/>
+              </a:xfrm>
+              <a:prstGeom prst="line">
+                <a:avLst/>
+              </a:prstGeom>
+              <a:ln w="38100"/>
+            </p:spPr>
+            <p:style>
+              <a:lnRef idx="1">
+                <a:schemeClr val="accent1"/>
+              </a:lnRef>
+              <a:fillRef idx="0">
+                <a:schemeClr val="accent1"/>
+              </a:fillRef>
+              <a:effectRef idx="0">
+                <a:schemeClr val="accent1"/>
+              </a:effectRef>
+              <a:fontRef idx="minor">
+                <a:schemeClr val="tx1"/>
+              </a:fontRef>
+            </p:style>
+          </p:cxnSp>
+          <p:cxnSp>
+            <p:nvCxnSpPr>
+              <p:cNvPr id="92" name="직선 연결선 91"/>
+              <p:cNvCxnSpPr>
+                <a:stCxn id="56" idx="4"/>
+                <a:endCxn id="62" idx="0"/>
+              </p:cNvCxnSpPr>
+              <p:nvPr/>
+            </p:nvCxnSpPr>
+            <p:spPr>
+              <a:xfrm flipH="1">
+                <a:off x="1928446" y="3062647"/>
+                <a:ext cx="174381" cy="835270"/>
+              </a:xfrm>
+              <a:prstGeom prst="line">
+                <a:avLst/>
+              </a:prstGeom>
+              <a:ln w="38100"/>
+            </p:spPr>
+            <p:style>
+              <a:lnRef idx="1">
+                <a:schemeClr val="accent1"/>
+              </a:lnRef>
+              <a:fillRef idx="0">
+                <a:schemeClr val="accent1"/>
+              </a:fillRef>
+              <a:effectRef idx="0">
+                <a:schemeClr val="accent1"/>
+              </a:effectRef>
+              <a:fontRef idx="minor">
+                <a:schemeClr val="tx1"/>
+              </a:fontRef>
+            </p:style>
+          </p:cxnSp>
+          <p:cxnSp>
+            <p:nvCxnSpPr>
+              <p:cNvPr id="94" name="직선 연결선 93"/>
+              <p:cNvCxnSpPr>
+                <a:stCxn id="56" idx="4"/>
+                <a:endCxn id="63" idx="0"/>
+              </p:cNvCxnSpPr>
+              <p:nvPr/>
+            </p:nvCxnSpPr>
+            <p:spPr>
+              <a:xfrm>
+                <a:off x="2102827" y="3062647"/>
+                <a:ext cx="849923" cy="835270"/>
+              </a:xfrm>
+              <a:prstGeom prst="line">
+                <a:avLst/>
+              </a:prstGeom>
+              <a:ln w="38100"/>
+            </p:spPr>
+            <p:style>
+              <a:lnRef idx="1">
+                <a:schemeClr val="accent1"/>
+              </a:lnRef>
+              <a:fillRef idx="0">
+                <a:schemeClr val="accent1"/>
+              </a:fillRef>
+              <a:effectRef idx="0">
+                <a:schemeClr val="accent1"/>
+              </a:effectRef>
+              <a:fontRef idx="minor">
+                <a:schemeClr val="tx1"/>
+              </a:fontRef>
+            </p:style>
+          </p:cxnSp>
+          <p:cxnSp>
+            <p:nvCxnSpPr>
+              <p:cNvPr id="95" name="직선 연결선 94"/>
+              <p:cNvCxnSpPr>
+                <a:stCxn id="56" idx="4"/>
+                <a:endCxn id="65" idx="0"/>
+              </p:cNvCxnSpPr>
+              <p:nvPr/>
+            </p:nvCxnSpPr>
+            <p:spPr>
+              <a:xfrm>
+                <a:off x="2102827" y="3062647"/>
+                <a:ext cx="1874227" cy="835270"/>
+              </a:xfrm>
+              <a:prstGeom prst="line">
+                <a:avLst/>
+              </a:prstGeom>
+              <a:ln w="38100"/>
+            </p:spPr>
+            <p:style>
+              <a:lnRef idx="1">
+                <a:schemeClr val="accent1"/>
+              </a:lnRef>
+              <a:fillRef idx="0">
+                <a:schemeClr val="accent1"/>
+              </a:fillRef>
+              <a:effectRef idx="0">
+                <a:schemeClr val="accent1"/>
+              </a:effectRef>
+              <a:fontRef idx="minor">
+                <a:schemeClr val="tx1"/>
+              </a:fontRef>
+            </p:style>
+          </p:cxnSp>
+          <p:cxnSp>
+            <p:nvCxnSpPr>
+              <p:cNvPr id="96" name="직선 연결선 95"/>
+              <p:cNvCxnSpPr>
+                <a:stCxn id="54" idx="4"/>
+                <a:endCxn id="62" idx="0"/>
+              </p:cNvCxnSpPr>
+              <p:nvPr/>
+            </p:nvCxnSpPr>
+            <p:spPr>
+              <a:xfrm>
+                <a:off x="1280746" y="3059717"/>
+                <a:ext cx="647700" cy="838200"/>
+              </a:xfrm>
+              <a:prstGeom prst="line">
+                <a:avLst/>
+              </a:prstGeom>
+              <a:ln w="38100"/>
+            </p:spPr>
+            <p:style>
+              <a:lnRef idx="1">
+                <a:schemeClr val="accent1"/>
+              </a:lnRef>
+              <a:fillRef idx="0">
+                <a:schemeClr val="accent1"/>
+              </a:fillRef>
+              <a:effectRef idx="0">
+                <a:schemeClr val="accent1"/>
+              </a:effectRef>
+              <a:fontRef idx="minor">
+                <a:schemeClr val="tx1"/>
+              </a:fontRef>
+            </p:style>
+          </p:cxnSp>
+          <p:cxnSp>
+            <p:nvCxnSpPr>
+              <p:cNvPr id="97" name="직선 연결선 96"/>
+              <p:cNvCxnSpPr>
+                <a:stCxn id="54" idx="4"/>
+                <a:endCxn id="63" idx="0"/>
+              </p:cNvCxnSpPr>
+              <p:nvPr/>
+            </p:nvCxnSpPr>
+            <p:spPr>
+              <a:xfrm>
+                <a:off x="1280746" y="3059717"/>
+                <a:ext cx="1672004" cy="838200"/>
+              </a:xfrm>
+              <a:prstGeom prst="line">
+                <a:avLst/>
+              </a:prstGeom>
+              <a:ln w="38100"/>
+            </p:spPr>
+            <p:style>
+              <a:lnRef idx="1">
+                <a:schemeClr val="accent1"/>
+              </a:lnRef>
+              <a:fillRef idx="0">
+                <a:schemeClr val="accent1"/>
+              </a:fillRef>
+              <a:effectRef idx="0">
+                <a:schemeClr val="accent1"/>
+              </a:effectRef>
+              <a:fontRef idx="minor">
+                <a:schemeClr val="tx1"/>
+              </a:fontRef>
+            </p:style>
+          </p:cxnSp>
+          <p:cxnSp>
+            <p:nvCxnSpPr>
+              <p:cNvPr id="98" name="직선 연결선 97"/>
+              <p:cNvCxnSpPr>
+                <a:stCxn id="54" idx="4"/>
+                <a:endCxn id="65" idx="0"/>
+              </p:cNvCxnSpPr>
+              <p:nvPr/>
+            </p:nvCxnSpPr>
+            <p:spPr>
+              <a:xfrm>
+                <a:off x="1280746" y="3059717"/>
+                <a:ext cx="2696308" cy="838200"/>
+              </a:xfrm>
+              <a:prstGeom prst="line">
+                <a:avLst/>
+              </a:prstGeom>
+              <a:ln w="38100"/>
+            </p:spPr>
+            <p:style>
+              <a:lnRef idx="1">
+                <a:schemeClr val="accent1"/>
+              </a:lnRef>
+              <a:fillRef idx="0">
+                <a:schemeClr val="accent1"/>
+              </a:fillRef>
+              <a:effectRef idx="0">
+                <a:schemeClr val="accent1"/>
+              </a:effectRef>
+              <a:fontRef idx="minor">
+                <a:schemeClr val="tx1"/>
+              </a:fontRef>
+            </p:style>
+          </p:cxnSp>
+        </p:grpSp>
         <p:sp>
           <p:nvSpPr>
-            <p:cNvPr id="4" name="타원 3"/>
-            <p:cNvSpPr/>
-            <p:nvPr/>
-          </p:nvSpPr>
-          <p:spPr>
-            <a:xfrm>
-              <a:off x="2431075" y="1283677"/>
-              <a:ext cx="492369" cy="448408"/>
-            </a:xfrm>
-            <a:prstGeom prst="ellipse">
-              <a:avLst/>
-            </a:prstGeom>
-          </p:spPr>
-          <p:style>
-            <a:lnRef idx="2">
-              <a:schemeClr val="accent1">
-                <a:shade val="50000"/>
-              </a:schemeClr>
-            </a:lnRef>
-            <a:fillRef idx="1">
-              <a:schemeClr val="accent1"/>
-            </a:fillRef>
-            <a:effectRef idx="0">
-              <a:schemeClr val="accent1"/>
-            </a:effectRef>
-            <a:fontRef idx="minor">
-              <a:schemeClr val="lt1"/>
-            </a:fontRef>
-          </p:style>
-          <p:txBody>
-            <a:bodyPr rtlCol="0" anchor="ctr"/>
-            <a:lstStyle/>
-            <a:p>
-              <a:pPr algn="ctr"/>
-              <a:endParaRPr lang="ko-KR" altLang="en-US"/>
-            </a:p>
-          </p:txBody>
-        </p:sp>
-        <p:sp>
-          <p:nvSpPr>
-            <p:cNvPr id="5" name="타원 4"/>
-            <p:cNvSpPr/>
-            <p:nvPr/>
-          </p:nvSpPr>
-          <p:spPr>
-            <a:xfrm>
-              <a:off x="832339" y="2435468"/>
-              <a:ext cx="492369" cy="448408"/>
-            </a:xfrm>
-            <a:prstGeom prst="ellipse">
-              <a:avLst/>
-            </a:prstGeom>
-          </p:spPr>
-          <p:style>
-            <a:lnRef idx="2">
-              <a:schemeClr val="accent1">
-                <a:shade val="50000"/>
-              </a:schemeClr>
-            </a:lnRef>
-            <a:fillRef idx="1">
-              <a:schemeClr val="accent1"/>
-            </a:fillRef>
-            <a:effectRef idx="0">
-              <a:schemeClr val="accent1"/>
-            </a:effectRef>
-            <a:fontRef idx="minor">
-              <a:schemeClr val="lt1"/>
-            </a:fontRef>
-          </p:style>
-          <p:txBody>
-            <a:bodyPr rtlCol="0" anchor="ctr"/>
-            <a:lstStyle/>
-            <a:p>
-              <a:pPr algn="ctr"/>
-              <a:endParaRPr lang="ko-KR" altLang="en-US"/>
-            </a:p>
-          </p:txBody>
-        </p:sp>
-        <p:sp>
-          <p:nvSpPr>
-            <p:cNvPr id="6" name="타원 5"/>
-            <p:cNvSpPr/>
-            <p:nvPr/>
-          </p:nvSpPr>
-          <p:spPr>
-            <a:xfrm>
-              <a:off x="1654420" y="2438398"/>
-              <a:ext cx="492369" cy="448408"/>
-            </a:xfrm>
-            <a:prstGeom prst="ellipse">
-              <a:avLst/>
-            </a:prstGeom>
-          </p:spPr>
-          <p:style>
-            <a:lnRef idx="2">
-              <a:schemeClr val="accent1">
-                <a:shade val="50000"/>
-              </a:schemeClr>
-            </a:lnRef>
-            <a:fillRef idx="1">
-              <a:schemeClr val="accent1"/>
-            </a:fillRef>
-            <a:effectRef idx="0">
-              <a:schemeClr val="accent1"/>
-            </a:effectRef>
-            <a:fontRef idx="minor">
-              <a:schemeClr val="lt1"/>
-            </a:fontRef>
-          </p:style>
-          <p:txBody>
-            <a:bodyPr rtlCol="0" anchor="ctr"/>
-            <a:lstStyle/>
-            <a:p>
-              <a:pPr algn="ctr"/>
-              <a:endParaRPr lang="ko-KR" altLang="en-US"/>
-            </a:p>
-          </p:txBody>
-        </p:sp>
-        <p:sp>
-          <p:nvSpPr>
-            <p:cNvPr id="7" name="타원 6"/>
-            <p:cNvSpPr/>
-            <p:nvPr/>
-          </p:nvSpPr>
-          <p:spPr>
-            <a:xfrm>
-              <a:off x="2476501" y="2438402"/>
-              <a:ext cx="492369" cy="448408"/>
-            </a:xfrm>
-            <a:prstGeom prst="ellipse">
-              <a:avLst/>
-            </a:prstGeom>
-          </p:spPr>
-          <p:style>
-            <a:lnRef idx="2">
-              <a:schemeClr val="accent1">
-                <a:shade val="50000"/>
-              </a:schemeClr>
-            </a:lnRef>
-            <a:fillRef idx="1">
-              <a:schemeClr val="accent1"/>
-            </a:fillRef>
-            <a:effectRef idx="0">
-              <a:schemeClr val="accent1"/>
-            </a:effectRef>
-            <a:fontRef idx="minor">
-              <a:schemeClr val="lt1"/>
-            </a:fontRef>
-          </p:style>
-          <p:txBody>
-            <a:bodyPr rtlCol="0" anchor="ctr"/>
-            <a:lstStyle/>
-            <a:p>
-              <a:pPr algn="ctr"/>
-              <a:endParaRPr lang="ko-KR" altLang="en-US"/>
-            </a:p>
-          </p:txBody>
-        </p:sp>
-        <p:sp>
-          <p:nvSpPr>
-            <p:cNvPr id="8" name="타원 7"/>
-            <p:cNvSpPr/>
-            <p:nvPr/>
-          </p:nvSpPr>
-          <p:spPr>
-            <a:xfrm>
-              <a:off x="3298582" y="2438402"/>
-              <a:ext cx="492369" cy="448408"/>
-            </a:xfrm>
-            <a:prstGeom prst="ellipse">
-              <a:avLst/>
-            </a:prstGeom>
-          </p:spPr>
-          <p:style>
-            <a:lnRef idx="2">
-              <a:schemeClr val="accent1">
-                <a:shade val="50000"/>
-              </a:schemeClr>
-            </a:lnRef>
-            <a:fillRef idx="1">
-              <a:schemeClr val="accent1"/>
-            </a:fillRef>
-            <a:effectRef idx="0">
-              <a:schemeClr val="accent1"/>
-            </a:effectRef>
-            <a:fontRef idx="minor">
-              <a:schemeClr val="lt1"/>
-            </a:fontRef>
-          </p:style>
-          <p:txBody>
-            <a:bodyPr rtlCol="0" anchor="ctr"/>
-            <a:lstStyle/>
-            <a:p>
-              <a:pPr algn="ctr"/>
-              <a:endParaRPr lang="ko-KR" altLang="en-US"/>
-            </a:p>
-          </p:txBody>
-        </p:sp>
-        <p:sp>
-          <p:nvSpPr>
-            <p:cNvPr id="9" name="타원 8"/>
-            <p:cNvSpPr/>
-            <p:nvPr/>
-          </p:nvSpPr>
-          <p:spPr>
-            <a:xfrm>
-              <a:off x="4120663" y="2438400"/>
-              <a:ext cx="492369" cy="448408"/>
-            </a:xfrm>
-            <a:prstGeom prst="ellipse">
-              <a:avLst/>
-            </a:prstGeom>
-          </p:spPr>
-          <p:style>
-            <a:lnRef idx="2">
-              <a:schemeClr val="accent1">
-                <a:shade val="50000"/>
-              </a:schemeClr>
-            </a:lnRef>
-            <a:fillRef idx="1">
-              <a:schemeClr val="accent1"/>
-            </a:fillRef>
-            <a:effectRef idx="0">
-              <a:schemeClr val="accent1"/>
-            </a:effectRef>
-            <a:fontRef idx="minor">
-              <a:schemeClr val="lt1"/>
-            </a:fontRef>
-          </p:style>
-          <p:txBody>
-            <a:bodyPr rtlCol="0" anchor="ctr"/>
-            <a:lstStyle/>
-            <a:p>
-              <a:pPr algn="ctr"/>
-              <a:endParaRPr lang="ko-KR" altLang="en-US"/>
-            </a:p>
-          </p:txBody>
-        </p:sp>
-        <p:sp>
-          <p:nvSpPr>
-            <p:cNvPr id="10" name="타원 9"/>
-            <p:cNvSpPr/>
-            <p:nvPr/>
-          </p:nvSpPr>
-          <p:spPr>
-            <a:xfrm>
-              <a:off x="1444871" y="3379177"/>
-              <a:ext cx="492369" cy="448408"/>
-            </a:xfrm>
-            <a:prstGeom prst="ellipse">
-              <a:avLst/>
-            </a:prstGeom>
-          </p:spPr>
-          <p:style>
-            <a:lnRef idx="2">
-              <a:schemeClr val="accent1">
-                <a:shade val="50000"/>
-              </a:schemeClr>
-            </a:lnRef>
-            <a:fillRef idx="1">
-              <a:schemeClr val="accent1"/>
-            </a:fillRef>
-            <a:effectRef idx="0">
-              <a:schemeClr val="accent1"/>
-            </a:effectRef>
-            <a:fontRef idx="minor">
-              <a:schemeClr val="lt1"/>
-            </a:fontRef>
-          </p:style>
-          <p:txBody>
-            <a:bodyPr rtlCol="0" anchor="ctr"/>
-            <a:lstStyle/>
-            <a:p>
-              <a:pPr algn="ctr"/>
-              <a:endParaRPr lang="ko-KR" altLang="en-US"/>
-            </a:p>
-          </p:txBody>
-        </p:sp>
-        <p:sp>
-          <p:nvSpPr>
-            <p:cNvPr id="11" name="타원 10"/>
-            <p:cNvSpPr/>
-            <p:nvPr/>
-          </p:nvSpPr>
-          <p:spPr>
-            <a:xfrm>
-              <a:off x="2469175" y="3379177"/>
-              <a:ext cx="492369" cy="448408"/>
-            </a:xfrm>
-            <a:prstGeom prst="ellipse">
-              <a:avLst/>
-            </a:prstGeom>
-          </p:spPr>
-          <p:style>
-            <a:lnRef idx="2">
-              <a:schemeClr val="accent1">
-                <a:shade val="50000"/>
-              </a:schemeClr>
-            </a:lnRef>
-            <a:fillRef idx="1">
-              <a:schemeClr val="accent1"/>
-            </a:fillRef>
-            <a:effectRef idx="0">
-              <a:schemeClr val="accent1"/>
-            </a:effectRef>
-            <a:fontRef idx="minor">
-              <a:schemeClr val="lt1"/>
-            </a:fontRef>
-          </p:style>
-          <p:txBody>
-            <a:bodyPr rtlCol="0" anchor="ctr"/>
-            <a:lstStyle/>
-            <a:p>
-              <a:pPr algn="ctr"/>
-              <a:endParaRPr lang="ko-KR" altLang="en-US"/>
-            </a:p>
-          </p:txBody>
-        </p:sp>
-        <p:sp>
-          <p:nvSpPr>
-            <p:cNvPr id="12" name="타원 11"/>
-            <p:cNvSpPr/>
-            <p:nvPr/>
-          </p:nvSpPr>
-          <p:spPr>
-            <a:xfrm>
-              <a:off x="3493479" y="3379177"/>
-              <a:ext cx="492369" cy="448408"/>
-            </a:xfrm>
-            <a:prstGeom prst="ellipse">
-              <a:avLst/>
-            </a:prstGeom>
-          </p:spPr>
-          <p:style>
-            <a:lnRef idx="2">
-              <a:schemeClr val="accent1">
-                <a:shade val="50000"/>
-              </a:schemeClr>
-            </a:lnRef>
-            <a:fillRef idx="1">
-              <a:schemeClr val="accent1"/>
-            </a:fillRef>
-            <a:effectRef idx="0">
-              <a:schemeClr val="accent1"/>
-            </a:effectRef>
-            <a:fontRef idx="minor">
-              <a:schemeClr val="lt1"/>
-            </a:fontRef>
-          </p:style>
-          <p:txBody>
-            <a:bodyPr rtlCol="0" anchor="ctr"/>
-            <a:lstStyle/>
-            <a:p>
-              <a:pPr algn="ctr"/>
-              <a:endParaRPr lang="ko-KR" altLang="en-US"/>
-            </a:p>
-          </p:txBody>
-        </p:sp>
-        <p:sp>
-          <p:nvSpPr>
-            <p:cNvPr id="13" name="타원 12"/>
-            <p:cNvSpPr/>
-            <p:nvPr/>
-          </p:nvSpPr>
-          <p:spPr>
-            <a:xfrm>
-              <a:off x="2485293" y="4533902"/>
-              <a:ext cx="492369" cy="448408"/>
-            </a:xfrm>
-            <a:prstGeom prst="ellipse">
-              <a:avLst/>
-            </a:prstGeom>
-          </p:spPr>
-          <p:style>
-            <a:lnRef idx="2">
-              <a:schemeClr val="accent1">
-                <a:shade val="50000"/>
-              </a:schemeClr>
-            </a:lnRef>
-            <a:fillRef idx="1">
-              <a:schemeClr val="accent1"/>
-            </a:fillRef>
-            <a:effectRef idx="0">
-              <a:schemeClr val="accent1"/>
-            </a:effectRef>
-            <a:fontRef idx="minor">
-              <a:schemeClr val="lt1"/>
-            </a:fontRef>
-          </p:style>
-          <p:txBody>
-            <a:bodyPr rtlCol="0" anchor="ctr"/>
-            <a:lstStyle/>
-            <a:p>
-              <a:pPr algn="ctr"/>
-              <a:endParaRPr lang="ko-KR" altLang="en-US"/>
-            </a:p>
-          </p:txBody>
-        </p:sp>
-        <p:sp>
-          <p:nvSpPr>
-            <p:cNvPr id="14" name="직사각형 13"/>
-            <p:cNvSpPr/>
-            <p:nvPr/>
-          </p:nvSpPr>
-          <p:spPr>
-            <a:xfrm>
-              <a:off x="3528648" y="1248507"/>
-              <a:ext cx="914400" cy="518747"/>
-            </a:xfrm>
-            <a:prstGeom prst="rect">
-              <a:avLst/>
-            </a:prstGeom>
-          </p:spPr>
-          <p:style>
-            <a:lnRef idx="2">
-              <a:schemeClr val="accent1">
-                <a:shade val="50000"/>
-              </a:schemeClr>
-            </a:lnRef>
-            <a:fillRef idx="1">
-              <a:schemeClr val="accent1"/>
-            </a:fillRef>
-            <a:effectRef idx="0">
-              <a:schemeClr val="accent1"/>
-            </a:effectRef>
-            <a:fontRef idx="minor">
-              <a:schemeClr val="lt1"/>
-            </a:fontRef>
-          </p:style>
-          <p:txBody>
-            <a:bodyPr rtlCol="0" anchor="ctr"/>
-            <a:lstStyle/>
-            <a:p>
-              <a:pPr algn="ctr"/>
-              <a:r>
-                <a:rPr lang="en-US" altLang="ko-KR" dirty="0" smtClean="0"/>
-                <a:t>b</a:t>
-              </a:r>
-              <a:endParaRPr lang="ko-KR" altLang="en-US" dirty="0"/>
-            </a:p>
-          </p:txBody>
-        </p:sp>
-        <p:sp>
-          <p:nvSpPr>
-            <p:cNvPr id="15" name="직사각형 14"/>
-            <p:cNvSpPr/>
-            <p:nvPr/>
-          </p:nvSpPr>
-          <p:spPr>
-            <a:xfrm>
-              <a:off x="5244612" y="2400298"/>
-              <a:ext cx="914400" cy="518747"/>
-            </a:xfrm>
-            <a:prstGeom prst="rect">
-              <a:avLst/>
-            </a:prstGeom>
-          </p:spPr>
-          <p:style>
-            <a:lnRef idx="2">
-              <a:schemeClr val="accent1">
-                <a:shade val="50000"/>
-              </a:schemeClr>
-            </a:lnRef>
-            <a:fillRef idx="1">
-              <a:schemeClr val="accent1"/>
-            </a:fillRef>
-            <a:effectRef idx="0">
-              <a:schemeClr val="accent1"/>
-            </a:effectRef>
-            <a:fontRef idx="minor">
-              <a:schemeClr val="lt1"/>
-            </a:fontRef>
-          </p:style>
-          <p:txBody>
-            <a:bodyPr rtlCol="0" anchor="ctr"/>
-            <a:lstStyle/>
-            <a:p>
-              <a:pPr algn="ctr"/>
-              <a:r>
-                <a:rPr lang="en-US" altLang="ko-KR" dirty="0" smtClean="0"/>
-                <a:t>b</a:t>
-              </a:r>
-              <a:endParaRPr lang="ko-KR" altLang="en-US" dirty="0"/>
-            </a:p>
-          </p:txBody>
-        </p:sp>
-        <p:sp>
-          <p:nvSpPr>
-            <p:cNvPr id="16" name="직사각형 15"/>
-            <p:cNvSpPr/>
-            <p:nvPr/>
-          </p:nvSpPr>
-          <p:spPr>
-            <a:xfrm>
-              <a:off x="4712677" y="3344007"/>
-              <a:ext cx="914400" cy="518747"/>
-            </a:xfrm>
-            <a:prstGeom prst="rect">
-              <a:avLst/>
-            </a:prstGeom>
-          </p:spPr>
-          <p:style>
-            <a:lnRef idx="2">
-              <a:schemeClr val="accent1">
-                <a:shade val="50000"/>
-              </a:schemeClr>
-            </a:lnRef>
-            <a:fillRef idx="1">
-              <a:schemeClr val="accent1"/>
-            </a:fillRef>
-            <a:effectRef idx="0">
-              <a:schemeClr val="accent1"/>
-            </a:effectRef>
-            <a:fontRef idx="minor">
-              <a:schemeClr val="lt1"/>
-            </a:fontRef>
-          </p:style>
-          <p:txBody>
-            <a:bodyPr rtlCol="0" anchor="ctr"/>
-            <a:lstStyle/>
-            <a:p>
-              <a:pPr algn="ctr"/>
-              <a:r>
-                <a:rPr lang="en-US" altLang="ko-KR" dirty="0" smtClean="0"/>
-                <a:t>b</a:t>
-              </a:r>
-              <a:endParaRPr lang="ko-KR" altLang="en-US" dirty="0"/>
-            </a:p>
-          </p:txBody>
-        </p:sp>
-        <p:sp>
-          <p:nvSpPr>
-            <p:cNvPr id="17" name="TextBox 16"/>
+            <p:cNvPr id="47" name="TextBox 46"/>
             <p:cNvSpPr txBox="1"/>
             <p:nvPr/>
           </p:nvSpPr>
           <p:spPr>
             <a:xfrm>
-              <a:off x="7069016" y="2435468"/>
-              <a:ext cx="4035464" cy="369332"/>
+              <a:off x="2732940" y="1754059"/>
+              <a:ext cx="542193" cy="461665"/>
             </a:xfrm>
             <a:prstGeom prst="rect">
               <a:avLst/>
@@ -3601,145 +6249,247 @@
             <a:noFill/>
           </p:spPr>
           <p:txBody>
-            <a:bodyPr wrap="none" rtlCol="0">
+            <a:bodyPr wrap="square" rtlCol="0">
               <a:spAutoFit/>
             </a:bodyPr>
             <a:lstStyle/>
             <a:p>
               <a:r>
-                <a:rPr lang="en-US" altLang="ko-KR" dirty="0" err="1" smtClean="0"/>
-                <a:t>param</a:t>
+                <a:rPr lang="en-US" altLang="ko-KR" sz="1200" dirty="0" smtClean="0"/>
+                <a:t>node</a:t>
               </a:r>
-              <a:r>
-                <a:rPr lang="en-US" altLang="ko-KR" dirty="0" smtClean="0"/>
-                <a:t> = (5(w)+1(b))*output(3</a:t>
-              </a:r>
-              <a:r>
-                <a:rPr lang="en-US" altLang="ko-KR" dirty="0" smtClean="0"/>
-                <a:t>) </a:t>
-              </a:r>
-              <a:r>
-                <a:rPr lang="en-US" altLang="ko-KR" dirty="0" smtClean="0">
-                  <a:sym typeface="Wingdings" panose="05000000000000000000" pitchFamily="2" charset="2"/>
-                </a:rPr>
-                <a:t> 18</a:t>
-              </a:r>
-              <a:endParaRPr lang="ko-KR" altLang="en-US" dirty="0"/>
+            </a:p>
+            <a:p>
+              <a:endParaRPr lang="ko-KR" altLang="en-US" sz="1200" dirty="0"/>
             </a:p>
           </p:txBody>
         </p:sp>
         <p:sp>
           <p:nvSpPr>
-            <p:cNvPr id="2" name="직사각형 1"/>
-            <p:cNvSpPr/>
+            <p:cNvPr id="48" name="TextBox 47"/>
+            <p:cNvSpPr txBox="1"/>
             <p:nvPr/>
           </p:nvSpPr>
           <p:spPr>
             <a:xfrm>
-              <a:off x="6546622" y="3418714"/>
-              <a:ext cx="3908827" cy="369332"/>
+              <a:off x="1115889" y="2901519"/>
+              <a:ext cx="542193" cy="461665"/>
             </a:xfrm>
             <a:prstGeom prst="rect">
               <a:avLst/>
             </a:prstGeom>
+            <a:noFill/>
           </p:spPr>
           <p:txBody>
-            <a:bodyPr wrap="none">
+            <a:bodyPr wrap="square" rtlCol="0">
               <a:spAutoFit/>
             </a:bodyPr>
             <a:lstStyle/>
             <a:p>
               <a:r>
-                <a:rPr lang="en-US" altLang="ko-KR" dirty="0" err="1"/>
-                <a:t>param</a:t>
+                <a:rPr lang="en-US" altLang="ko-KR" sz="1200" dirty="0" smtClean="0"/>
+                <a:t>node</a:t>
               </a:r>
-              <a:r>
-                <a:rPr lang="en-US" altLang="ko-KR" dirty="0"/>
-                <a:t> = </a:t>
-              </a:r>
-              <a:r>
-                <a:rPr lang="en-US" altLang="ko-KR" dirty="0" smtClean="0"/>
-                <a:t>(3(w</a:t>
-              </a:r>
-              <a:r>
-                <a:rPr lang="en-US" altLang="ko-KR" dirty="0"/>
-                <a:t>)+1(b))*</a:t>
-              </a:r>
-              <a:r>
-                <a:rPr lang="en-US" altLang="ko-KR" dirty="0" smtClean="0"/>
-                <a:t>output(1) </a:t>
-              </a:r>
-              <a:r>
-                <a:rPr lang="en-US" altLang="ko-KR" dirty="0" smtClean="0">
-                  <a:sym typeface="Wingdings" panose="05000000000000000000" pitchFamily="2" charset="2"/>
-                </a:rPr>
-                <a:t> 4</a:t>
-              </a:r>
-              <a:endParaRPr lang="ko-KR" altLang="en-US" dirty="0"/>
+            </a:p>
+            <a:p>
+              <a:endParaRPr lang="ko-KR" altLang="en-US" sz="1200" dirty="0"/>
             </a:p>
           </p:txBody>
         </p:sp>
         <p:sp>
           <p:nvSpPr>
-            <p:cNvPr id="3" name="직사각형 2"/>
-            <p:cNvSpPr/>
+            <p:cNvPr id="50" name="TextBox 49"/>
+            <p:cNvSpPr txBox="1"/>
             <p:nvPr/>
           </p:nvSpPr>
           <p:spPr>
             <a:xfrm>
-              <a:off x="5383106" y="1324655"/>
-              <a:ext cx="4035464" cy="369332"/>
+              <a:off x="1751865" y="4188125"/>
+              <a:ext cx="542193" cy="461665"/>
             </a:xfrm>
             <a:prstGeom prst="rect">
               <a:avLst/>
             </a:prstGeom>
+            <a:noFill/>
           </p:spPr>
           <p:txBody>
-            <a:bodyPr wrap="none">
+            <a:bodyPr wrap="square" rtlCol="0">
               <a:spAutoFit/>
             </a:bodyPr>
             <a:lstStyle/>
             <a:p>
               <a:r>
-                <a:rPr lang="en-US" altLang="ko-KR" dirty="0" err="1"/>
-                <a:t>param</a:t>
+                <a:rPr lang="en-US" altLang="ko-KR" sz="1200" dirty="0" smtClean="0"/>
+                <a:t>node</a:t>
               </a:r>
+            </a:p>
+            <a:p>
+              <a:endParaRPr lang="ko-KR" altLang="en-US" sz="1200" dirty="0"/>
+            </a:p>
+          </p:txBody>
+        </p:sp>
+        <p:sp>
+          <p:nvSpPr>
+            <p:cNvPr id="51" name="TextBox 50"/>
+            <p:cNvSpPr txBox="1"/>
+            <p:nvPr/>
+          </p:nvSpPr>
+          <p:spPr>
+            <a:xfrm>
+              <a:off x="2806944" y="5348711"/>
+              <a:ext cx="542193" cy="461665"/>
+            </a:xfrm>
+            <a:prstGeom prst="rect">
+              <a:avLst/>
+            </a:prstGeom>
+            <a:noFill/>
+          </p:spPr>
+          <p:txBody>
+            <a:bodyPr wrap="square" rtlCol="0">
+              <a:spAutoFit/>
+            </a:bodyPr>
+            <a:lstStyle/>
+            <a:p>
               <a:r>
-                <a:rPr lang="en-US" altLang="ko-KR" dirty="0"/>
-                <a:t> = </a:t>
+                <a:rPr lang="en-US" altLang="ko-KR" sz="1200" dirty="0" smtClean="0"/>
+                <a:t>node</a:t>
               </a:r>
-              <a:r>
-                <a:rPr lang="en-US" altLang="ko-KR" dirty="0" smtClean="0"/>
-                <a:t>(1(w</a:t>
-              </a:r>
-              <a:r>
-                <a:rPr lang="en-US" altLang="ko-KR" dirty="0"/>
-                <a:t>)+1(b))*</a:t>
-              </a:r>
-              <a:r>
-                <a:rPr lang="en-US" altLang="ko-KR" dirty="0" smtClean="0"/>
-                <a:t>output(5) </a:t>
-              </a:r>
-              <a:r>
-                <a:rPr lang="en-US" altLang="ko-KR" dirty="0" smtClean="0">
-                  <a:sym typeface="Wingdings" panose="05000000000000000000" pitchFamily="2" charset="2"/>
-                </a:rPr>
-                <a:t> 10</a:t>
-              </a:r>
-              <a:endParaRPr lang="ko-KR" altLang="en-US" dirty="0"/>
+            </a:p>
+            <a:p>
+              <a:endParaRPr lang="ko-KR" altLang="en-US" sz="1200" dirty="0"/>
             </a:p>
           </p:txBody>
         </p:sp>
       </p:grpSp>
       <p:sp>
         <p:nvSpPr>
-          <p:cNvPr id="21" name="TextBox 20"/>
+          <p:cNvPr id="18" name="TextBox 17"/>
           <p:cNvSpPr txBox="1"/>
           <p:nvPr/>
         </p:nvSpPr>
         <p:spPr>
           <a:xfrm>
-            <a:off x="317989" y="290147"/>
+            <a:off x="3396467" y="1531271"/>
+            <a:ext cx="45719" cy="369332"/>
+          </a:xfrm>
+          <a:prstGeom prst="rect">
+            <a:avLst/>
+          </a:prstGeom>
+          <a:noFill/>
+        </p:spPr>
+        <p:txBody>
+          <a:bodyPr wrap="square" rtlCol="0">
+            <a:spAutoFit/>
+          </a:bodyPr>
+          <a:lstStyle/>
+          <a:p>
+            <a:r>
+              <a:rPr lang="en-US" altLang="ko-KR" dirty="0" smtClean="0"/>
+              <a:t>+</a:t>
+            </a:r>
+            <a:endParaRPr lang="ko-KR" altLang="en-US" dirty="0"/>
+          </a:p>
+        </p:txBody>
+      </p:sp>
+      <p:sp>
+        <p:nvSpPr>
+          <p:cNvPr id="99" name="TextBox 98"/>
+          <p:cNvSpPr txBox="1"/>
+          <p:nvPr/>
+        </p:nvSpPr>
+        <p:spPr>
+          <a:xfrm>
+            <a:off x="5009859" y="2650846"/>
+            <a:ext cx="45719" cy="369332"/>
+          </a:xfrm>
+          <a:prstGeom prst="rect">
+            <a:avLst/>
+          </a:prstGeom>
+          <a:noFill/>
+        </p:spPr>
+        <p:txBody>
+          <a:bodyPr wrap="square" rtlCol="0">
+            <a:spAutoFit/>
+          </a:bodyPr>
+          <a:lstStyle/>
+          <a:p>
+            <a:r>
+              <a:rPr lang="en-US" altLang="ko-KR" dirty="0" smtClean="0"/>
+              <a:t>+</a:t>
+            </a:r>
+            <a:endParaRPr lang="ko-KR" altLang="en-US" dirty="0"/>
+          </a:p>
+        </p:txBody>
+      </p:sp>
+      <p:sp>
+        <p:nvSpPr>
+          <p:cNvPr id="100" name="TextBox 99"/>
+          <p:cNvSpPr txBox="1"/>
+          <p:nvPr/>
+        </p:nvSpPr>
+        <p:spPr>
+          <a:xfrm>
+            <a:off x="4428099" y="3893492"/>
+            <a:ext cx="45719" cy="369332"/>
+          </a:xfrm>
+          <a:prstGeom prst="rect">
+            <a:avLst/>
+          </a:prstGeom>
+          <a:noFill/>
+        </p:spPr>
+        <p:txBody>
+          <a:bodyPr wrap="square" rtlCol="0">
+            <a:spAutoFit/>
+          </a:bodyPr>
+          <a:lstStyle/>
+          <a:p>
+            <a:r>
+              <a:rPr lang="en-US" altLang="ko-KR" dirty="0" smtClean="0"/>
+              <a:t>+</a:t>
+            </a:r>
+            <a:endParaRPr lang="ko-KR" altLang="en-US" dirty="0"/>
+          </a:p>
+        </p:txBody>
+      </p:sp>
+    </p:spTree>
+    <p:extLst>
+      <p:ext uri="{BB962C8B-B14F-4D97-AF65-F5344CB8AC3E}">
+        <p14:creationId xmlns:p14="http://schemas.microsoft.com/office/powerpoint/2010/main" val="713712219"/>
+      </p:ext>
+    </p:extLst>
+  </p:cSld>
+  <p:clrMapOvr>
+    <a:masterClrMapping/>
+  </p:clrMapOvr>
+</p:sld>
+</file>
+
+<file path=ppt/slides/slide3.xml><?xml version="1.0" encoding="utf-8"?>
+<p:sld xmlns:a="http://schemas.openxmlformats.org/drawingml/2006/main" xmlns:r="http://schemas.openxmlformats.org/officeDocument/2006/relationships" xmlns:p="http://schemas.openxmlformats.org/presentationml/2006/main">
+  <p:cSld>
+    <p:spTree>
+      <p:nvGrpSpPr>
+        <p:cNvPr id="1" name=""/>
+        <p:cNvGrpSpPr/>
+        <p:nvPr/>
+      </p:nvGrpSpPr>
+      <p:grpSpPr>
+        <a:xfrm>
+          <a:off x="0" y="0"/>
+          <a:ext cx="0" cy="0"/>
+          <a:chOff x="0" y="0"/>
+          <a:chExt cx="0" cy="0"/>
+        </a:xfrm>
+      </p:grpSpPr>
+      <p:sp>
+        <p:nvSpPr>
+          <p:cNvPr id="4" name="TextBox 3"/>
+          <p:cNvSpPr txBox="1"/>
+          <p:nvPr/>
+        </p:nvSpPr>
+        <p:spPr>
+          <a:xfrm>
+            <a:off x="317989" y="298939"/>
             <a:ext cx="1856641" cy="523220"/>
           </a:xfrm>
           <a:prstGeom prst="rect">
@@ -3754,21 +6504,492 @@
           <a:lstStyle/>
           <a:p>
             <a:r>
+              <a:rPr lang="en-US" altLang="ko-KR" sz="2800" dirty="0"/>
+              <a:t>5</a:t>
+            </a:r>
+            <a:r>
               <a:rPr lang="en-US" altLang="ko-KR" sz="2800" dirty="0" smtClean="0"/>
-              <a:t>2 </a:t>
+              <a:t> </a:t>
             </a:r>
             <a:r>
               <a:rPr lang="ko-KR" altLang="en-US" sz="2800" dirty="0" smtClean="0"/>
               <a:t>일차</a:t>
             </a:r>
             <a:endParaRPr lang="ko-KR" altLang="en-US" sz="2800" dirty="0"/>
+          </a:p>
+        </p:txBody>
+      </p:sp>
+      <p:sp>
+        <p:nvSpPr>
+          <p:cNvPr id="5" name="직사각형 4"/>
+          <p:cNvSpPr/>
+          <p:nvPr/>
+        </p:nvSpPr>
+        <p:spPr>
+          <a:xfrm>
+            <a:off x="4394687" y="1283677"/>
+            <a:ext cx="1702778" cy="1011115"/>
+          </a:xfrm>
+          <a:prstGeom prst="rect">
+            <a:avLst/>
+          </a:prstGeom>
+        </p:spPr>
+        <p:style>
+          <a:lnRef idx="2">
+            <a:schemeClr val="accent1">
+              <a:shade val="50000"/>
+            </a:schemeClr>
+          </a:lnRef>
+          <a:fillRef idx="1">
+            <a:schemeClr val="accent1"/>
+          </a:fillRef>
+          <a:effectRef idx="0">
+            <a:schemeClr val="accent1"/>
+          </a:effectRef>
+          <a:fontRef idx="minor">
+            <a:schemeClr val="lt1"/>
+          </a:fontRef>
+        </p:style>
+        <p:txBody>
+          <a:bodyPr rtlCol="0" anchor="ctr"/>
+          <a:lstStyle/>
+          <a:p>
+            <a:pPr algn="ctr"/>
+            <a:r>
+              <a:rPr lang="en-US" altLang="ko-KR" dirty="0" smtClean="0"/>
+              <a:t>model1</a:t>
+            </a:r>
+            <a:endParaRPr lang="ko-KR" altLang="en-US" dirty="0"/>
+          </a:p>
+        </p:txBody>
+      </p:sp>
+      <p:sp>
+        <p:nvSpPr>
+          <p:cNvPr id="6" name="직사각형 5"/>
+          <p:cNvSpPr/>
+          <p:nvPr/>
+        </p:nvSpPr>
+        <p:spPr>
+          <a:xfrm>
+            <a:off x="7074878" y="1283677"/>
+            <a:ext cx="1702778" cy="1011115"/>
+          </a:xfrm>
+          <a:prstGeom prst="rect">
+            <a:avLst/>
+          </a:prstGeom>
+        </p:spPr>
+        <p:style>
+          <a:lnRef idx="2">
+            <a:schemeClr val="accent1">
+              <a:shade val="50000"/>
+            </a:schemeClr>
+          </a:lnRef>
+          <a:fillRef idx="1">
+            <a:schemeClr val="accent1"/>
+          </a:fillRef>
+          <a:effectRef idx="0">
+            <a:schemeClr val="accent1"/>
+          </a:effectRef>
+          <a:fontRef idx="minor">
+            <a:schemeClr val="lt1"/>
+          </a:fontRef>
+        </p:style>
+        <p:txBody>
+          <a:bodyPr rtlCol="0" anchor="ctr"/>
+          <a:lstStyle/>
+          <a:p>
+            <a:pPr algn="ctr"/>
+            <a:r>
+              <a:rPr lang="en-US" altLang="ko-KR" dirty="0" smtClean="0"/>
+              <a:t>model2</a:t>
+            </a:r>
+            <a:endParaRPr lang="ko-KR" altLang="en-US" dirty="0"/>
+          </a:p>
+        </p:txBody>
+      </p:sp>
+      <p:sp>
+        <p:nvSpPr>
+          <p:cNvPr id="7" name="직사각형 6"/>
+          <p:cNvSpPr/>
+          <p:nvPr/>
+        </p:nvSpPr>
+        <p:spPr>
+          <a:xfrm>
+            <a:off x="5715000" y="2974730"/>
+            <a:ext cx="1702778" cy="1011115"/>
+          </a:xfrm>
+          <a:prstGeom prst="rect">
+            <a:avLst/>
+          </a:prstGeom>
+        </p:spPr>
+        <p:style>
+          <a:lnRef idx="2">
+            <a:schemeClr val="accent1">
+              <a:shade val="50000"/>
+            </a:schemeClr>
+          </a:lnRef>
+          <a:fillRef idx="1">
+            <a:schemeClr val="accent1"/>
+          </a:fillRef>
+          <a:effectRef idx="0">
+            <a:schemeClr val="accent1"/>
+          </a:effectRef>
+          <a:fontRef idx="minor">
+            <a:schemeClr val="lt1"/>
+          </a:fontRef>
+        </p:style>
+        <p:txBody>
+          <a:bodyPr rtlCol="0" anchor="ctr"/>
+          <a:lstStyle/>
+          <a:p>
+            <a:pPr algn="ctr"/>
+            <a:r>
+              <a:rPr lang="en-US" altLang="ko-KR" dirty="0" smtClean="0"/>
+              <a:t>concatenate</a:t>
+            </a:r>
+            <a:endParaRPr lang="ko-KR" altLang="en-US" dirty="0"/>
+          </a:p>
+        </p:txBody>
+      </p:sp>
+      <p:sp>
+        <p:nvSpPr>
+          <p:cNvPr id="8" name="직사각형 7"/>
+          <p:cNvSpPr/>
+          <p:nvPr/>
+        </p:nvSpPr>
+        <p:spPr>
+          <a:xfrm>
+            <a:off x="4394687" y="4595446"/>
+            <a:ext cx="1702778" cy="1011115"/>
+          </a:xfrm>
+          <a:prstGeom prst="rect">
+            <a:avLst/>
+          </a:prstGeom>
+        </p:spPr>
+        <p:style>
+          <a:lnRef idx="2">
+            <a:schemeClr val="accent1">
+              <a:shade val="50000"/>
+            </a:schemeClr>
+          </a:lnRef>
+          <a:fillRef idx="1">
+            <a:schemeClr val="accent1"/>
+          </a:fillRef>
+          <a:effectRef idx="0">
+            <a:schemeClr val="accent1"/>
+          </a:effectRef>
+          <a:fontRef idx="minor">
+            <a:schemeClr val="lt1"/>
+          </a:fontRef>
+        </p:style>
+        <p:txBody>
+          <a:bodyPr rtlCol="0" anchor="ctr"/>
+          <a:lstStyle/>
+          <a:p>
+            <a:pPr algn="ctr"/>
+            <a:r>
+              <a:rPr lang="en-US" altLang="ko-KR" dirty="0" smtClean="0"/>
+              <a:t>output1</a:t>
+            </a:r>
+            <a:endParaRPr lang="ko-KR" altLang="en-US" dirty="0"/>
+          </a:p>
+        </p:txBody>
+      </p:sp>
+      <p:sp>
+        <p:nvSpPr>
+          <p:cNvPr id="9" name="직사각형 8"/>
+          <p:cNvSpPr/>
+          <p:nvPr/>
+        </p:nvSpPr>
+        <p:spPr>
+          <a:xfrm>
+            <a:off x="7074878" y="4595446"/>
+            <a:ext cx="1702778" cy="1011115"/>
+          </a:xfrm>
+          <a:prstGeom prst="rect">
+            <a:avLst/>
+          </a:prstGeom>
+        </p:spPr>
+        <p:style>
+          <a:lnRef idx="2">
+            <a:schemeClr val="accent1">
+              <a:shade val="50000"/>
+            </a:schemeClr>
+          </a:lnRef>
+          <a:fillRef idx="1">
+            <a:schemeClr val="accent1"/>
+          </a:fillRef>
+          <a:effectRef idx="0">
+            <a:schemeClr val="accent1"/>
+          </a:effectRef>
+          <a:fontRef idx="minor">
+            <a:schemeClr val="lt1"/>
+          </a:fontRef>
+        </p:style>
+        <p:txBody>
+          <a:bodyPr rtlCol="0" anchor="ctr"/>
+          <a:lstStyle/>
+          <a:p>
+            <a:pPr algn="ctr"/>
+            <a:r>
+              <a:rPr lang="en-US" altLang="ko-KR" dirty="0" smtClean="0"/>
+              <a:t>output2</a:t>
+            </a:r>
+            <a:endParaRPr lang="ko-KR" altLang="en-US" dirty="0"/>
+          </a:p>
+        </p:txBody>
+      </p:sp>
+      <p:cxnSp>
+        <p:nvCxnSpPr>
+          <p:cNvPr id="11" name="직선 화살표 연결선 10"/>
+          <p:cNvCxnSpPr>
+            <a:stCxn id="5" idx="2"/>
+            <a:endCxn id="7" idx="0"/>
+          </p:cNvCxnSpPr>
+          <p:nvPr/>
+        </p:nvCxnSpPr>
+        <p:spPr>
+          <a:xfrm>
+            <a:off x="5246076" y="2294792"/>
+            <a:ext cx="1320313" cy="679938"/>
+          </a:xfrm>
+          <a:prstGeom prst="straightConnector1">
+            <a:avLst/>
+          </a:prstGeom>
+          <a:ln w="38100">
+            <a:tailEnd type="triangle"/>
+          </a:ln>
+        </p:spPr>
+        <p:style>
+          <a:lnRef idx="1">
+            <a:schemeClr val="accent1"/>
+          </a:lnRef>
+          <a:fillRef idx="0">
+            <a:schemeClr val="accent1"/>
+          </a:fillRef>
+          <a:effectRef idx="0">
+            <a:schemeClr val="accent1"/>
+          </a:effectRef>
+          <a:fontRef idx="minor">
+            <a:schemeClr val="tx1"/>
+          </a:fontRef>
+        </p:style>
+      </p:cxnSp>
+      <p:cxnSp>
+        <p:nvCxnSpPr>
+          <p:cNvPr id="13" name="직선 화살표 연결선 12"/>
+          <p:cNvCxnSpPr>
+            <a:stCxn id="6" idx="2"/>
+            <a:endCxn id="7" idx="0"/>
+          </p:cNvCxnSpPr>
+          <p:nvPr/>
+        </p:nvCxnSpPr>
+        <p:spPr>
+          <a:xfrm flipH="1">
+            <a:off x="6566389" y="2294792"/>
+            <a:ext cx="1359878" cy="679938"/>
+          </a:xfrm>
+          <a:prstGeom prst="straightConnector1">
+            <a:avLst/>
+          </a:prstGeom>
+          <a:ln w="38100">
+            <a:tailEnd type="triangle"/>
+          </a:ln>
+        </p:spPr>
+        <p:style>
+          <a:lnRef idx="1">
+            <a:schemeClr val="accent1"/>
+          </a:lnRef>
+          <a:fillRef idx="0">
+            <a:schemeClr val="accent1"/>
+          </a:fillRef>
+          <a:effectRef idx="0">
+            <a:schemeClr val="accent1"/>
+          </a:effectRef>
+          <a:fontRef idx="minor">
+            <a:schemeClr val="tx1"/>
+          </a:fontRef>
+        </p:style>
+      </p:cxnSp>
+      <p:cxnSp>
+        <p:nvCxnSpPr>
+          <p:cNvPr id="15" name="직선 화살표 연결선 14"/>
+          <p:cNvCxnSpPr>
+            <a:stCxn id="7" idx="2"/>
+            <a:endCxn id="8" idx="0"/>
+          </p:cNvCxnSpPr>
+          <p:nvPr/>
+        </p:nvCxnSpPr>
+        <p:spPr>
+          <a:xfrm flipH="1">
+            <a:off x="5246076" y="3985845"/>
+            <a:ext cx="1320313" cy="609601"/>
+          </a:xfrm>
+          <a:prstGeom prst="straightConnector1">
+            <a:avLst/>
+          </a:prstGeom>
+          <a:ln w="38100">
+            <a:tailEnd type="triangle"/>
+          </a:ln>
+        </p:spPr>
+        <p:style>
+          <a:lnRef idx="1">
+            <a:schemeClr val="accent1"/>
+          </a:lnRef>
+          <a:fillRef idx="0">
+            <a:schemeClr val="accent1"/>
+          </a:fillRef>
+          <a:effectRef idx="0">
+            <a:schemeClr val="accent1"/>
+          </a:effectRef>
+          <a:fontRef idx="minor">
+            <a:schemeClr val="tx1"/>
+          </a:fontRef>
+        </p:style>
+      </p:cxnSp>
+      <p:cxnSp>
+        <p:nvCxnSpPr>
+          <p:cNvPr id="17" name="직선 화살표 연결선 16"/>
+          <p:cNvCxnSpPr>
+            <a:stCxn id="7" idx="2"/>
+            <a:endCxn id="9" idx="0"/>
+          </p:cNvCxnSpPr>
+          <p:nvPr/>
+        </p:nvCxnSpPr>
+        <p:spPr>
+          <a:xfrm>
+            <a:off x="6566389" y="3985845"/>
+            <a:ext cx="1359878" cy="609601"/>
+          </a:xfrm>
+          <a:prstGeom prst="straightConnector1">
+            <a:avLst/>
+          </a:prstGeom>
+          <a:ln w="38100">
+            <a:tailEnd type="triangle"/>
+          </a:ln>
+        </p:spPr>
+        <p:style>
+          <a:lnRef idx="1">
+            <a:schemeClr val="accent1"/>
+          </a:lnRef>
+          <a:fillRef idx="0">
+            <a:schemeClr val="accent1"/>
+          </a:fillRef>
+          <a:effectRef idx="0">
+            <a:schemeClr val="accent1"/>
+          </a:effectRef>
+          <a:fontRef idx="minor">
+            <a:schemeClr val="tx1"/>
+          </a:fontRef>
+        </p:style>
+      </p:cxnSp>
+      <p:sp>
+        <p:nvSpPr>
+          <p:cNvPr id="18" name="TextBox 17"/>
+          <p:cNvSpPr txBox="1"/>
+          <p:nvPr/>
+        </p:nvSpPr>
+        <p:spPr>
+          <a:xfrm>
+            <a:off x="701186" y="1604568"/>
+            <a:ext cx="2490422" cy="2862322"/>
+          </a:xfrm>
+          <a:prstGeom prst="rect">
+            <a:avLst/>
+          </a:prstGeom>
+          <a:noFill/>
+        </p:spPr>
+        <p:txBody>
+          <a:bodyPr wrap="square" rtlCol="0">
+            <a:spAutoFit/>
+          </a:bodyPr>
+          <a:lstStyle/>
+          <a:p>
+            <a:r>
+              <a:rPr lang="ko-KR" altLang="en-US" dirty="0" smtClean="0"/>
+              <a:t>앙상블</a:t>
+            </a:r>
+            <a:r>
+              <a:rPr lang="en-US" altLang="ko-KR" dirty="0" smtClean="0"/>
+              <a:t>(</a:t>
+            </a:r>
+            <a:r>
+              <a:rPr lang="en-US" altLang="ko-KR" dirty="0" err="1" smtClean="0"/>
+              <a:t>emsemble</a:t>
+            </a:r>
+            <a:r>
+              <a:rPr lang="en-US" altLang="ko-KR" dirty="0" smtClean="0"/>
+              <a:t>)</a:t>
+            </a:r>
+          </a:p>
+          <a:p>
+            <a:r>
+              <a:rPr lang="en-US" altLang="ko-KR" dirty="0"/>
+              <a:t>#</a:t>
+            </a:r>
+            <a:r>
+              <a:rPr lang="ko-KR" altLang="en-US" dirty="0"/>
+              <a:t>병합시킬 레이어들의 마지막 </a:t>
+            </a:r>
+            <a:r>
+              <a:rPr lang="en-US" altLang="ko-KR" dirty="0"/>
+              <a:t>output</a:t>
+            </a:r>
+            <a:r>
+              <a:rPr lang="ko-KR" altLang="en-US" dirty="0"/>
+              <a:t>부분을 </a:t>
+            </a:r>
+            <a:r>
+              <a:rPr lang="en-US" altLang="ko-KR" dirty="0" err="1"/>
+              <a:t>concatenante</a:t>
+            </a:r>
+            <a:r>
+              <a:rPr lang="en-US" altLang="ko-KR" dirty="0"/>
+              <a:t>()</a:t>
+            </a:r>
+            <a:r>
+              <a:rPr lang="ko-KR" altLang="en-US" dirty="0"/>
+              <a:t>함수 안에 명시</a:t>
+            </a:r>
+          </a:p>
+          <a:p>
+            <a:r>
+              <a:rPr lang="en-US" altLang="ko-KR" dirty="0"/>
+              <a:t>#2</a:t>
+            </a:r>
+            <a:r>
+              <a:rPr lang="ko-KR" altLang="en-US" dirty="0"/>
+              <a:t>개 이상의 </a:t>
+            </a:r>
+            <a:r>
+              <a:rPr lang="en-US" altLang="ko-KR" dirty="0"/>
+              <a:t>input, output</a:t>
+            </a:r>
+            <a:r>
+              <a:rPr lang="ko-KR" altLang="en-US" dirty="0"/>
+              <a:t>일 때 항상 </a:t>
+            </a:r>
+            <a:r>
+              <a:rPr lang="en-US" altLang="ko-KR" dirty="0"/>
+              <a:t>list</a:t>
+            </a:r>
+            <a:r>
+              <a:rPr lang="ko-KR" altLang="en-US" dirty="0"/>
+              <a:t>사용</a:t>
+            </a:r>
+          </a:p>
+          <a:p>
+            <a:endParaRPr lang="en-US" altLang="ko-KR" smtClean="0"/>
+          </a:p>
+          <a:p>
+            <a:endParaRPr lang="ko-KR" altLang="en-US" dirty="0"/>
           </a:p>
         </p:txBody>
       </p:sp>
     </p:spTree>
     <p:extLst>
       <p:ext uri="{BB962C8B-B14F-4D97-AF65-F5344CB8AC3E}">
-        <p14:creationId xmlns:p14="http://schemas.microsoft.com/office/powerpoint/2010/main" val="713712219"/>
+        <p14:creationId xmlns:p14="http://schemas.microsoft.com/office/powerpoint/2010/main" val="3626567037"/>
       </p:ext>
     </p:extLst>
   </p:cSld>

--- a/keras_study.pptx
+++ b/keras_study.pptx
@@ -8,6 +8,13 @@
     <p:sldId id="257" r:id="rId2"/>
     <p:sldId id="256" r:id="rId3"/>
     <p:sldId id="258" r:id="rId4"/>
+    <p:sldId id="261" r:id="rId5"/>
+    <p:sldId id="259" r:id="rId6"/>
+    <p:sldId id="260" r:id="rId7"/>
+    <p:sldId id="262" r:id="rId8"/>
+    <p:sldId id="266" r:id="rId9"/>
+    <p:sldId id="264" r:id="rId10"/>
+    <p:sldId id="265" r:id="rId11"/>
   </p:sldIdLst>
   <p:sldSz cx="12192000" cy="6858000"/>
   <p:notesSz cx="6858000" cy="9144000"/>
@@ -245,7 +252,7 @@
           <a:p>
             <a:fld id="{00705162-2DCD-4805-8293-F7E7298B4880}" type="datetimeFigureOut">
               <a:rPr lang="ko-KR" altLang="en-US" smtClean="0"/>
-              <a:t>2019-12-05</a:t>
+              <a:t>2019-12-17</a:t>
             </a:fld>
             <a:endParaRPr lang="ko-KR" altLang="en-US"/>
           </a:p>
@@ -415,7 +422,7 @@
           <a:p>
             <a:fld id="{00705162-2DCD-4805-8293-F7E7298B4880}" type="datetimeFigureOut">
               <a:rPr lang="ko-KR" altLang="en-US" smtClean="0"/>
-              <a:t>2019-12-05</a:t>
+              <a:t>2019-12-17</a:t>
             </a:fld>
             <a:endParaRPr lang="ko-KR" altLang="en-US"/>
           </a:p>
@@ -595,7 +602,7 @@
           <a:p>
             <a:fld id="{00705162-2DCD-4805-8293-F7E7298B4880}" type="datetimeFigureOut">
               <a:rPr lang="ko-KR" altLang="en-US" smtClean="0"/>
-              <a:t>2019-12-05</a:t>
+              <a:t>2019-12-17</a:t>
             </a:fld>
             <a:endParaRPr lang="ko-KR" altLang="en-US"/>
           </a:p>
@@ -765,7 +772,7 @@
           <a:p>
             <a:fld id="{00705162-2DCD-4805-8293-F7E7298B4880}" type="datetimeFigureOut">
               <a:rPr lang="ko-KR" altLang="en-US" smtClean="0"/>
-              <a:t>2019-12-05</a:t>
+              <a:t>2019-12-17</a:t>
             </a:fld>
             <a:endParaRPr lang="ko-KR" altLang="en-US"/>
           </a:p>
@@ -1011,7 +1018,7 @@
           <a:p>
             <a:fld id="{00705162-2DCD-4805-8293-F7E7298B4880}" type="datetimeFigureOut">
               <a:rPr lang="ko-KR" altLang="en-US" smtClean="0"/>
-              <a:t>2019-12-05</a:t>
+              <a:t>2019-12-17</a:t>
             </a:fld>
             <a:endParaRPr lang="ko-KR" altLang="en-US"/>
           </a:p>
@@ -1243,7 +1250,7 @@
           <a:p>
             <a:fld id="{00705162-2DCD-4805-8293-F7E7298B4880}" type="datetimeFigureOut">
               <a:rPr lang="ko-KR" altLang="en-US" smtClean="0"/>
-              <a:t>2019-12-05</a:t>
+              <a:t>2019-12-17</a:t>
             </a:fld>
             <a:endParaRPr lang="ko-KR" altLang="en-US"/>
           </a:p>
@@ -1610,7 +1617,7 @@
           <a:p>
             <a:fld id="{00705162-2DCD-4805-8293-F7E7298B4880}" type="datetimeFigureOut">
               <a:rPr lang="ko-KR" altLang="en-US" smtClean="0"/>
-              <a:t>2019-12-05</a:t>
+              <a:t>2019-12-17</a:t>
             </a:fld>
             <a:endParaRPr lang="ko-KR" altLang="en-US"/>
           </a:p>
@@ -1728,7 +1735,7 @@
           <a:p>
             <a:fld id="{00705162-2DCD-4805-8293-F7E7298B4880}" type="datetimeFigureOut">
               <a:rPr lang="ko-KR" altLang="en-US" smtClean="0"/>
-              <a:t>2019-12-05</a:t>
+              <a:t>2019-12-17</a:t>
             </a:fld>
             <a:endParaRPr lang="ko-KR" altLang="en-US"/>
           </a:p>
@@ -1823,7 +1830,7 @@
           <a:p>
             <a:fld id="{00705162-2DCD-4805-8293-F7E7298B4880}" type="datetimeFigureOut">
               <a:rPr lang="ko-KR" altLang="en-US" smtClean="0"/>
-              <a:t>2019-12-05</a:t>
+              <a:t>2019-12-17</a:t>
             </a:fld>
             <a:endParaRPr lang="ko-KR" altLang="en-US"/>
           </a:p>
@@ -2100,7 +2107,7 @@
           <a:p>
             <a:fld id="{00705162-2DCD-4805-8293-F7E7298B4880}" type="datetimeFigureOut">
               <a:rPr lang="ko-KR" altLang="en-US" smtClean="0"/>
-              <a:t>2019-12-05</a:t>
+              <a:t>2019-12-17</a:t>
             </a:fld>
             <a:endParaRPr lang="ko-KR" altLang="en-US"/>
           </a:p>
@@ -2353,7 +2360,7 @@
           <a:p>
             <a:fld id="{00705162-2DCD-4805-8293-F7E7298B4880}" type="datetimeFigureOut">
               <a:rPr lang="ko-KR" altLang="en-US" smtClean="0"/>
-              <a:t>2019-12-05</a:t>
+              <a:t>2019-12-17</a:t>
             </a:fld>
             <a:endParaRPr lang="ko-KR" altLang="en-US"/>
           </a:p>
@@ -2566,7 +2573,7 @@
           <a:p>
             <a:fld id="{00705162-2DCD-4805-8293-F7E7298B4880}" type="datetimeFigureOut">
               <a:rPr lang="ko-KR" altLang="en-US" smtClean="0"/>
-              <a:t>2019-12-05</a:t>
+              <a:t>2019-12-17</a:t>
             </a:fld>
             <a:endParaRPr lang="ko-KR" altLang="en-US"/>
           </a:p>
@@ -4696,6 +4703,73 @@
 </p:sld>
 </file>
 
+<file path=ppt/slides/slide10.xml><?xml version="1.0" encoding="utf-8"?>
+<p:sld xmlns:a="http://schemas.openxmlformats.org/drawingml/2006/main" xmlns:r="http://schemas.openxmlformats.org/officeDocument/2006/relationships" xmlns:p="http://schemas.openxmlformats.org/presentationml/2006/main">
+  <p:cSld>
+    <p:spTree>
+      <p:nvGrpSpPr>
+        <p:cNvPr id="1" name=""/>
+        <p:cNvGrpSpPr/>
+        <p:nvPr/>
+      </p:nvGrpSpPr>
+      <p:grpSpPr>
+        <a:xfrm>
+          <a:off x="0" y="0"/>
+          <a:ext cx="0" cy="0"/>
+          <a:chOff x="0" y="0"/>
+          <a:chExt cx="0" cy="0"/>
+        </a:xfrm>
+      </p:grpSpPr>
+      <p:sp>
+        <p:nvSpPr>
+          <p:cNvPr id="4" name="TextBox 3"/>
+          <p:cNvSpPr txBox="1"/>
+          <p:nvPr/>
+        </p:nvSpPr>
+        <p:spPr>
+          <a:xfrm>
+            <a:off x="1573823" y="1389185"/>
+            <a:ext cx="1828800" cy="369332"/>
+          </a:xfrm>
+          <a:prstGeom prst="rect">
+            <a:avLst/>
+          </a:prstGeom>
+          <a:noFill/>
+        </p:spPr>
+        <p:txBody>
+          <a:bodyPr wrap="square" rtlCol="0">
+            <a:spAutoFit/>
+          </a:bodyPr>
+          <a:lstStyle/>
+          <a:p>
+            <a:r>
+              <a:rPr lang="en-US" altLang="ko-KR" dirty="0" smtClean="0"/>
+              <a:t>yolo</a:t>
+            </a:r>
+            <a:endParaRPr lang="ko-KR" altLang="en-US" dirty="0"/>
+          </a:p>
+        </p:txBody>
+      </p:sp>
+    </p:spTree>
+    <p:extLst>
+      <p:ext uri="{BB962C8B-B14F-4D97-AF65-F5344CB8AC3E}">
+        <p14:creationId xmlns:p14="http://schemas.microsoft.com/office/powerpoint/2010/main" val="2600414842"/>
+      </p:ext>
+    </p:extLst>
+  </p:cSld>
+  <p:clrMapOvr>
+    <a:masterClrMapping/>
+  </p:clrMapOvr>
+  <p:timing>
+    <p:tnLst>
+      <p:par>
+        <p:cTn id="1" dur="indefinite" restart="never" nodeType="tmRoot"/>
+      </p:par>
+    </p:tnLst>
+  </p:timing>
+</p:sld>
+</file>
+
 <file path=ppt/slides/slide2.xml><?xml version="1.0" encoding="utf-8"?>
 <p:sld xmlns:a="http://schemas.openxmlformats.org/drawingml/2006/main" xmlns:r="http://schemas.openxmlformats.org/officeDocument/2006/relationships" xmlns:p="http://schemas.openxmlformats.org/presentationml/2006/main">
   <p:cSld>
@@ -6461,6 +6535,13 @@
   <p:clrMapOvr>
     <a:masterClrMapping/>
   </p:clrMapOvr>
+  <p:timing>
+    <p:tnLst>
+      <p:par>
+        <p:cTn id="1" dur="indefinite" restart="never" nodeType="tmRoot"/>
+      </p:par>
+    </p:tnLst>
+  </p:timing>
 </p:sld>
 </file>
 
@@ -6996,6 +7077,2518 @@
   <p:clrMapOvr>
     <a:masterClrMapping/>
   </p:clrMapOvr>
+  <p:timing>
+    <p:tnLst>
+      <p:par>
+        <p:cTn id="1" dur="indefinite" restart="never" nodeType="tmRoot"/>
+      </p:par>
+    </p:tnLst>
+  </p:timing>
+</p:sld>
+</file>
+
+<file path=ppt/slides/slide4.xml><?xml version="1.0" encoding="utf-8"?>
+<p:sld xmlns:a="http://schemas.openxmlformats.org/drawingml/2006/main" xmlns:r="http://schemas.openxmlformats.org/officeDocument/2006/relationships" xmlns:p="http://schemas.openxmlformats.org/presentationml/2006/main">
+  <p:cSld>
+    <p:spTree>
+      <p:nvGrpSpPr>
+        <p:cNvPr id="1" name=""/>
+        <p:cNvGrpSpPr/>
+        <p:nvPr/>
+      </p:nvGrpSpPr>
+      <p:grpSpPr>
+        <a:xfrm>
+          <a:off x="0" y="0"/>
+          <a:ext cx="0" cy="0"/>
+          <a:chOff x="0" y="0"/>
+          <a:chExt cx="0" cy="0"/>
+        </a:xfrm>
+      </p:grpSpPr>
+      <p:pic>
+        <p:nvPicPr>
+          <p:cNvPr id="4" name="그림 3"/>
+          <p:cNvPicPr>
+            <a:picLocks noChangeAspect="1"/>
+          </p:cNvPicPr>
+          <p:nvPr/>
+        </p:nvPicPr>
+        <p:blipFill>
+          <a:blip r:embed="rId2"/>
+          <a:stretch>
+            <a:fillRect/>
+          </a:stretch>
+        </p:blipFill>
+        <p:spPr>
+          <a:xfrm>
+            <a:off x="284739" y="1273033"/>
+            <a:ext cx="11053821" cy="5584967"/>
+          </a:xfrm>
+          <a:prstGeom prst="rect">
+            <a:avLst/>
+          </a:prstGeom>
+        </p:spPr>
+      </p:pic>
+      <p:sp>
+        <p:nvSpPr>
+          <p:cNvPr id="5" name="TextBox 4"/>
+          <p:cNvSpPr txBox="1"/>
+          <p:nvPr/>
+        </p:nvSpPr>
+        <p:spPr>
+          <a:xfrm>
+            <a:off x="284739" y="298939"/>
+            <a:ext cx="1856641" cy="523220"/>
+          </a:xfrm>
+          <a:prstGeom prst="rect">
+            <a:avLst/>
+          </a:prstGeom>
+          <a:noFill/>
+        </p:spPr>
+        <p:txBody>
+          <a:bodyPr wrap="square" rtlCol="0">
+            <a:spAutoFit/>
+          </a:bodyPr>
+          <a:lstStyle/>
+          <a:p>
+            <a:r>
+              <a:rPr lang="en-US" altLang="ko-KR" sz="2800" dirty="0"/>
+              <a:t>8</a:t>
+            </a:r>
+            <a:r>
+              <a:rPr lang="ko-KR" altLang="en-US" sz="2800" dirty="0" smtClean="0"/>
+              <a:t>일차</a:t>
+            </a:r>
+            <a:endParaRPr lang="ko-KR" altLang="en-US" sz="2800" dirty="0"/>
+          </a:p>
+        </p:txBody>
+      </p:sp>
+      <p:sp>
+        <p:nvSpPr>
+          <p:cNvPr id="6" name="TextBox 5"/>
+          <p:cNvSpPr txBox="1"/>
+          <p:nvPr/>
+        </p:nvSpPr>
+        <p:spPr>
+          <a:xfrm>
+            <a:off x="3692678" y="1493048"/>
+            <a:ext cx="3689023" cy="523220"/>
+          </a:xfrm>
+          <a:prstGeom prst="rect">
+            <a:avLst/>
+          </a:prstGeom>
+          <a:noFill/>
+        </p:spPr>
+        <p:txBody>
+          <a:bodyPr wrap="square" rtlCol="0">
+            <a:spAutoFit/>
+          </a:bodyPr>
+          <a:lstStyle/>
+          <a:p>
+            <a:r>
+              <a:rPr lang="en-US" altLang="ko-KR" sz="2800" dirty="0" smtClean="0"/>
+              <a:t>: </a:t>
+            </a:r>
+            <a:r>
+              <a:rPr lang="ko-KR" altLang="en-US" sz="2800" dirty="0" smtClean="0"/>
+              <a:t>데이터전처리 방법</a:t>
+            </a:r>
+            <a:endParaRPr lang="ko-KR" altLang="en-US" sz="2800" dirty="0"/>
+          </a:p>
+        </p:txBody>
+      </p:sp>
+    </p:spTree>
+    <p:extLst>
+      <p:ext uri="{BB962C8B-B14F-4D97-AF65-F5344CB8AC3E}">
+        <p14:creationId xmlns:p14="http://schemas.microsoft.com/office/powerpoint/2010/main" val="3725667071"/>
+      </p:ext>
+    </p:extLst>
+  </p:cSld>
+  <p:clrMapOvr>
+    <a:masterClrMapping/>
+  </p:clrMapOvr>
+  <p:timing>
+    <p:tnLst>
+      <p:par>
+        <p:cTn id="1" dur="indefinite" restart="never" nodeType="tmRoot"/>
+      </p:par>
+    </p:tnLst>
+  </p:timing>
+</p:sld>
+</file>
+
+<file path=ppt/slides/slide5.xml><?xml version="1.0" encoding="utf-8"?>
+<p:sld xmlns:a="http://schemas.openxmlformats.org/drawingml/2006/main" xmlns:r="http://schemas.openxmlformats.org/officeDocument/2006/relationships" xmlns:p="http://schemas.openxmlformats.org/presentationml/2006/main">
+  <p:cSld>
+    <p:spTree>
+      <p:nvGrpSpPr>
+        <p:cNvPr id="1" name=""/>
+        <p:cNvGrpSpPr/>
+        <p:nvPr/>
+      </p:nvGrpSpPr>
+      <p:grpSpPr>
+        <a:xfrm>
+          <a:off x="0" y="0"/>
+          <a:ext cx="0" cy="0"/>
+          <a:chOff x="0" y="0"/>
+          <a:chExt cx="0" cy="0"/>
+        </a:xfrm>
+      </p:grpSpPr>
+      <p:pic>
+        <p:nvPicPr>
+          <p:cNvPr id="4" name="그림 3"/>
+          <p:cNvPicPr>
+            <a:picLocks noChangeAspect="1"/>
+          </p:cNvPicPr>
+          <p:nvPr/>
+        </p:nvPicPr>
+        <p:blipFill>
+          <a:blip r:embed="rId2"/>
+          <a:stretch>
+            <a:fillRect/>
+          </a:stretch>
+        </p:blipFill>
+        <p:spPr>
+          <a:xfrm>
+            <a:off x="5884190" y="2242470"/>
+            <a:ext cx="4421261" cy="2245172"/>
+          </a:xfrm>
+          <a:prstGeom prst="rect">
+            <a:avLst/>
+          </a:prstGeom>
+        </p:spPr>
+      </p:pic>
+      <p:sp>
+        <p:nvSpPr>
+          <p:cNvPr id="6" name="TextBox 5"/>
+          <p:cNvSpPr txBox="1"/>
+          <p:nvPr/>
+        </p:nvSpPr>
+        <p:spPr>
+          <a:xfrm>
+            <a:off x="367866" y="422049"/>
+            <a:ext cx="6731758" cy="523220"/>
+          </a:xfrm>
+          <a:prstGeom prst="rect">
+            <a:avLst/>
+          </a:prstGeom>
+          <a:noFill/>
+        </p:spPr>
+        <p:txBody>
+          <a:bodyPr wrap="square" rtlCol="0">
+            <a:spAutoFit/>
+          </a:bodyPr>
+          <a:lstStyle/>
+          <a:p>
+            <a:r>
+              <a:rPr lang="ko-KR" altLang="en-US" sz="2800" dirty="0" smtClean="0"/>
+              <a:t>데이터전처리 방법 </a:t>
+            </a:r>
+            <a:r>
+              <a:rPr lang="en-US" altLang="ko-KR" sz="2800" dirty="0" smtClean="0"/>
+              <a:t>: </a:t>
+            </a:r>
+            <a:r>
+              <a:rPr lang="en-US" altLang="ko-KR" sz="2800" dirty="0" err="1" smtClean="0"/>
+              <a:t>MinMaxScaler</a:t>
+            </a:r>
+            <a:endParaRPr lang="ko-KR" altLang="en-US" sz="2800" dirty="0"/>
+          </a:p>
+        </p:txBody>
+      </p:sp>
+      <p:sp>
+        <p:nvSpPr>
+          <p:cNvPr id="7" name="직사각형 6"/>
+          <p:cNvSpPr/>
+          <p:nvPr/>
+        </p:nvSpPr>
+        <p:spPr>
+          <a:xfrm>
+            <a:off x="210589" y="1212835"/>
+            <a:ext cx="6096000" cy="646331"/>
+          </a:xfrm>
+          <a:prstGeom prst="rect">
+            <a:avLst/>
+          </a:prstGeom>
+        </p:spPr>
+        <p:txBody>
+          <a:bodyPr>
+            <a:spAutoFit/>
+          </a:bodyPr>
+          <a:lstStyle/>
+          <a:p>
+            <a:pPr algn="ctr"/>
+            <a:r>
+              <a:rPr lang="ko-KR" altLang="en-US" dirty="0">
+                <a:solidFill>
+                  <a:srgbClr val="555555"/>
+                </a:solidFill>
+                <a:latin typeface="Noto Serif KR"/>
+              </a:rPr>
+              <a:t>모든 특성이 정확하게 </a:t>
+            </a:r>
+            <a:r>
+              <a:rPr lang="en-US" altLang="ko-KR" dirty="0">
+                <a:solidFill>
+                  <a:srgbClr val="555555"/>
+                </a:solidFill>
+                <a:latin typeface="Noto Serif KR"/>
+              </a:rPr>
+              <a:t>0</a:t>
+            </a:r>
+            <a:r>
+              <a:rPr lang="ko-KR" altLang="en-US" dirty="0">
+                <a:solidFill>
+                  <a:srgbClr val="555555"/>
+                </a:solidFill>
+                <a:latin typeface="Noto Serif KR"/>
+              </a:rPr>
+              <a:t>과 </a:t>
+            </a:r>
+            <a:r>
+              <a:rPr lang="en-US" altLang="ko-KR" dirty="0">
+                <a:solidFill>
+                  <a:srgbClr val="555555"/>
+                </a:solidFill>
+                <a:latin typeface="Noto Serif KR"/>
+              </a:rPr>
+              <a:t>1 </a:t>
+            </a:r>
+            <a:r>
+              <a:rPr lang="ko-KR" altLang="en-US" dirty="0">
+                <a:solidFill>
+                  <a:srgbClr val="555555"/>
+                </a:solidFill>
+                <a:latin typeface="Noto Serif KR"/>
+              </a:rPr>
+              <a:t>사이에 위치하도록 한다</a:t>
+            </a:r>
+            <a:endParaRPr lang="ko-KR" altLang="en-US" dirty="0">
+              <a:solidFill>
+                <a:srgbClr val="555555"/>
+              </a:solidFill>
+              <a:latin typeface="Spoqa Han Sans"/>
+            </a:endParaRPr>
+          </a:p>
+          <a:p>
+            <a:pPr algn="ctr"/>
+            <a:r>
+              <a:rPr lang="en-US" altLang="ko-KR" dirty="0">
+                <a:solidFill>
+                  <a:srgbClr val="555555"/>
+                </a:solidFill>
+                <a:latin typeface="Noto Serif KR"/>
+              </a:rPr>
+              <a:t>2</a:t>
+            </a:r>
+            <a:r>
+              <a:rPr lang="ko-KR" altLang="en-US" dirty="0">
+                <a:solidFill>
+                  <a:srgbClr val="555555"/>
+                </a:solidFill>
+                <a:latin typeface="Noto Serif KR"/>
+              </a:rPr>
+              <a:t>차원 데이터 셋의 경우에는 </a:t>
+            </a:r>
+            <a:r>
+              <a:rPr lang="en-US" altLang="ko-KR" dirty="0">
+                <a:solidFill>
+                  <a:srgbClr val="555555"/>
+                </a:solidFill>
+                <a:latin typeface="Noto Serif KR"/>
+              </a:rPr>
+              <a:t>x </a:t>
+            </a:r>
+            <a:r>
+              <a:rPr lang="ko-KR" altLang="en-US" dirty="0">
+                <a:solidFill>
+                  <a:srgbClr val="555555"/>
+                </a:solidFill>
+                <a:latin typeface="Noto Serif KR"/>
+              </a:rPr>
+              <a:t>축의 </a:t>
+            </a:r>
+            <a:r>
+              <a:rPr lang="en-US" altLang="ko-KR" dirty="0">
+                <a:solidFill>
+                  <a:srgbClr val="555555"/>
+                </a:solidFill>
+                <a:latin typeface="Noto Serif KR"/>
+              </a:rPr>
+              <a:t>0</a:t>
+            </a:r>
+            <a:r>
+              <a:rPr lang="ko-KR" altLang="en-US" dirty="0">
+                <a:solidFill>
+                  <a:srgbClr val="555555"/>
+                </a:solidFill>
+                <a:latin typeface="Noto Serif KR"/>
+              </a:rPr>
+              <a:t>과 </a:t>
+            </a:r>
+            <a:r>
+              <a:rPr lang="en-US" altLang="ko-KR" dirty="0">
+                <a:solidFill>
+                  <a:srgbClr val="555555"/>
+                </a:solidFill>
+                <a:latin typeface="Noto Serif KR"/>
+              </a:rPr>
+              <a:t>1 , y</a:t>
+            </a:r>
+            <a:r>
+              <a:rPr lang="ko-KR" altLang="en-US" dirty="0">
+                <a:solidFill>
+                  <a:srgbClr val="555555"/>
+                </a:solidFill>
+                <a:latin typeface="Noto Serif KR"/>
+              </a:rPr>
+              <a:t>축 </a:t>
+            </a:r>
+            <a:r>
+              <a:rPr lang="en-US" altLang="ko-KR" dirty="0">
+                <a:solidFill>
+                  <a:srgbClr val="555555"/>
+                </a:solidFill>
+                <a:latin typeface="Noto Serif KR"/>
+              </a:rPr>
+              <a:t>0</a:t>
+            </a:r>
+            <a:r>
+              <a:rPr lang="ko-KR" altLang="en-US" dirty="0">
+                <a:solidFill>
+                  <a:srgbClr val="555555"/>
+                </a:solidFill>
+                <a:latin typeface="Noto Serif KR"/>
+              </a:rPr>
+              <a:t>과 </a:t>
+            </a:r>
+            <a:r>
+              <a:rPr lang="en-US" altLang="ko-KR" dirty="0">
+                <a:solidFill>
+                  <a:srgbClr val="555555"/>
+                </a:solidFill>
+                <a:latin typeface="Noto Serif KR"/>
+              </a:rPr>
+              <a:t>1 </a:t>
+            </a:r>
+            <a:endParaRPr lang="ko-KR" altLang="en-US" b="0" i="0" dirty="0">
+              <a:solidFill>
+                <a:srgbClr val="555555"/>
+              </a:solidFill>
+              <a:effectLst/>
+              <a:latin typeface="Spoqa Han Sans"/>
+            </a:endParaRPr>
+          </a:p>
+        </p:txBody>
+      </p:sp>
+      <p:sp>
+        <p:nvSpPr>
+          <p:cNvPr id="14" name="직사각형 13"/>
+          <p:cNvSpPr/>
+          <p:nvPr/>
+        </p:nvSpPr>
+        <p:spPr>
+          <a:xfrm>
+            <a:off x="5884190" y="428464"/>
+            <a:ext cx="6096000" cy="369332"/>
+          </a:xfrm>
+          <a:prstGeom prst="rect">
+            <a:avLst/>
+          </a:prstGeom>
+        </p:spPr>
+        <p:txBody>
+          <a:bodyPr>
+            <a:spAutoFit/>
+          </a:bodyPr>
+          <a:lstStyle/>
+          <a:p>
+            <a:pPr algn="ctr"/>
+            <a:r>
+              <a:rPr lang="ko-KR" altLang="en-US" dirty="0" smtClean="0">
+                <a:solidFill>
+                  <a:srgbClr val="555555"/>
+                </a:solidFill>
+                <a:latin typeface="Spoqa Han Sans"/>
+              </a:rPr>
+              <a:t>효과 </a:t>
+            </a:r>
+            <a:r>
+              <a:rPr lang="en-US" altLang="ko-KR" dirty="0" smtClean="0">
+                <a:solidFill>
+                  <a:srgbClr val="555555"/>
+                </a:solidFill>
+                <a:latin typeface="Spoqa Han Sans"/>
+              </a:rPr>
+              <a:t>: </a:t>
+            </a:r>
+            <a:r>
+              <a:rPr lang="ko-KR" altLang="en-US" dirty="0" smtClean="0">
+                <a:solidFill>
+                  <a:srgbClr val="555555"/>
+                </a:solidFill>
+                <a:latin typeface="Spoqa Han Sans"/>
+              </a:rPr>
+              <a:t>머신 속도의 증가</a:t>
+            </a:r>
+            <a:r>
+              <a:rPr lang="en-US" altLang="ko-KR" dirty="0" smtClean="0">
+                <a:solidFill>
+                  <a:srgbClr val="555555"/>
+                </a:solidFill>
+                <a:latin typeface="Spoqa Han Sans"/>
+              </a:rPr>
+              <a:t>, </a:t>
+            </a:r>
+            <a:r>
+              <a:rPr lang="ko-KR" altLang="en-US" dirty="0" smtClean="0">
+                <a:solidFill>
+                  <a:srgbClr val="555555"/>
+                </a:solidFill>
+                <a:latin typeface="Spoqa Han Sans"/>
+              </a:rPr>
+              <a:t>약간의 </a:t>
+            </a:r>
+            <a:r>
+              <a:rPr lang="ko-KR" altLang="en-US" dirty="0" err="1" smtClean="0">
+                <a:solidFill>
+                  <a:srgbClr val="555555"/>
+                </a:solidFill>
+                <a:latin typeface="Spoqa Han Sans"/>
+              </a:rPr>
+              <a:t>과적합</a:t>
+            </a:r>
+            <a:r>
+              <a:rPr lang="ko-KR" altLang="en-US" dirty="0" smtClean="0">
+                <a:solidFill>
+                  <a:srgbClr val="555555"/>
+                </a:solidFill>
+                <a:latin typeface="Spoqa Han Sans"/>
+              </a:rPr>
+              <a:t> 방지</a:t>
+            </a:r>
+            <a:endParaRPr lang="ko-KR" altLang="en-US" b="0" i="0" dirty="0">
+              <a:solidFill>
+                <a:srgbClr val="555555"/>
+              </a:solidFill>
+              <a:effectLst/>
+              <a:latin typeface="Spoqa Han Sans"/>
+            </a:endParaRPr>
+          </a:p>
+        </p:txBody>
+      </p:sp>
+      <p:grpSp>
+        <p:nvGrpSpPr>
+          <p:cNvPr id="20" name="그룹 19"/>
+          <p:cNvGrpSpPr/>
+          <p:nvPr/>
+        </p:nvGrpSpPr>
+        <p:grpSpPr>
+          <a:xfrm>
+            <a:off x="1085695" y="2126732"/>
+            <a:ext cx="3824964" cy="3235505"/>
+            <a:chOff x="7231518" y="1536000"/>
+            <a:chExt cx="3824964" cy="3235505"/>
+          </a:xfrm>
+        </p:grpSpPr>
+        <p:pic>
+          <p:nvPicPr>
+            <p:cNvPr id="15" name="그림 14"/>
+            <p:cNvPicPr>
+              <a:picLocks noChangeAspect="1"/>
+            </p:cNvPicPr>
+            <p:nvPr/>
+          </p:nvPicPr>
+          <p:blipFill>
+            <a:blip r:embed="rId3"/>
+            <a:stretch>
+              <a:fillRect/>
+            </a:stretch>
+          </p:blipFill>
+          <p:spPr>
+            <a:xfrm>
+              <a:off x="7231518" y="1536000"/>
+              <a:ext cx="3824964" cy="3235505"/>
+            </a:xfrm>
+            <a:prstGeom prst="rect">
+              <a:avLst/>
+            </a:prstGeom>
+          </p:spPr>
+        </p:pic>
+        <p:sp>
+          <p:nvSpPr>
+            <p:cNvPr id="16" name="직사각형 15"/>
+            <p:cNvSpPr/>
+            <p:nvPr/>
+          </p:nvSpPr>
+          <p:spPr>
+            <a:xfrm>
+              <a:off x="7737231" y="4536831"/>
+              <a:ext cx="492369" cy="202223"/>
+            </a:xfrm>
+            <a:prstGeom prst="rect">
+              <a:avLst/>
+            </a:prstGeom>
+            <a:solidFill>
+              <a:srgbClr val="FFFF00"/>
+            </a:solidFill>
+          </p:spPr>
+          <p:style>
+            <a:lnRef idx="2">
+              <a:schemeClr val="accent1">
+                <a:shade val="50000"/>
+              </a:schemeClr>
+            </a:lnRef>
+            <a:fillRef idx="1">
+              <a:schemeClr val="accent1"/>
+            </a:fillRef>
+            <a:effectRef idx="0">
+              <a:schemeClr val="accent1"/>
+            </a:effectRef>
+            <a:fontRef idx="minor">
+              <a:schemeClr val="lt1"/>
+            </a:fontRef>
+          </p:style>
+          <p:txBody>
+            <a:bodyPr rtlCol="0" anchor="ctr"/>
+            <a:lstStyle/>
+            <a:p>
+              <a:pPr algn="ctr"/>
+              <a:r>
+                <a:rPr lang="en-US" altLang="ko-KR" dirty="0" smtClean="0">
+                  <a:solidFill>
+                    <a:srgbClr val="FF0000"/>
+                  </a:solidFill>
+                </a:rPr>
+                <a:t>0</a:t>
+              </a:r>
+              <a:endParaRPr lang="ko-KR" altLang="en-US" dirty="0">
+                <a:solidFill>
+                  <a:srgbClr val="FF0000"/>
+                </a:solidFill>
+              </a:endParaRPr>
+            </a:p>
+          </p:txBody>
+        </p:sp>
+        <p:sp>
+          <p:nvSpPr>
+            <p:cNvPr id="17" name="직사각형 16"/>
+            <p:cNvSpPr/>
+            <p:nvPr/>
+          </p:nvSpPr>
+          <p:spPr>
+            <a:xfrm>
+              <a:off x="10307514" y="4536830"/>
+              <a:ext cx="492369" cy="202223"/>
+            </a:xfrm>
+            <a:prstGeom prst="rect">
+              <a:avLst/>
+            </a:prstGeom>
+            <a:solidFill>
+              <a:srgbClr val="FFFF00"/>
+            </a:solidFill>
+          </p:spPr>
+          <p:style>
+            <a:lnRef idx="2">
+              <a:schemeClr val="accent1">
+                <a:shade val="50000"/>
+              </a:schemeClr>
+            </a:lnRef>
+            <a:fillRef idx="1">
+              <a:schemeClr val="accent1"/>
+            </a:fillRef>
+            <a:effectRef idx="0">
+              <a:schemeClr val="accent1"/>
+            </a:effectRef>
+            <a:fontRef idx="minor">
+              <a:schemeClr val="lt1"/>
+            </a:fontRef>
+          </p:style>
+          <p:txBody>
+            <a:bodyPr rtlCol="0" anchor="ctr"/>
+            <a:lstStyle/>
+            <a:p>
+              <a:pPr algn="ctr"/>
+              <a:r>
+                <a:rPr lang="en-US" altLang="ko-KR" dirty="0">
+                  <a:solidFill>
+                    <a:srgbClr val="FF0000"/>
+                  </a:solidFill>
+                </a:rPr>
+                <a:t>1</a:t>
+              </a:r>
+              <a:endParaRPr lang="ko-KR" altLang="en-US" dirty="0">
+                <a:solidFill>
+                  <a:srgbClr val="FF0000"/>
+                </a:solidFill>
+              </a:endParaRPr>
+            </a:p>
+          </p:txBody>
+        </p:sp>
+      </p:grpSp>
+      <p:sp>
+        <p:nvSpPr>
+          <p:cNvPr id="18" name="TextBox 17"/>
+          <p:cNvSpPr txBox="1"/>
+          <p:nvPr/>
+        </p:nvSpPr>
+        <p:spPr>
+          <a:xfrm>
+            <a:off x="10799883" y="6145824"/>
+            <a:ext cx="1856641" cy="523220"/>
+          </a:xfrm>
+          <a:prstGeom prst="rect">
+            <a:avLst/>
+          </a:prstGeom>
+          <a:noFill/>
+        </p:spPr>
+        <p:txBody>
+          <a:bodyPr wrap="square" rtlCol="0">
+            <a:spAutoFit/>
+          </a:bodyPr>
+          <a:lstStyle/>
+          <a:p>
+            <a:r>
+              <a:rPr lang="en-US" altLang="ko-KR" sz="2800" dirty="0"/>
+              <a:t>8</a:t>
+            </a:r>
+            <a:r>
+              <a:rPr lang="ko-KR" altLang="en-US" sz="2800" dirty="0" smtClean="0"/>
+              <a:t>일차</a:t>
+            </a:r>
+            <a:endParaRPr lang="ko-KR" altLang="en-US" sz="2800" dirty="0"/>
+          </a:p>
+        </p:txBody>
+      </p:sp>
+      <mc:AlternateContent xmlns:mc="http://schemas.openxmlformats.org/markup-compatibility/2006">
+        <mc:Choice xmlns:a14="http://schemas.microsoft.com/office/drawing/2010/main" Requires="a14">
+          <p:sp>
+            <p:nvSpPr>
+              <p:cNvPr id="19" name="TextBox 18"/>
+              <p:cNvSpPr txBox="1"/>
+              <p:nvPr/>
+            </p:nvSpPr>
+            <p:spPr>
+              <a:xfrm>
+                <a:off x="7099624" y="4216018"/>
+                <a:ext cx="1990395" cy="1055995"/>
+              </a:xfrm>
+              <a:prstGeom prst="rect">
+                <a:avLst/>
+              </a:prstGeom>
+              <a:noFill/>
+            </p:spPr>
+            <p:txBody>
+              <a:bodyPr wrap="square" lIns="0" tIns="0" rIns="0" bIns="0" rtlCol="0">
+                <a:spAutoFit/>
+              </a:bodyPr>
+              <a:lstStyle/>
+              <a:p>
+                <a14:m>
+                  <m:oMathPara xmlns:m="http://schemas.openxmlformats.org/officeDocument/2006/math">
+                    <m:oMathParaPr>
+                      <m:jc m:val="centerGroup"/>
+                    </m:oMathParaPr>
+                    <m:oMath xmlns:m="http://schemas.openxmlformats.org/officeDocument/2006/math">
+                      <m:f>
+                        <m:fPr>
+                          <m:ctrlPr>
+                            <a:rPr lang="en-US" altLang="ko-KR" sz="3200" i="1" smtClean="0">
+                              <a:latin typeface="Cambria Math" panose="02040503050406030204" pitchFamily="18" charset="0"/>
+                            </a:rPr>
+                          </m:ctrlPr>
+                        </m:fPr>
+                        <m:num>
+                          <m:r>
+                            <a:rPr lang="en-US" altLang="ko-KR" sz="3200" b="0" i="1" smtClean="0">
+                              <a:latin typeface="Cambria Math" panose="02040503050406030204" pitchFamily="18" charset="0"/>
+                            </a:rPr>
+                            <m:t>𝑋</m:t>
+                          </m:r>
+                          <m:r>
+                            <a:rPr lang="en-US" altLang="ko-KR" sz="3200" b="0" i="1" smtClean="0">
+                              <a:latin typeface="Cambria Math" panose="02040503050406030204" pitchFamily="18" charset="0"/>
+                            </a:rPr>
+                            <m:t> −</m:t>
+                          </m:r>
+                          <m:r>
+                            <a:rPr lang="ko-KR" altLang="en-US" sz="3200" i="1">
+                              <a:latin typeface="Cambria Math" panose="02040503050406030204" pitchFamily="18" charset="0"/>
+                            </a:rPr>
+                            <m:t>최</m:t>
+                          </m:r>
+                          <m:r>
+                            <a:rPr lang="ko-KR" altLang="en-US" sz="3200" i="1" smtClean="0">
+                              <a:latin typeface="Cambria Math" panose="02040503050406030204" pitchFamily="18" charset="0"/>
+                            </a:rPr>
+                            <m:t>소</m:t>
+                          </m:r>
+                        </m:num>
+                        <m:den>
+                          <m:r>
+                            <a:rPr lang="ko-KR" altLang="en-US" sz="3200" i="1">
+                              <a:latin typeface="Cambria Math" panose="02040503050406030204" pitchFamily="18" charset="0"/>
+                            </a:rPr>
+                            <m:t>최</m:t>
+                          </m:r>
+                          <m:r>
+                            <a:rPr lang="ko-KR" altLang="en-US" sz="3200" i="1" smtClean="0">
+                              <a:latin typeface="Cambria Math" panose="02040503050406030204" pitchFamily="18" charset="0"/>
+                            </a:rPr>
+                            <m:t>대</m:t>
+                          </m:r>
+                          <m:r>
+                            <a:rPr lang="en-US" altLang="ko-KR" sz="3200" b="0" i="1" smtClean="0">
+                              <a:latin typeface="Cambria Math" panose="02040503050406030204" pitchFamily="18" charset="0"/>
+                            </a:rPr>
+                            <m:t> − </m:t>
+                          </m:r>
+                          <m:r>
+                            <a:rPr lang="ko-KR" altLang="en-US" sz="3200" i="1">
+                              <a:latin typeface="Cambria Math" panose="02040503050406030204" pitchFamily="18" charset="0"/>
+                            </a:rPr>
+                            <m:t>최</m:t>
+                          </m:r>
+                          <m:r>
+                            <a:rPr lang="ko-KR" altLang="en-US" sz="3200" i="1" smtClean="0">
+                              <a:latin typeface="Cambria Math" panose="02040503050406030204" pitchFamily="18" charset="0"/>
+                            </a:rPr>
+                            <m:t>소</m:t>
+                          </m:r>
+                        </m:den>
+                      </m:f>
+                    </m:oMath>
+                  </m:oMathPara>
+                </a14:m>
+                <a:endParaRPr lang="ko-KR" altLang="en-US" sz="3200" dirty="0"/>
+              </a:p>
+            </p:txBody>
+          </p:sp>
+        </mc:Choice>
+        <mc:Fallback>
+          <p:sp>
+            <p:nvSpPr>
+              <p:cNvPr id="19" name="TextBox 18"/>
+              <p:cNvSpPr txBox="1">
+                <a:spLocks noRot="1" noChangeAspect="1" noMove="1" noResize="1" noEditPoints="1" noAdjustHandles="1" noChangeArrowheads="1" noChangeShapeType="1" noTextEdit="1"/>
+              </p:cNvSpPr>
+              <p:nvPr/>
+            </p:nvSpPr>
+            <p:spPr>
+              <a:xfrm>
+                <a:off x="7099624" y="4216018"/>
+                <a:ext cx="1990395" cy="1055995"/>
+              </a:xfrm>
+              <a:prstGeom prst="rect">
+                <a:avLst/>
+              </a:prstGeom>
+              <a:blipFill>
+                <a:blip r:embed="rId4"/>
+                <a:stretch>
+                  <a:fillRect l="-307" r="-15031"/>
+                </a:stretch>
+              </a:blipFill>
+            </p:spPr>
+            <p:txBody>
+              <a:bodyPr/>
+              <a:lstStyle/>
+              <a:p>
+                <a:r>
+                  <a:rPr lang="ko-KR" altLang="en-US">
+                    <a:noFill/>
+                  </a:rPr>
+                  <a:t> </a:t>
+                </a:r>
+              </a:p>
+            </p:txBody>
+          </p:sp>
+        </mc:Fallback>
+      </mc:AlternateContent>
+      <p:sp>
+        <p:nvSpPr>
+          <p:cNvPr id="21" name="TextBox 20"/>
+          <p:cNvSpPr txBox="1"/>
+          <p:nvPr/>
+        </p:nvSpPr>
+        <p:spPr>
+          <a:xfrm>
+            <a:off x="6544863" y="887492"/>
+            <a:ext cx="5556738" cy="2031325"/>
+          </a:xfrm>
+          <a:prstGeom prst="rect">
+            <a:avLst/>
+          </a:prstGeom>
+          <a:noFill/>
+        </p:spPr>
+        <p:txBody>
+          <a:bodyPr wrap="square" rtlCol="0">
+            <a:spAutoFit/>
+          </a:bodyPr>
+          <a:lstStyle/>
+          <a:p>
+            <a:r>
+              <a:rPr lang="en-US" altLang="ko-KR" dirty="0" smtClean="0"/>
+              <a:t>: </a:t>
+            </a:r>
+            <a:r>
+              <a:rPr lang="ko-KR" altLang="en-US" dirty="0" smtClean="0"/>
+              <a:t>값의 격차가 클 때 사용</a:t>
+            </a:r>
+            <a:endParaRPr lang="en-US" altLang="ko-KR" dirty="0" smtClean="0"/>
+          </a:p>
+          <a:p>
+            <a:r>
+              <a:rPr lang="en-US" altLang="ko-KR" dirty="0" smtClean="0"/>
+              <a:t>ex)</a:t>
+            </a:r>
+          </a:p>
+          <a:p>
+            <a:r>
+              <a:rPr lang="en-US" altLang="ko-KR" dirty="0" smtClean="0"/>
+              <a:t>x</a:t>
+            </a:r>
+            <a:r>
+              <a:rPr lang="en-US" altLang="ko-KR" dirty="0"/>
+              <a:t> = array([[1,2,3], [2,3,4], [3,4,5], [4,5,6], [5,6,7],</a:t>
+            </a:r>
+          </a:p>
+          <a:p>
+            <a:r>
+              <a:rPr lang="en-US" altLang="ko-KR" dirty="0"/>
+              <a:t>           [6,7,8], [7,8,9], [8,9,10], [9,10,11], [10,11,12],</a:t>
+            </a:r>
+          </a:p>
+          <a:p>
+            <a:r>
+              <a:rPr lang="en-US" altLang="ko-KR" dirty="0"/>
+              <a:t>           [20000,30000,40000], [30000,40000,50000], </a:t>
+            </a:r>
+            <a:r>
+              <a:rPr lang="en-US" altLang="ko-KR" dirty="0" smtClean="0"/>
+              <a:t>	[</a:t>
+            </a:r>
+            <a:r>
+              <a:rPr lang="en-US" altLang="ko-KR" dirty="0"/>
+              <a:t>40000,50000,60000]])</a:t>
+            </a:r>
+          </a:p>
+          <a:p>
+            <a:endParaRPr lang="ko-KR" altLang="en-US" dirty="0"/>
+          </a:p>
+        </p:txBody>
+      </p:sp>
+    </p:spTree>
+    <p:extLst>
+      <p:ext uri="{BB962C8B-B14F-4D97-AF65-F5344CB8AC3E}">
+        <p14:creationId xmlns:p14="http://schemas.microsoft.com/office/powerpoint/2010/main" val="369509561"/>
+      </p:ext>
+    </p:extLst>
+  </p:cSld>
+  <p:clrMapOvr>
+    <a:masterClrMapping/>
+  </p:clrMapOvr>
+  <p:timing>
+    <p:tnLst>
+      <p:par>
+        <p:cTn id="1" dur="indefinite" restart="never" nodeType="tmRoot"/>
+      </p:par>
+    </p:tnLst>
+  </p:timing>
+</p:sld>
+</file>
+
+<file path=ppt/slides/slide6.xml><?xml version="1.0" encoding="utf-8"?>
+<p:sld xmlns:a="http://schemas.openxmlformats.org/drawingml/2006/main" xmlns:r="http://schemas.openxmlformats.org/officeDocument/2006/relationships" xmlns:p="http://schemas.openxmlformats.org/presentationml/2006/main">
+  <p:cSld>
+    <p:spTree>
+      <p:nvGrpSpPr>
+        <p:cNvPr id="1" name=""/>
+        <p:cNvGrpSpPr/>
+        <p:nvPr/>
+      </p:nvGrpSpPr>
+      <p:grpSpPr>
+        <a:xfrm>
+          <a:off x="0" y="0"/>
+          <a:ext cx="0" cy="0"/>
+          <a:chOff x="0" y="0"/>
+          <a:chExt cx="0" cy="0"/>
+        </a:xfrm>
+      </p:grpSpPr>
+      <p:sp>
+        <p:nvSpPr>
+          <p:cNvPr id="5" name="TextBox 4"/>
+          <p:cNvSpPr txBox="1"/>
+          <p:nvPr/>
+        </p:nvSpPr>
+        <p:spPr>
+          <a:xfrm>
+            <a:off x="363071" y="520283"/>
+            <a:ext cx="6731758" cy="523220"/>
+          </a:xfrm>
+          <a:prstGeom prst="rect">
+            <a:avLst/>
+          </a:prstGeom>
+          <a:noFill/>
+        </p:spPr>
+        <p:txBody>
+          <a:bodyPr wrap="square" rtlCol="0">
+            <a:spAutoFit/>
+          </a:bodyPr>
+          <a:lstStyle/>
+          <a:p>
+            <a:r>
+              <a:rPr lang="ko-KR" altLang="en-US" sz="2800" dirty="0" smtClean="0"/>
+              <a:t>데이터전처리 방법 </a:t>
+            </a:r>
+            <a:r>
+              <a:rPr lang="en-US" altLang="ko-KR" sz="2800" dirty="0" smtClean="0"/>
+              <a:t>: </a:t>
+            </a:r>
+            <a:r>
+              <a:rPr lang="en-US" altLang="ko-KR" sz="2800" dirty="0" err="1" smtClean="0"/>
+              <a:t>StandardScaler</a:t>
+            </a:r>
+            <a:endParaRPr lang="ko-KR" altLang="en-US" sz="2800" dirty="0"/>
+          </a:p>
+        </p:txBody>
+      </p:sp>
+      <p:pic>
+        <p:nvPicPr>
+          <p:cNvPr id="7" name="그림 6"/>
+          <p:cNvPicPr>
+            <a:picLocks noChangeAspect="1"/>
+          </p:cNvPicPr>
+          <p:nvPr/>
+        </p:nvPicPr>
+        <p:blipFill>
+          <a:blip r:embed="rId2"/>
+          <a:stretch>
+            <a:fillRect/>
+          </a:stretch>
+        </p:blipFill>
+        <p:spPr>
+          <a:xfrm>
+            <a:off x="677008" y="1672853"/>
+            <a:ext cx="3573321" cy="2820015"/>
+          </a:xfrm>
+          <a:prstGeom prst="rect">
+            <a:avLst/>
+          </a:prstGeom>
+        </p:spPr>
+      </p:pic>
+      <p:sp>
+        <p:nvSpPr>
+          <p:cNvPr id="9" name="TextBox 8"/>
+          <p:cNvSpPr txBox="1"/>
+          <p:nvPr/>
+        </p:nvSpPr>
+        <p:spPr>
+          <a:xfrm>
+            <a:off x="10759308" y="6087208"/>
+            <a:ext cx="1856641" cy="523220"/>
+          </a:xfrm>
+          <a:prstGeom prst="rect">
+            <a:avLst/>
+          </a:prstGeom>
+          <a:noFill/>
+        </p:spPr>
+        <p:txBody>
+          <a:bodyPr wrap="square" rtlCol="0">
+            <a:spAutoFit/>
+          </a:bodyPr>
+          <a:lstStyle/>
+          <a:p>
+            <a:r>
+              <a:rPr lang="en-US" altLang="ko-KR" sz="2800" dirty="0"/>
+              <a:t>8</a:t>
+            </a:r>
+            <a:r>
+              <a:rPr lang="ko-KR" altLang="en-US" sz="2800" dirty="0" smtClean="0"/>
+              <a:t>일차</a:t>
+            </a:r>
+            <a:endParaRPr lang="ko-KR" altLang="en-US" sz="2800" dirty="0"/>
+          </a:p>
+        </p:txBody>
+      </p:sp>
+      <mc:AlternateContent xmlns:mc="http://schemas.openxmlformats.org/markup-compatibility/2006">
+        <mc:Choice xmlns:a14="http://schemas.microsoft.com/office/drawing/2010/main" Requires="a14">
+          <p:sp>
+            <p:nvSpPr>
+              <p:cNvPr id="10" name="TextBox 9"/>
+              <p:cNvSpPr txBox="1"/>
+              <p:nvPr/>
+            </p:nvSpPr>
+            <p:spPr>
+              <a:xfrm>
+                <a:off x="5213838" y="4158759"/>
+                <a:ext cx="4925825" cy="1832553"/>
+              </a:xfrm>
+              <a:prstGeom prst="rect">
+                <a:avLst/>
+              </a:prstGeom>
+              <a:noFill/>
+            </p:spPr>
+            <p:txBody>
+              <a:bodyPr wrap="square" rtlCol="0">
+                <a:spAutoFit/>
+              </a:bodyPr>
+              <a:lstStyle/>
+              <a:p>
+                <a:r>
+                  <a:rPr lang="en-US" altLang="ko-KR" dirty="0" smtClean="0"/>
+                  <a:t>ex) </a:t>
+                </a:r>
+                <a:r>
+                  <a:rPr lang="ko-KR" altLang="en-US" dirty="0" smtClean="0"/>
+                  <a:t>데이터 </a:t>
+                </a:r>
+                <a:r>
+                  <a:rPr lang="en-US" altLang="ko-KR" dirty="0" smtClean="0"/>
+                  <a:t>: 1, 2, 3, 4, 5</a:t>
+                </a:r>
+              </a:p>
+              <a:p>
+                <a:endParaRPr lang="en-US" altLang="ko-KR" dirty="0"/>
+              </a:p>
+              <a:p>
+                <a:r>
+                  <a:rPr lang="ko-KR" altLang="en-US" dirty="0" smtClean="0"/>
+                  <a:t>평균 </a:t>
+                </a:r>
+                <a:r>
+                  <a:rPr lang="en-US" altLang="ko-KR" dirty="0" smtClean="0"/>
+                  <a:t>: 3</a:t>
+                </a:r>
+              </a:p>
+              <a:p>
+                <a:r>
+                  <a:rPr lang="ko-KR" altLang="en-US" dirty="0" smtClean="0"/>
+                  <a:t>편차</a:t>
+                </a:r>
+                <a:r>
+                  <a:rPr lang="en-US" altLang="ko-KR" dirty="0"/>
+                  <a:t>(</a:t>
+                </a:r>
+                <a:r>
+                  <a:rPr lang="ko-KR" altLang="en-US" dirty="0"/>
+                  <a:t>데이터 </a:t>
+                </a:r>
+                <a:r>
+                  <a:rPr lang="en-US" altLang="ko-KR" dirty="0"/>
+                  <a:t>– </a:t>
+                </a:r>
+                <a:r>
+                  <a:rPr lang="ko-KR" altLang="en-US" dirty="0"/>
+                  <a:t>평균</a:t>
+                </a:r>
+                <a:r>
+                  <a:rPr lang="en-US" altLang="ko-KR" dirty="0" smtClean="0"/>
+                  <a:t>) : -2 -1 0 1 2 </a:t>
+                </a:r>
+              </a:p>
+              <a:p>
+                <a:r>
+                  <a:rPr lang="ko-KR" altLang="en-US" dirty="0" smtClean="0"/>
+                  <a:t>분산</a:t>
+                </a:r>
+                <a:r>
+                  <a:rPr lang="en-US" altLang="ko-KR" dirty="0" smtClean="0"/>
+                  <a:t> </a:t>
+                </a:r>
+                <a:r>
+                  <a:rPr lang="en-US" altLang="ko-KR" dirty="0"/>
+                  <a:t>(</a:t>
+                </a:r>
+                <a14:m>
+                  <m:oMath xmlns:m="http://schemas.openxmlformats.org/officeDocument/2006/math">
+                    <m:sSup>
+                      <m:sSupPr>
+                        <m:ctrlPr>
+                          <a:rPr lang="en-US" altLang="ko-KR" i="1">
+                            <a:latin typeface="Cambria Math" panose="02040503050406030204" pitchFamily="18" charset="0"/>
+                          </a:rPr>
+                        </m:ctrlPr>
+                      </m:sSupPr>
+                      <m:e>
+                        <m:r>
+                          <a:rPr lang="ko-KR" altLang="en-US" i="1">
+                            <a:latin typeface="Cambria Math" panose="02040503050406030204" pitchFamily="18" charset="0"/>
+                          </a:rPr>
+                          <m:t>편</m:t>
+                        </m:r>
+                        <m:r>
+                          <a:rPr lang="ko-KR" altLang="en-US" i="1">
+                            <a:latin typeface="Cambria Math" panose="02040503050406030204" pitchFamily="18" charset="0"/>
+                          </a:rPr>
+                          <m:t>차</m:t>
+                        </m:r>
+                      </m:e>
+                      <m:sup>
+                        <m:r>
+                          <a:rPr lang="en-US" altLang="ko-KR" i="1">
+                            <a:latin typeface="Cambria Math" panose="02040503050406030204" pitchFamily="18" charset="0"/>
+                          </a:rPr>
+                          <m:t>2</m:t>
+                        </m:r>
+                      </m:sup>
+                    </m:sSup>
+                  </m:oMath>
+                </a14:m>
+                <a:r>
+                  <a:rPr lang="en-US" altLang="ko-KR" dirty="0"/>
+                  <a:t>)</a:t>
+                </a:r>
+                <a:r>
+                  <a:rPr lang="ko-KR" altLang="en-US" dirty="0" smtClean="0"/>
+                  <a:t> </a:t>
+                </a:r>
+                <a:r>
+                  <a:rPr lang="en-US" altLang="ko-KR" dirty="0" smtClean="0"/>
+                  <a:t>:            4  1 0 1 4</a:t>
+                </a:r>
+              </a:p>
+              <a:p>
+                <a:r>
+                  <a:rPr lang="ko-KR" altLang="en-US" dirty="0" smtClean="0"/>
+                  <a:t>표준편차</a:t>
+                </a:r>
+                <a:r>
+                  <a:rPr lang="en-US" altLang="ko-KR" dirty="0"/>
+                  <a:t> (</a:t>
+                </a:r>
+                <a14:m>
+                  <m:oMath xmlns:m="http://schemas.openxmlformats.org/officeDocument/2006/math">
+                    <m:rad>
+                      <m:radPr>
+                        <m:degHide m:val="on"/>
+                        <m:ctrlPr>
+                          <a:rPr lang="en-US" altLang="ko-KR" i="1">
+                            <a:latin typeface="Cambria Math" panose="02040503050406030204" pitchFamily="18" charset="0"/>
+                          </a:rPr>
+                        </m:ctrlPr>
+                      </m:radPr>
+                      <m:deg/>
+                      <m:e>
+                        <m:r>
+                          <a:rPr lang="ko-KR" altLang="en-US" i="1">
+                            <a:latin typeface="Cambria Math" panose="02040503050406030204" pitchFamily="18" charset="0"/>
+                          </a:rPr>
+                          <m:t>분</m:t>
+                        </m:r>
+                        <m:r>
+                          <a:rPr lang="ko-KR" altLang="en-US" i="1">
+                            <a:latin typeface="Cambria Math" panose="02040503050406030204" pitchFamily="18" charset="0"/>
+                          </a:rPr>
+                          <m:t>산</m:t>
+                        </m:r>
+                      </m:e>
+                    </m:rad>
+                  </m:oMath>
+                </a14:m>
+                <a:r>
+                  <a:rPr lang="en-US" altLang="ko-KR" dirty="0" smtClean="0"/>
+                  <a:t>)</a:t>
+                </a:r>
+                <a:r>
+                  <a:rPr lang="ko-KR" altLang="en-US" dirty="0" smtClean="0"/>
+                  <a:t> </a:t>
+                </a:r>
+                <a:r>
+                  <a:rPr lang="en-US" altLang="ko-KR" dirty="0" smtClean="0"/>
+                  <a:t>: </a:t>
+                </a:r>
+                <a14:m>
+                  <m:oMath xmlns:m="http://schemas.openxmlformats.org/officeDocument/2006/math">
+                    <m:rad>
+                      <m:radPr>
+                        <m:degHide m:val="on"/>
+                        <m:ctrlPr>
+                          <a:rPr lang="en-US" altLang="ko-KR" i="1" smtClean="0">
+                            <a:latin typeface="Cambria Math" panose="02040503050406030204" pitchFamily="18" charset="0"/>
+                          </a:rPr>
+                        </m:ctrlPr>
+                      </m:radPr>
+                      <m:deg/>
+                      <m:e>
+                        <m:r>
+                          <a:rPr lang="en-US" altLang="ko-KR" b="0" i="1" smtClean="0">
+                            <a:latin typeface="Cambria Math" panose="02040503050406030204" pitchFamily="18" charset="0"/>
+                          </a:rPr>
+                          <m:t>2</m:t>
+                        </m:r>
+                      </m:e>
+                    </m:rad>
+                  </m:oMath>
+                </a14:m>
+                <a:endParaRPr lang="ko-KR" altLang="en-US" dirty="0"/>
+              </a:p>
+            </p:txBody>
+          </p:sp>
+        </mc:Choice>
+        <mc:Fallback>
+          <p:sp>
+            <p:nvSpPr>
+              <p:cNvPr id="10" name="TextBox 9"/>
+              <p:cNvSpPr txBox="1">
+                <a:spLocks noRot="1" noChangeAspect="1" noMove="1" noResize="1" noEditPoints="1" noAdjustHandles="1" noChangeArrowheads="1" noChangeShapeType="1" noTextEdit="1"/>
+              </p:cNvSpPr>
+              <p:nvPr/>
+            </p:nvSpPr>
+            <p:spPr>
+              <a:xfrm>
+                <a:off x="5213838" y="4158759"/>
+                <a:ext cx="4925825" cy="1832553"/>
+              </a:xfrm>
+              <a:prstGeom prst="rect">
+                <a:avLst/>
+              </a:prstGeom>
+              <a:blipFill>
+                <a:blip r:embed="rId3"/>
+                <a:stretch>
+                  <a:fillRect l="-990" t="-1661" b="-3987"/>
+                </a:stretch>
+              </a:blipFill>
+            </p:spPr>
+            <p:txBody>
+              <a:bodyPr/>
+              <a:lstStyle/>
+              <a:p>
+                <a:r>
+                  <a:rPr lang="ko-KR" altLang="en-US">
+                    <a:noFill/>
+                  </a:rPr>
+                  <a:t> </a:t>
+                </a:r>
+              </a:p>
+            </p:txBody>
+          </p:sp>
+        </mc:Fallback>
+      </mc:AlternateContent>
+      <mc:AlternateContent xmlns:mc="http://schemas.openxmlformats.org/markup-compatibility/2006">
+        <mc:Choice xmlns:a14="http://schemas.microsoft.com/office/drawing/2010/main" Requires="a14">
+          <p:sp>
+            <p:nvSpPr>
+              <p:cNvPr id="11" name="TextBox 10"/>
+              <p:cNvSpPr txBox="1"/>
+              <p:nvPr/>
+            </p:nvSpPr>
+            <p:spPr>
+              <a:xfrm>
+                <a:off x="4494341" y="2130641"/>
+                <a:ext cx="4113328" cy="1055995"/>
+              </a:xfrm>
+              <a:prstGeom prst="rect">
+                <a:avLst/>
+              </a:prstGeom>
+              <a:noFill/>
+            </p:spPr>
+            <p:txBody>
+              <a:bodyPr wrap="square" lIns="0" tIns="0" rIns="0" bIns="0" rtlCol="0">
+                <a:spAutoFit/>
+              </a:bodyPr>
+              <a:lstStyle/>
+              <a:p>
+                <a14:m>
+                  <m:oMathPara xmlns:m="http://schemas.openxmlformats.org/officeDocument/2006/math">
+                    <m:oMathParaPr>
+                      <m:jc m:val="centerGroup"/>
+                    </m:oMathParaPr>
+                    <m:oMath xmlns:m="http://schemas.openxmlformats.org/officeDocument/2006/math">
+                      <m:f>
+                        <m:fPr>
+                          <m:ctrlPr>
+                            <a:rPr lang="en-US" altLang="ko-KR" sz="3200" i="1" smtClean="0">
+                              <a:latin typeface="Cambria Math" panose="02040503050406030204" pitchFamily="18" charset="0"/>
+                            </a:rPr>
+                          </m:ctrlPr>
+                        </m:fPr>
+                        <m:num>
+                          <m:r>
+                            <a:rPr lang="en-US" altLang="ko-KR" sz="3200" b="0" i="1" smtClean="0">
+                              <a:latin typeface="Cambria Math" panose="02040503050406030204" pitchFamily="18" charset="0"/>
+                            </a:rPr>
+                            <m:t>𝑋</m:t>
+                          </m:r>
+                          <m:r>
+                            <a:rPr lang="en-US" altLang="ko-KR" sz="3200" b="0" i="1" smtClean="0">
+                              <a:latin typeface="Cambria Math" panose="02040503050406030204" pitchFamily="18" charset="0"/>
+                            </a:rPr>
+                            <m:t>−</m:t>
+                          </m:r>
+                          <m:r>
+                            <a:rPr lang="ko-KR" altLang="en-US" sz="3200" i="1">
+                              <a:latin typeface="Cambria Math" panose="02040503050406030204" pitchFamily="18" charset="0"/>
+                            </a:rPr>
+                            <m:t>평</m:t>
+                          </m:r>
+                          <m:r>
+                            <a:rPr lang="ko-KR" altLang="en-US" sz="3200" i="1" smtClean="0">
+                              <a:latin typeface="Cambria Math" panose="02040503050406030204" pitchFamily="18" charset="0"/>
+                            </a:rPr>
+                            <m:t>균</m:t>
+                          </m:r>
+                        </m:num>
+                        <m:den>
+                          <m:r>
+                            <a:rPr lang="ko-KR" altLang="en-US" sz="3200" i="1">
+                              <a:latin typeface="Cambria Math" panose="02040503050406030204" pitchFamily="18" charset="0"/>
+                            </a:rPr>
+                            <m:t>표</m:t>
+                          </m:r>
+                          <m:r>
+                            <a:rPr lang="ko-KR" altLang="en-US" sz="3200" i="1" smtClean="0">
+                              <a:latin typeface="Cambria Math" panose="02040503050406030204" pitchFamily="18" charset="0"/>
+                            </a:rPr>
+                            <m:t>준</m:t>
+                          </m:r>
+                          <m:r>
+                            <a:rPr lang="ko-KR" altLang="en-US" sz="3200" i="1">
+                              <a:latin typeface="Cambria Math" panose="02040503050406030204" pitchFamily="18" charset="0"/>
+                            </a:rPr>
+                            <m:t>편</m:t>
+                          </m:r>
+                          <m:r>
+                            <a:rPr lang="ko-KR" altLang="en-US" sz="3200" i="1" smtClean="0">
+                              <a:latin typeface="Cambria Math" panose="02040503050406030204" pitchFamily="18" charset="0"/>
+                            </a:rPr>
+                            <m:t>차</m:t>
+                          </m:r>
+                        </m:den>
+                      </m:f>
+                    </m:oMath>
+                  </m:oMathPara>
+                </a14:m>
+                <a:endParaRPr lang="ko-KR" altLang="en-US" sz="3200" dirty="0"/>
+              </a:p>
+            </p:txBody>
+          </p:sp>
+        </mc:Choice>
+        <mc:Fallback>
+          <p:sp>
+            <p:nvSpPr>
+              <p:cNvPr id="11" name="TextBox 10"/>
+              <p:cNvSpPr txBox="1">
+                <a:spLocks noRot="1" noChangeAspect="1" noMove="1" noResize="1" noEditPoints="1" noAdjustHandles="1" noChangeArrowheads="1" noChangeShapeType="1" noTextEdit="1"/>
+              </p:cNvSpPr>
+              <p:nvPr/>
+            </p:nvSpPr>
+            <p:spPr>
+              <a:xfrm>
+                <a:off x="4494341" y="2130641"/>
+                <a:ext cx="4113328" cy="1055995"/>
+              </a:xfrm>
+              <a:prstGeom prst="rect">
+                <a:avLst/>
+              </a:prstGeom>
+              <a:blipFill>
+                <a:blip r:embed="rId4"/>
+                <a:stretch>
+                  <a:fillRect/>
+                </a:stretch>
+              </a:blipFill>
+            </p:spPr>
+            <p:txBody>
+              <a:bodyPr/>
+              <a:lstStyle/>
+              <a:p>
+                <a:r>
+                  <a:rPr lang="ko-KR" altLang="en-US">
+                    <a:noFill/>
+                  </a:rPr>
+                  <a:t> </a:t>
+                </a:r>
+              </a:p>
+            </p:txBody>
+          </p:sp>
+        </mc:Fallback>
+      </mc:AlternateContent>
+      <p:sp>
+        <p:nvSpPr>
+          <p:cNvPr id="12" name="TextBox 11"/>
+          <p:cNvSpPr txBox="1"/>
+          <p:nvPr/>
+        </p:nvSpPr>
+        <p:spPr>
+          <a:xfrm>
+            <a:off x="6228339" y="597227"/>
+            <a:ext cx="5556738" cy="369332"/>
+          </a:xfrm>
+          <a:prstGeom prst="rect">
+            <a:avLst/>
+          </a:prstGeom>
+          <a:noFill/>
+        </p:spPr>
+        <p:txBody>
+          <a:bodyPr wrap="square" rtlCol="0">
+            <a:spAutoFit/>
+          </a:bodyPr>
+          <a:lstStyle/>
+          <a:p>
+            <a:r>
+              <a:rPr lang="en-US" altLang="ko-KR" dirty="0" smtClean="0"/>
+              <a:t>: </a:t>
+            </a:r>
+            <a:r>
+              <a:rPr lang="ko-KR" altLang="en-US" dirty="0" smtClean="0"/>
+              <a:t>값이 한 쪽에 </a:t>
+            </a:r>
+            <a:r>
+              <a:rPr lang="ko-KR" altLang="en-US" dirty="0" err="1" smtClean="0"/>
+              <a:t>쏠려있다면</a:t>
+            </a:r>
+            <a:r>
+              <a:rPr lang="ko-KR" altLang="en-US" dirty="0" smtClean="0"/>
+              <a:t> </a:t>
+            </a:r>
+            <a:r>
+              <a:rPr lang="en-US" altLang="ko-KR" dirty="0" err="1" smtClean="0"/>
+              <a:t>StandardScaled</a:t>
+            </a:r>
+            <a:r>
+              <a:rPr lang="en-US" altLang="ko-KR" dirty="0" smtClean="0"/>
+              <a:t> </a:t>
+            </a:r>
+            <a:r>
+              <a:rPr lang="ko-KR" altLang="en-US" dirty="0" smtClean="0"/>
+              <a:t>사용</a:t>
+            </a:r>
+            <a:endParaRPr lang="ko-KR" altLang="en-US" dirty="0"/>
+          </a:p>
+        </p:txBody>
+      </p:sp>
+    </p:spTree>
+    <p:extLst>
+      <p:ext uri="{BB962C8B-B14F-4D97-AF65-F5344CB8AC3E}">
+        <p14:creationId xmlns:p14="http://schemas.microsoft.com/office/powerpoint/2010/main" val="3595724812"/>
+      </p:ext>
+    </p:extLst>
+  </p:cSld>
+  <p:clrMapOvr>
+    <a:masterClrMapping/>
+  </p:clrMapOvr>
+  <p:timing>
+    <p:tnLst>
+      <p:par>
+        <p:cTn id="1" dur="indefinite" restart="never" nodeType="tmRoot"/>
+      </p:par>
+    </p:tnLst>
+  </p:timing>
+</p:sld>
+</file>
+
+<file path=ppt/slides/slide7.xml><?xml version="1.0" encoding="utf-8"?>
+<p:sld xmlns:a="http://schemas.openxmlformats.org/drawingml/2006/main" xmlns:r="http://schemas.openxmlformats.org/officeDocument/2006/relationships" xmlns:p="http://schemas.openxmlformats.org/presentationml/2006/main">
+  <p:cSld>
+    <p:spTree>
+      <p:nvGrpSpPr>
+        <p:cNvPr id="1" name=""/>
+        <p:cNvGrpSpPr/>
+        <p:nvPr/>
+      </p:nvGrpSpPr>
+      <p:grpSpPr>
+        <a:xfrm>
+          <a:off x="0" y="0"/>
+          <a:ext cx="0" cy="0"/>
+          <a:chOff x="0" y="0"/>
+          <a:chExt cx="0" cy="0"/>
+        </a:xfrm>
+      </p:grpSpPr>
+      <p:sp>
+        <p:nvSpPr>
+          <p:cNvPr id="3" name="내용 개체 틀 2"/>
+          <p:cNvSpPr>
+            <a:spLocks noGrp="1"/>
+          </p:cNvSpPr>
+          <p:nvPr>
+            <p:ph idx="1"/>
+          </p:nvPr>
+        </p:nvSpPr>
+        <p:spPr/>
+        <p:txBody>
+          <a:bodyPr/>
+          <a:lstStyle/>
+          <a:p>
+            <a:r>
+              <a:rPr lang="en-US" altLang="ko-KR" dirty="0" err="1" smtClean="0"/>
+              <a:t>model.fit</a:t>
+            </a:r>
+            <a:r>
+              <a:rPr lang="en-US" altLang="ko-KR" dirty="0" smtClean="0"/>
+              <a:t> : </a:t>
+            </a:r>
+            <a:r>
+              <a:rPr lang="en-US" altLang="ko-KR" dirty="0" err="1" smtClean="0"/>
+              <a:t>earlystopping</a:t>
+            </a:r>
+            <a:endParaRPr lang="en-US" altLang="ko-KR" dirty="0" smtClean="0"/>
+          </a:p>
+          <a:p>
+            <a:r>
+              <a:rPr lang="en-US" altLang="ko-KR" dirty="0" smtClean="0"/>
+              <a:t>model-layer</a:t>
+            </a:r>
+            <a:r>
+              <a:rPr lang="ko-KR" altLang="en-US" dirty="0" smtClean="0"/>
+              <a:t>단계</a:t>
+            </a:r>
+            <a:r>
+              <a:rPr lang="en-US" altLang="ko-KR" dirty="0" smtClean="0"/>
+              <a:t> : dropout, </a:t>
+            </a:r>
+            <a:r>
+              <a:rPr lang="en-US" altLang="ko-KR" dirty="0" err="1" smtClean="0"/>
+              <a:t>BatchNormalization</a:t>
+            </a:r>
+            <a:endParaRPr lang="en-US" altLang="ko-KR" dirty="0" smtClean="0"/>
+          </a:p>
+          <a:p>
+            <a:r>
+              <a:rPr lang="en-US" altLang="ko-KR" dirty="0" smtClean="0"/>
+              <a:t>data : scaler</a:t>
+            </a:r>
+          </a:p>
+          <a:p>
+            <a:endParaRPr lang="ko-KR" altLang="en-US" dirty="0"/>
+          </a:p>
+        </p:txBody>
+      </p:sp>
+      <p:sp>
+        <p:nvSpPr>
+          <p:cNvPr id="4" name="TextBox 3"/>
+          <p:cNvSpPr txBox="1"/>
+          <p:nvPr/>
+        </p:nvSpPr>
+        <p:spPr>
+          <a:xfrm>
+            <a:off x="363071" y="520283"/>
+            <a:ext cx="6731758" cy="523220"/>
+          </a:xfrm>
+          <a:prstGeom prst="rect">
+            <a:avLst/>
+          </a:prstGeom>
+          <a:noFill/>
+        </p:spPr>
+        <p:txBody>
+          <a:bodyPr wrap="square" rtlCol="0">
+            <a:spAutoFit/>
+          </a:bodyPr>
+          <a:lstStyle/>
+          <a:p>
+            <a:r>
+              <a:rPr lang="ko-KR" altLang="en-US" sz="2800" dirty="0" err="1" smtClean="0"/>
+              <a:t>과적합</a:t>
+            </a:r>
+            <a:r>
+              <a:rPr lang="ko-KR" altLang="en-US" sz="2800" dirty="0" smtClean="0"/>
+              <a:t> 해결방법</a:t>
+            </a:r>
+            <a:endParaRPr lang="ko-KR" altLang="en-US" sz="2800" dirty="0"/>
+          </a:p>
+        </p:txBody>
+      </p:sp>
+      <p:sp>
+        <p:nvSpPr>
+          <p:cNvPr id="5" name="TextBox 4"/>
+          <p:cNvSpPr txBox="1"/>
+          <p:nvPr/>
+        </p:nvSpPr>
+        <p:spPr>
+          <a:xfrm>
+            <a:off x="1646115" y="4725867"/>
+            <a:ext cx="7631723" cy="923330"/>
+          </a:xfrm>
+          <a:prstGeom prst="rect">
+            <a:avLst/>
+          </a:prstGeom>
+          <a:noFill/>
+        </p:spPr>
+        <p:txBody>
+          <a:bodyPr wrap="square" rtlCol="0">
+            <a:spAutoFit/>
+          </a:bodyPr>
+          <a:lstStyle/>
+          <a:p>
+            <a:r>
+              <a:rPr lang="ko-KR" altLang="en-US" dirty="0" smtClean="0"/>
+              <a:t>정규화 </a:t>
+            </a:r>
+            <a:r>
+              <a:rPr lang="en-US" altLang="ko-KR" dirty="0" smtClean="0"/>
+              <a:t>: </a:t>
+            </a:r>
+            <a:r>
+              <a:rPr lang="en-US" altLang="ko-KR" dirty="0" err="1" smtClean="0"/>
+              <a:t>MinMaxScaler</a:t>
+            </a:r>
+            <a:r>
+              <a:rPr lang="en-US" altLang="ko-KR" dirty="0" smtClean="0"/>
+              <a:t> (0~1)</a:t>
+            </a:r>
+          </a:p>
+          <a:p>
+            <a:r>
+              <a:rPr lang="ko-KR" altLang="en-US" dirty="0" smtClean="0"/>
+              <a:t>표준화 </a:t>
+            </a:r>
+            <a:r>
+              <a:rPr lang="en-US" altLang="ko-KR" dirty="0" smtClean="0"/>
+              <a:t>: </a:t>
+            </a:r>
+            <a:r>
+              <a:rPr lang="en-US" altLang="ko-KR" dirty="0" err="1" smtClean="0"/>
+              <a:t>StandardScaler</a:t>
+            </a:r>
+            <a:r>
+              <a:rPr lang="en-US" altLang="ko-KR" dirty="0" smtClean="0"/>
+              <a:t> (        )</a:t>
+            </a:r>
+          </a:p>
+          <a:p>
+            <a:r>
+              <a:rPr lang="ko-KR" altLang="en-US" dirty="0" smtClean="0"/>
+              <a:t>일반화 </a:t>
+            </a:r>
+            <a:r>
+              <a:rPr lang="en-US" altLang="ko-KR" dirty="0" smtClean="0"/>
+              <a:t>: Normalization (</a:t>
+            </a:r>
+            <a:r>
+              <a:rPr lang="ko-KR" altLang="en-US" dirty="0" smtClean="0"/>
+              <a:t>가중치의 일반화</a:t>
+            </a:r>
+            <a:r>
+              <a:rPr lang="en-US" altLang="ko-KR" dirty="0" smtClean="0"/>
+              <a:t>(</a:t>
+            </a:r>
+            <a:r>
+              <a:rPr lang="ko-KR" altLang="en-US" dirty="0" smtClean="0"/>
+              <a:t>가중치를 가운데로 </a:t>
+            </a:r>
+            <a:r>
+              <a:rPr lang="ko-KR" altLang="en-US" dirty="0" err="1" smtClean="0"/>
+              <a:t>모아줌</a:t>
+            </a:r>
+            <a:r>
+              <a:rPr lang="en-US" altLang="ko-KR" dirty="0" smtClean="0"/>
+              <a:t>))</a:t>
+            </a:r>
+            <a:endParaRPr lang="ko-KR" altLang="en-US" dirty="0"/>
+          </a:p>
+        </p:txBody>
+      </p:sp>
+      <p:sp>
+        <p:nvSpPr>
+          <p:cNvPr id="6" name="자유형 5"/>
+          <p:cNvSpPr/>
+          <p:nvPr/>
+        </p:nvSpPr>
+        <p:spPr>
+          <a:xfrm>
+            <a:off x="4310185" y="5117193"/>
+            <a:ext cx="606669" cy="140677"/>
+          </a:xfrm>
+          <a:custGeom>
+            <a:avLst/>
+            <a:gdLst>
+              <a:gd name="connsiteX0" fmla="*/ 0 w 606669"/>
+              <a:gd name="connsiteY0" fmla="*/ 140677 h 140677"/>
+              <a:gd name="connsiteX1" fmla="*/ 149469 w 606669"/>
+              <a:gd name="connsiteY1" fmla="*/ 131884 h 140677"/>
+              <a:gd name="connsiteX2" fmla="*/ 158261 w 606669"/>
+              <a:gd name="connsiteY2" fmla="*/ 96715 h 140677"/>
+              <a:gd name="connsiteX3" fmla="*/ 175846 w 606669"/>
+              <a:gd name="connsiteY3" fmla="*/ 17584 h 140677"/>
+              <a:gd name="connsiteX4" fmla="*/ 202223 w 606669"/>
+              <a:gd name="connsiteY4" fmla="*/ 0 h 140677"/>
+              <a:gd name="connsiteX5" fmla="*/ 342900 w 606669"/>
+              <a:gd name="connsiteY5" fmla="*/ 26377 h 140677"/>
+              <a:gd name="connsiteX6" fmla="*/ 386861 w 606669"/>
+              <a:gd name="connsiteY6" fmla="*/ 79131 h 140677"/>
+              <a:gd name="connsiteX7" fmla="*/ 404446 w 606669"/>
+              <a:gd name="connsiteY7" fmla="*/ 131884 h 140677"/>
+              <a:gd name="connsiteX8" fmla="*/ 536331 w 606669"/>
+              <a:gd name="connsiteY8" fmla="*/ 123092 h 140677"/>
+              <a:gd name="connsiteX9" fmla="*/ 606669 w 606669"/>
+              <a:gd name="connsiteY9" fmla="*/ 114300 h 140677"/>
+            </a:gdLst>
+            <a:ahLst/>
+            <a:cxnLst>
+              <a:cxn ang="0">
+                <a:pos x="connsiteX0" y="connsiteY0"/>
+              </a:cxn>
+              <a:cxn ang="0">
+                <a:pos x="connsiteX1" y="connsiteY1"/>
+              </a:cxn>
+              <a:cxn ang="0">
+                <a:pos x="connsiteX2" y="connsiteY2"/>
+              </a:cxn>
+              <a:cxn ang="0">
+                <a:pos x="connsiteX3" y="connsiteY3"/>
+              </a:cxn>
+              <a:cxn ang="0">
+                <a:pos x="connsiteX4" y="connsiteY4"/>
+              </a:cxn>
+              <a:cxn ang="0">
+                <a:pos x="connsiteX5" y="connsiteY5"/>
+              </a:cxn>
+              <a:cxn ang="0">
+                <a:pos x="connsiteX6" y="connsiteY6"/>
+              </a:cxn>
+              <a:cxn ang="0">
+                <a:pos x="connsiteX7" y="connsiteY7"/>
+              </a:cxn>
+              <a:cxn ang="0">
+                <a:pos x="connsiteX8" y="connsiteY8"/>
+              </a:cxn>
+              <a:cxn ang="0">
+                <a:pos x="connsiteX9" y="connsiteY9"/>
+              </a:cxn>
+            </a:cxnLst>
+            <a:rect l="l" t="t" r="r" b="b"/>
+            <a:pathLst>
+              <a:path w="606669" h="140677">
+                <a:moveTo>
+                  <a:pt x="0" y="140677"/>
+                </a:moveTo>
+                <a:cubicBezTo>
+                  <a:pt x="49823" y="137746"/>
+                  <a:pt x="101381" y="145242"/>
+                  <a:pt x="149469" y="131884"/>
+                </a:cubicBezTo>
+                <a:cubicBezTo>
+                  <a:pt x="161112" y="128650"/>
+                  <a:pt x="155891" y="108564"/>
+                  <a:pt x="158261" y="96715"/>
+                </a:cubicBezTo>
+                <a:cubicBezTo>
+                  <a:pt x="158374" y="96149"/>
+                  <a:pt x="166721" y="28990"/>
+                  <a:pt x="175846" y="17584"/>
+                </a:cubicBezTo>
+                <a:cubicBezTo>
+                  <a:pt x="182447" y="9333"/>
+                  <a:pt x="193431" y="5861"/>
+                  <a:pt x="202223" y="0"/>
+                </a:cubicBezTo>
+                <a:cubicBezTo>
+                  <a:pt x="280711" y="6037"/>
+                  <a:pt x="297545" y="-11419"/>
+                  <a:pt x="342900" y="26377"/>
+                </a:cubicBezTo>
+                <a:cubicBezTo>
+                  <a:pt x="357517" y="38558"/>
+                  <a:pt x="378724" y="60822"/>
+                  <a:pt x="386861" y="79131"/>
+                </a:cubicBezTo>
+                <a:cubicBezTo>
+                  <a:pt x="394389" y="96069"/>
+                  <a:pt x="404446" y="131884"/>
+                  <a:pt x="404446" y="131884"/>
+                </a:cubicBezTo>
+                <a:cubicBezTo>
+                  <a:pt x="448408" y="128953"/>
+                  <a:pt x="492437" y="126909"/>
+                  <a:pt x="536331" y="123092"/>
+                </a:cubicBezTo>
+                <a:cubicBezTo>
+                  <a:pt x="559871" y="121045"/>
+                  <a:pt x="606669" y="114300"/>
+                  <a:pt x="606669" y="114300"/>
+                </a:cubicBezTo>
+              </a:path>
+            </a:pathLst>
+          </a:custGeom>
+          <a:noFill/>
+        </p:spPr>
+        <p:style>
+          <a:lnRef idx="2">
+            <a:schemeClr val="accent1">
+              <a:shade val="50000"/>
+            </a:schemeClr>
+          </a:lnRef>
+          <a:fillRef idx="1">
+            <a:schemeClr val="accent1"/>
+          </a:fillRef>
+          <a:effectRef idx="0">
+            <a:schemeClr val="accent1"/>
+          </a:effectRef>
+          <a:fontRef idx="minor">
+            <a:schemeClr val="lt1"/>
+          </a:fontRef>
+        </p:style>
+        <p:txBody>
+          <a:bodyPr rtlCol="0" anchor="ctr"/>
+          <a:lstStyle/>
+          <a:p>
+            <a:pPr algn="ctr"/>
+            <a:endParaRPr lang="ko-KR" altLang="en-US"/>
+          </a:p>
+        </p:txBody>
+      </p:sp>
+      <p:graphicFrame>
+        <p:nvGraphicFramePr>
+          <p:cNvPr id="7" name="표 6"/>
+          <p:cNvGraphicFramePr>
+            <a:graphicFrameLocks noGrp="1"/>
+          </p:cNvGraphicFramePr>
+          <p:nvPr>
+            <p:extLst>
+              <p:ext uri="{D42A27DB-BD31-4B8C-83A1-F6EECF244321}">
+                <p14:modId xmlns:p14="http://schemas.microsoft.com/office/powerpoint/2010/main" val="4177276342"/>
+              </p:ext>
+            </p:extLst>
+          </p:nvPr>
+        </p:nvGraphicFramePr>
+        <p:xfrm>
+          <a:off x="838200" y="4675969"/>
+          <a:ext cx="887045" cy="997484"/>
+        </p:xfrm>
+        <a:graphic>
+          <a:graphicData uri="http://schemas.openxmlformats.org/drawingml/2006/table">
+            <a:tbl>
+              <a:tblPr firstRow="1" bandRow="1">
+                <a:tableStyleId>{5C22544A-7EE6-4342-B048-85BDC9FD1C3A}</a:tableStyleId>
+              </a:tblPr>
+              <a:tblGrid>
+                <a:gridCol w="887045">
+                  <a:extLst>
+                    <a:ext uri="{9D8B030D-6E8A-4147-A177-3AD203B41FA5}">
+                      <a16:colId xmlns:a16="http://schemas.microsoft.com/office/drawing/2014/main" val="353390332"/>
+                    </a:ext>
+                  </a:extLst>
+                </a:gridCol>
+              </a:tblGrid>
+              <a:tr h="631724">
+                <a:tc>
+                  <a:txBody>
+                    <a:bodyPr/>
+                    <a:lstStyle/>
+                    <a:p>
+                      <a:pPr algn="ctr" latinLnBrk="1"/>
+                      <a:r>
+                        <a:rPr lang="ko-KR" altLang="en-US" dirty="0" smtClean="0"/>
+                        <a:t>데이터</a:t>
+                      </a:r>
+                      <a:endParaRPr lang="ko-KR" altLang="en-US" dirty="0"/>
+                    </a:p>
+                  </a:txBody>
+                  <a:tcPr/>
+                </a:tc>
+                <a:extLst>
+                  <a:ext uri="{0D108BD9-81ED-4DB2-BD59-A6C34878D82A}">
+                    <a16:rowId xmlns:a16="http://schemas.microsoft.com/office/drawing/2014/main" val="371788164"/>
+                  </a:ext>
+                </a:extLst>
+              </a:tr>
+              <a:tr h="315862">
+                <a:tc>
+                  <a:txBody>
+                    <a:bodyPr/>
+                    <a:lstStyle/>
+                    <a:p>
+                      <a:pPr algn="ctr" latinLnBrk="1"/>
+                      <a:r>
+                        <a:rPr lang="en-US" altLang="ko-KR" dirty="0" smtClean="0"/>
+                        <a:t>layer</a:t>
+                      </a:r>
+                      <a:endParaRPr lang="ko-KR" altLang="en-US" dirty="0"/>
+                    </a:p>
+                  </a:txBody>
+                  <a:tcPr/>
+                </a:tc>
+                <a:extLst>
+                  <a:ext uri="{0D108BD9-81ED-4DB2-BD59-A6C34878D82A}">
+                    <a16:rowId xmlns:a16="http://schemas.microsoft.com/office/drawing/2014/main" val="823690413"/>
+                  </a:ext>
+                </a:extLst>
+              </a:tr>
+            </a:tbl>
+          </a:graphicData>
+        </a:graphic>
+      </p:graphicFrame>
+      <p:sp>
+        <p:nvSpPr>
+          <p:cNvPr id="8" name="TextBox 7"/>
+          <p:cNvSpPr txBox="1"/>
+          <p:nvPr/>
+        </p:nvSpPr>
+        <p:spPr>
+          <a:xfrm>
+            <a:off x="7614139" y="520283"/>
+            <a:ext cx="4747846" cy="1477328"/>
+          </a:xfrm>
+          <a:prstGeom prst="rect">
+            <a:avLst/>
+          </a:prstGeom>
+          <a:noFill/>
+        </p:spPr>
+        <p:txBody>
+          <a:bodyPr wrap="square" rtlCol="0">
+            <a:spAutoFit/>
+          </a:bodyPr>
+          <a:lstStyle/>
+          <a:p>
+            <a:r>
+              <a:rPr lang="en-US" altLang="ko-KR" dirty="0" smtClean="0"/>
+              <a:t>dropout &gt;</a:t>
+            </a:r>
+          </a:p>
+          <a:p>
+            <a:r>
+              <a:rPr lang="en-US" altLang="ko-KR" dirty="0" err="1"/>
+              <a:t>model.add</a:t>
+            </a:r>
+            <a:r>
+              <a:rPr lang="en-US" altLang="ko-KR" dirty="0"/>
+              <a:t>(Dropout(0.2)) </a:t>
+            </a:r>
+            <a:endParaRPr lang="en-US" altLang="ko-KR" dirty="0"/>
+          </a:p>
+          <a:p>
+            <a:r>
+              <a:rPr lang="en-US" altLang="ko-KR" dirty="0" smtClean="0"/>
+              <a:t>#</a:t>
+            </a:r>
+            <a:r>
+              <a:rPr lang="en-US" altLang="ko-KR" dirty="0"/>
+              <a:t>0.2 1000</a:t>
+            </a:r>
+            <a:r>
+              <a:rPr lang="ko-KR" altLang="en-US" dirty="0"/>
+              <a:t>개의 노드 중 </a:t>
+            </a:r>
+            <a:r>
+              <a:rPr lang="en-US" altLang="ko-KR" dirty="0"/>
+              <a:t>20%</a:t>
+            </a:r>
+            <a:r>
+              <a:rPr lang="ko-KR" altLang="en-US" dirty="0"/>
+              <a:t>를 안쓰겠다</a:t>
+            </a:r>
+            <a:r>
+              <a:rPr lang="en-US" altLang="ko-KR" dirty="0"/>
+              <a:t>. </a:t>
+            </a:r>
+            <a:endParaRPr lang="en-US" altLang="ko-KR" dirty="0" smtClean="0"/>
+          </a:p>
+          <a:p>
+            <a:r>
+              <a:rPr lang="ko-KR" altLang="en-US" dirty="0" smtClean="0"/>
+              <a:t>효과</a:t>
+            </a:r>
+            <a:r>
+              <a:rPr lang="en-US" altLang="ko-KR" dirty="0"/>
+              <a:t>: </a:t>
+            </a:r>
+            <a:r>
+              <a:rPr lang="ko-KR" altLang="en-US" dirty="0" err="1"/>
+              <a:t>과적합</a:t>
+            </a:r>
+            <a:r>
+              <a:rPr lang="ko-KR" altLang="en-US" dirty="0"/>
+              <a:t> 회피 </a:t>
+            </a:r>
+          </a:p>
+          <a:p>
+            <a:endParaRPr lang="ko-KR" altLang="en-US" dirty="0"/>
+          </a:p>
+        </p:txBody>
+      </p:sp>
+      <p:pic>
+        <p:nvPicPr>
+          <p:cNvPr id="9" name="그림 8"/>
+          <p:cNvPicPr>
+            <a:picLocks noChangeAspect="1"/>
+          </p:cNvPicPr>
+          <p:nvPr/>
+        </p:nvPicPr>
+        <p:blipFill>
+          <a:blip r:embed="rId2"/>
+          <a:stretch>
+            <a:fillRect/>
+          </a:stretch>
+        </p:blipFill>
+        <p:spPr>
+          <a:xfrm>
+            <a:off x="4068864" y="2801680"/>
+            <a:ext cx="4968671" cy="662997"/>
+          </a:xfrm>
+          <a:prstGeom prst="rect">
+            <a:avLst/>
+          </a:prstGeom>
+        </p:spPr>
+      </p:pic>
+    </p:spTree>
+    <p:extLst>
+      <p:ext uri="{BB962C8B-B14F-4D97-AF65-F5344CB8AC3E}">
+        <p14:creationId xmlns:p14="http://schemas.microsoft.com/office/powerpoint/2010/main" val="730672241"/>
+      </p:ext>
+    </p:extLst>
+  </p:cSld>
+  <p:clrMapOvr>
+    <a:masterClrMapping/>
+  </p:clrMapOvr>
+  <p:timing>
+    <p:tnLst>
+      <p:par>
+        <p:cTn id="1" dur="indefinite" restart="never" nodeType="tmRoot"/>
+      </p:par>
+    </p:tnLst>
+  </p:timing>
+</p:sld>
+</file>
+
+<file path=ppt/slides/slide8.xml><?xml version="1.0" encoding="utf-8"?>
+<p:sld xmlns:a="http://schemas.openxmlformats.org/drawingml/2006/main" xmlns:r="http://schemas.openxmlformats.org/officeDocument/2006/relationships" xmlns:p="http://schemas.openxmlformats.org/presentationml/2006/main">
+  <p:cSld>
+    <p:spTree>
+      <p:nvGrpSpPr>
+        <p:cNvPr id="1" name=""/>
+        <p:cNvGrpSpPr/>
+        <p:nvPr/>
+      </p:nvGrpSpPr>
+      <p:grpSpPr>
+        <a:xfrm>
+          <a:off x="0" y="0"/>
+          <a:ext cx="0" cy="0"/>
+          <a:chOff x="0" y="0"/>
+          <a:chExt cx="0" cy="0"/>
+        </a:xfrm>
+      </p:grpSpPr>
+      <p:sp>
+        <p:nvSpPr>
+          <p:cNvPr id="3" name="내용 개체 틀 2"/>
+          <p:cNvSpPr>
+            <a:spLocks noGrp="1"/>
+          </p:cNvSpPr>
+          <p:nvPr>
+            <p:ph idx="1"/>
+          </p:nvPr>
+        </p:nvSpPr>
+        <p:spPr>
+          <a:xfrm>
+            <a:off x="363071" y="1322115"/>
+            <a:ext cx="8209429" cy="675496"/>
+          </a:xfrm>
+        </p:spPr>
+        <p:txBody>
+          <a:bodyPr/>
+          <a:lstStyle/>
+          <a:p>
+            <a:pPr marL="0" indent="0">
+              <a:buNone/>
+            </a:pPr>
+            <a:r>
+              <a:rPr lang="en-US" altLang="ko-KR" dirty="0" smtClean="0"/>
+              <a:t>model-layer</a:t>
+            </a:r>
+            <a:r>
+              <a:rPr lang="ko-KR" altLang="en-US" dirty="0" smtClean="0"/>
+              <a:t>단계</a:t>
+            </a:r>
+            <a:r>
+              <a:rPr lang="en-US" altLang="ko-KR" dirty="0" smtClean="0"/>
+              <a:t> : dropout, </a:t>
+            </a:r>
+            <a:r>
+              <a:rPr lang="en-US" altLang="ko-KR" dirty="0" err="1" smtClean="0"/>
+              <a:t>BatchNormalization</a:t>
+            </a:r>
+            <a:endParaRPr lang="en-US" altLang="ko-KR" dirty="0" smtClean="0"/>
+          </a:p>
+          <a:p>
+            <a:endParaRPr lang="ko-KR" altLang="en-US" dirty="0"/>
+          </a:p>
+        </p:txBody>
+      </p:sp>
+      <p:sp>
+        <p:nvSpPr>
+          <p:cNvPr id="4" name="TextBox 3"/>
+          <p:cNvSpPr txBox="1"/>
+          <p:nvPr/>
+        </p:nvSpPr>
+        <p:spPr>
+          <a:xfrm>
+            <a:off x="363071" y="520283"/>
+            <a:ext cx="6731758" cy="523220"/>
+          </a:xfrm>
+          <a:prstGeom prst="rect">
+            <a:avLst/>
+          </a:prstGeom>
+          <a:noFill/>
+        </p:spPr>
+        <p:txBody>
+          <a:bodyPr wrap="square" rtlCol="0">
+            <a:spAutoFit/>
+          </a:bodyPr>
+          <a:lstStyle/>
+          <a:p>
+            <a:r>
+              <a:rPr lang="ko-KR" altLang="en-US" sz="2800" dirty="0" err="1" smtClean="0"/>
+              <a:t>과적합</a:t>
+            </a:r>
+            <a:r>
+              <a:rPr lang="ko-KR" altLang="en-US" sz="2800" dirty="0" smtClean="0"/>
+              <a:t> 해결방법</a:t>
+            </a:r>
+            <a:r>
+              <a:rPr lang="en-US" altLang="ko-KR" sz="2800" dirty="0" smtClean="0"/>
+              <a:t>(2)</a:t>
+            </a:r>
+            <a:endParaRPr lang="ko-KR" altLang="en-US" sz="2800" dirty="0"/>
+          </a:p>
+        </p:txBody>
+      </p:sp>
+      <p:grpSp>
+        <p:nvGrpSpPr>
+          <p:cNvPr id="14" name="그룹 13"/>
+          <p:cNvGrpSpPr/>
+          <p:nvPr/>
+        </p:nvGrpSpPr>
+        <p:grpSpPr>
+          <a:xfrm>
+            <a:off x="493305" y="2116509"/>
+            <a:ext cx="5450295" cy="2130176"/>
+            <a:chOff x="493305" y="2775932"/>
+            <a:chExt cx="5450295" cy="2130176"/>
+          </a:xfrm>
+        </p:grpSpPr>
+        <p:pic>
+          <p:nvPicPr>
+            <p:cNvPr id="2" name="그림 1"/>
+            <p:cNvPicPr>
+              <a:picLocks noChangeAspect="1"/>
+            </p:cNvPicPr>
+            <p:nvPr/>
+          </p:nvPicPr>
+          <p:blipFill>
+            <a:blip r:embed="rId2"/>
+            <a:stretch>
+              <a:fillRect/>
+            </a:stretch>
+          </p:blipFill>
+          <p:spPr>
+            <a:xfrm>
+              <a:off x="493305" y="3260588"/>
+              <a:ext cx="5450295" cy="1645520"/>
+            </a:xfrm>
+            <a:prstGeom prst="rect">
+              <a:avLst/>
+            </a:prstGeom>
+          </p:spPr>
+        </p:pic>
+        <p:sp>
+          <p:nvSpPr>
+            <p:cNvPr id="10" name="TextBox 9"/>
+            <p:cNvSpPr txBox="1"/>
+            <p:nvPr/>
+          </p:nvSpPr>
+          <p:spPr>
+            <a:xfrm>
+              <a:off x="493305" y="2775932"/>
+              <a:ext cx="1792695" cy="369332"/>
+            </a:xfrm>
+            <a:prstGeom prst="rect">
+              <a:avLst/>
+            </a:prstGeom>
+            <a:noFill/>
+          </p:spPr>
+          <p:txBody>
+            <a:bodyPr wrap="square" rtlCol="0">
+              <a:spAutoFit/>
+            </a:bodyPr>
+            <a:lstStyle/>
+            <a:p>
+              <a:r>
+                <a:rPr lang="en-US" altLang="ko-KR" dirty="0" smtClean="0"/>
+                <a:t>Dropout</a:t>
+              </a:r>
+              <a:endParaRPr lang="ko-KR" altLang="en-US" dirty="0"/>
+            </a:p>
+          </p:txBody>
+        </p:sp>
+      </p:grpSp>
+      <p:grpSp>
+        <p:nvGrpSpPr>
+          <p:cNvPr id="15" name="그룹 14"/>
+          <p:cNvGrpSpPr/>
+          <p:nvPr/>
+        </p:nvGrpSpPr>
+        <p:grpSpPr>
+          <a:xfrm>
+            <a:off x="6356838" y="2116509"/>
+            <a:ext cx="4699689" cy="2524628"/>
+            <a:chOff x="6365630" y="2775932"/>
+            <a:chExt cx="4699689" cy="2524628"/>
+          </a:xfrm>
+        </p:grpSpPr>
+        <p:sp>
+          <p:nvSpPr>
+            <p:cNvPr id="11" name="TextBox 10"/>
+            <p:cNvSpPr txBox="1"/>
+            <p:nvPr/>
+          </p:nvSpPr>
+          <p:spPr>
+            <a:xfrm>
+              <a:off x="6365630" y="2775932"/>
+              <a:ext cx="4699689" cy="646331"/>
+            </a:xfrm>
+            <a:prstGeom prst="rect">
+              <a:avLst/>
+            </a:prstGeom>
+            <a:noFill/>
+          </p:spPr>
+          <p:txBody>
+            <a:bodyPr wrap="square" rtlCol="0">
+              <a:spAutoFit/>
+            </a:bodyPr>
+            <a:lstStyle/>
+            <a:p>
+              <a:r>
+                <a:rPr lang="en-US" altLang="ko-KR" dirty="0" err="1" smtClean="0"/>
+                <a:t>BatchNormalization</a:t>
+              </a:r>
+              <a:r>
+                <a:rPr lang="ko-KR" altLang="en-US" dirty="0" smtClean="0"/>
+                <a:t> </a:t>
+              </a:r>
+              <a:r>
+                <a:rPr lang="en-US" altLang="ko-KR" dirty="0" smtClean="0"/>
+                <a:t>:</a:t>
+              </a:r>
+            </a:p>
+            <a:p>
+              <a:r>
+                <a:rPr lang="ko-KR" altLang="en-US" dirty="0" smtClean="0"/>
+                <a:t>가중치의 일반화</a:t>
+              </a:r>
+              <a:r>
+                <a:rPr lang="en-US" altLang="ko-KR" dirty="0" smtClean="0"/>
+                <a:t>, </a:t>
+              </a:r>
+              <a:r>
+                <a:rPr lang="ko-KR" altLang="en-US" dirty="0" smtClean="0"/>
+                <a:t>가중치를 가운데로 </a:t>
+              </a:r>
+              <a:r>
+                <a:rPr lang="ko-KR" altLang="en-US" dirty="0" err="1" smtClean="0"/>
+                <a:t>모아줌</a:t>
+              </a:r>
+              <a:endParaRPr lang="en-US" altLang="ko-KR" dirty="0" smtClean="0"/>
+            </a:p>
+          </p:txBody>
+        </p:sp>
+        <p:pic>
+          <p:nvPicPr>
+            <p:cNvPr id="12" name="그림 11"/>
+            <p:cNvPicPr>
+              <a:picLocks noChangeAspect="1"/>
+            </p:cNvPicPr>
+            <p:nvPr/>
+          </p:nvPicPr>
+          <p:blipFill>
+            <a:blip r:embed="rId3"/>
+            <a:stretch>
+              <a:fillRect/>
+            </a:stretch>
+          </p:blipFill>
+          <p:spPr>
+            <a:xfrm>
+              <a:off x="6454819" y="3479222"/>
+              <a:ext cx="4610500" cy="1821338"/>
+            </a:xfrm>
+            <a:prstGeom prst="rect">
+              <a:avLst/>
+            </a:prstGeom>
+          </p:spPr>
+        </p:pic>
+      </p:grpSp>
+      <p:pic>
+        <p:nvPicPr>
+          <p:cNvPr id="13" name="그림 12"/>
+          <p:cNvPicPr>
+            <a:picLocks noChangeAspect="1"/>
+          </p:cNvPicPr>
+          <p:nvPr/>
+        </p:nvPicPr>
+        <p:blipFill>
+          <a:blip r:embed="rId4"/>
+          <a:stretch>
+            <a:fillRect/>
+          </a:stretch>
+        </p:blipFill>
+        <p:spPr>
+          <a:xfrm>
+            <a:off x="493305" y="4641137"/>
+            <a:ext cx="5029636" cy="441998"/>
+          </a:xfrm>
+          <a:prstGeom prst="rect">
+            <a:avLst/>
+          </a:prstGeom>
+        </p:spPr>
+      </p:pic>
+    </p:spTree>
+    <p:extLst>
+      <p:ext uri="{BB962C8B-B14F-4D97-AF65-F5344CB8AC3E}">
+        <p14:creationId xmlns:p14="http://schemas.microsoft.com/office/powerpoint/2010/main" val="2797170111"/>
+      </p:ext>
+    </p:extLst>
+  </p:cSld>
+  <p:clrMapOvr>
+    <a:masterClrMapping/>
+  </p:clrMapOvr>
+  <p:timing>
+    <p:tnLst>
+      <p:par>
+        <p:cTn id="1" dur="indefinite" restart="never" nodeType="tmRoot"/>
+      </p:par>
+    </p:tnLst>
+  </p:timing>
+</p:sld>
+</file>
+
+<file path=ppt/slides/slide9.xml><?xml version="1.0" encoding="utf-8"?>
+<p:sld xmlns:a="http://schemas.openxmlformats.org/drawingml/2006/main" xmlns:r="http://schemas.openxmlformats.org/officeDocument/2006/relationships" xmlns:p="http://schemas.openxmlformats.org/presentationml/2006/main">
+  <p:cSld>
+    <p:spTree>
+      <p:nvGrpSpPr>
+        <p:cNvPr id="1" name=""/>
+        <p:cNvGrpSpPr/>
+        <p:nvPr/>
+      </p:nvGrpSpPr>
+      <p:grpSpPr>
+        <a:xfrm>
+          <a:off x="0" y="0"/>
+          <a:ext cx="0" cy="0"/>
+          <a:chOff x="0" y="0"/>
+          <a:chExt cx="0" cy="0"/>
+        </a:xfrm>
+      </p:grpSpPr>
+      <p:grpSp>
+        <p:nvGrpSpPr>
+          <p:cNvPr id="11" name="그룹 10"/>
+          <p:cNvGrpSpPr/>
+          <p:nvPr/>
+        </p:nvGrpSpPr>
+        <p:grpSpPr>
+          <a:xfrm>
+            <a:off x="307730" y="355939"/>
+            <a:ext cx="7201499" cy="5281011"/>
+            <a:chOff x="298938" y="1173624"/>
+            <a:chExt cx="7201499" cy="5281011"/>
+          </a:xfrm>
+        </p:grpSpPr>
+        <p:sp>
+          <p:nvSpPr>
+            <p:cNvPr id="8" name="직사각형 7"/>
+            <p:cNvSpPr/>
+            <p:nvPr/>
+          </p:nvSpPr>
+          <p:spPr>
+            <a:xfrm>
+              <a:off x="298938" y="1173624"/>
+              <a:ext cx="6096000" cy="646331"/>
+            </a:xfrm>
+            <a:prstGeom prst="rect">
+              <a:avLst/>
+            </a:prstGeom>
+          </p:spPr>
+          <p:txBody>
+            <a:bodyPr>
+              <a:spAutoFit/>
+            </a:bodyPr>
+            <a:lstStyle/>
+            <a:p>
+              <a:r>
+                <a:rPr lang="en-US" altLang="ko-KR" dirty="0" smtClean="0"/>
+                <a:t>&lt;</a:t>
+              </a:r>
+              <a:r>
+                <a:rPr lang="en-US" altLang="ko-KR" dirty="0" err="1" smtClean="0"/>
+                <a:t>TensorBoard</a:t>
+              </a:r>
+              <a:r>
+                <a:rPr lang="en-US" altLang="ko-KR" dirty="0" smtClean="0"/>
+                <a:t> </a:t>
+              </a:r>
+              <a:r>
+                <a:rPr lang="ko-KR" altLang="en-US" dirty="0" smtClean="0"/>
+                <a:t>사이트 경로 </a:t>
+              </a:r>
+              <a:r>
+                <a:rPr lang="en-US" altLang="ko-KR" dirty="0" smtClean="0"/>
+                <a:t>&gt;</a:t>
+              </a:r>
+            </a:p>
+            <a:p>
+              <a:endParaRPr lang="en-US" altLang="ko-KR" dirty="0" smtClean="0"/>
+            </a:p>
+          </p:txBody>
+        </p:sp>
+        <p:pic>
+          <p:nvPicPr>
+            <p:cNvPr id="9" name="그림 8"/>
+            <p:cNvPicPr>
+              <a:picLocks noChangeAspect="1"/>
+            </p:cNvPicPr>
+            <p:nvPr/>
+          </p:nvPicPr>
+          <p:blipFill>
+            <a:blip r:embed="rId2"/>
+            <a:stretch>
+              <a:fillRect/>
+            </a:stretch>
+          </p:blipFill>
+          <p:spPr>
+            <a:xfrm>
+              <a:off x="436085" y="3703799"/>
+              <a:ext cx="5414120" cy="2750836"/>
+            </a:xfrm>
+            <a:prstGeom prst="rect">
+              <a:avLst/>
+            </a:prstGeom>
+          </p:spPr>
+        </p:pic>
+        <p:pic>
+          <p:nvPicPr>
+            <p:cNvPr id="10" name="그림 9"/>
+            <p:cNvPicPr>
+              <a:picLocks noChangeAspect="1"/>
+            </p:cNvPicPr>
+            <p:nvPr/>
+          </p:nvPicPr>
+          <p:blipFill>
+            <a:blip r:embed="rId3"/>
+            <a:stretch>
+              <a:fillRect/>
+            </a:stretch>
+          </p:blipFill>
+          <p:spPr>
+            <a:xfrm>
+              <a:off x="436085" y="1889400"/>
+              <a:ext cx="7064352" cy="1531753"/>
+            </a:xfrm>
+            <a:prstGeom prst="rect">
+              <a:avLst/>
+            </a:prstGeom>
+          </p:spPr>
+        </p:pic>
+      </p:grpSp>
+    </p:spTree>
+    <p:extLst>
+      <p:ext uri="{BB962C8B-B14F-4D97-AF65-F5344CB8AC3E}">
+        <p14:creationId xmlns:p14="http://schemas.microsoft.com/office/powerpoint/2010/main" val="3773726261"/>
+      </p:ext>
+    </p:extLst>
+  </p:cSld>
+  <p:clrMapOvr>
+    <a:masterClrMapping/>
+  </p:clrMapOvr>
+  <p:timing>
+    <p:tnLst>
+      <p:par>
+        <p:cTn id="1" dur="indefinite" restart="never" nodeType="tmRoot"/>
+      </p:par>
+    </p:tnLst>
+  </p:timing>
 </p:sld>
 </file>
 
